--- a/03b Aggregation match.pptx
+++ b/03b Aggregation match.pptx
@@ -5,7 +5,7 @@
     <p:sldMasterId id="2147483659" r:id="rId1"/>
   </p:sldMasterIdLst>
   <p:notesMasterIdLst>
-    <p:notesMasterId r:id="rId29"/>
+    <p:notesMasterId r:id="rId16"/>
   </p:notesMasterIdLst>
   <p:sldIdLst>
     <p:sldId id="263" r:id="rId2"/>
@@ -22,29 +22,16 @@
     <p:sldId id="323" r:id="rId13"/>
     <p:sldId id="324" r:id="rId14"/>
     <p:sldId id="318" r:id="rId15"/>
-    <p:sldId id="328" r:id="rId16"/>
-    <p:sldId id="329" r:id="rId17"/>
-    <p:sldId id="330" r:id="rId18"/>
-    <p:sldId id="331" r:id="rId19"/>
-    <p:sldId id="332" r:id="rId20"/>
-    <p:sldId id="333" r:id="rId21"/>
-    <p:sldId id="334" r:id="rId22"/>
-    <p:sldId id="305" r:id="rId23"/>
-    <p:sldId id="306" r:id="rId24"/>
-    <p:sldId id="307" r:id="rId25"/>
-    <p:sldId id="325" r:id="rId26"/>
-    <p:sldId id="326" r:id="rId27"/>
-    <p:sldId id="327" r:id="rId28"/>
   </p:sldIdLst>
   <p:sldSz cx="9144000" cy="5143500" type="screen16x9"/>
   <p:notesSz cx="6858000" cy="9144000"/>
   <p:embeddedFontLst>
     <p:embeddedFont>
       <p:font typeface="Roboto" panose="02000000000000000000" pitchFamily="2" charset="0"/>
-      <p:regular r:id="rId30"/>
-      <p:bold r:id="rId31"/>
-      <p:italic r:id="rId32"/>
-      <p:boldItalic r:id="rId33"/>
+      <p:regular r:id="rId17"/>
+      <p:bold r:id="rId18"/>
+      <p:italic r:id="rId19"/>
+      <p:boldItalic r:id="rId20"/>
     </p:embeddedFont>
   </p:embeddedFontLst>
   <p:defaultTextStyle>
@@ -293,3276 +280,6 @@
     </p:ext>
   </p:extLst>
 </p:presentation>
-</file>
-
-<file path=ppt/diagrams/colors1.xml><?xml version="1.0" encoding="utf-8"?>
-<dgm:colorsDef xmlns:dgm="http://schemas.openxmlformats.org/drawingml/2006/diagram" xmlns:a="http://schemas.openxmlformats.org/drawingml/2006/main" uniqueId="urn:microsoft.com/office/officeart/2005/8/colors/colorful3">
-  <dgm:title val=""/>
-  <dgm:desc val=""/>
-  <dgm:catLst>
-    <dgm:cat type="colorful" pri="10300"/>
-  </dgm:catLst>
-  <dgm:styleLbl name="node0">
-    <dgm:fillClrLst meth="repeat">
-      <a:schemeClr val="accent2"/>
-    </dgm:fillClrLst>
-    <dgm:linClrLst meth="repeat">
-      <a:schemeClr val="lt1"/>
-    </dgm:linClrLst>
-    <dgm:effectClrLst/>
-    <dgm:txLinClrLst/>
-    <dgm:txFillClrLst/>
-    <dgm:txEffectClrLst/>
-  </dgm:styleLbl>
-  <dgm:styleLbl name="node1">
-    <dgm:fillClrLst>
-      <a:schemeClr val="accent3"/>
-      <a:schemeClr val="accent4"/>
-    </dgm:fillClrLst>
-    <dgm:linClrLst meth="repeat">
-      <a:schemeClr val="lt1"/>
-    </dgm:linClrLst>
-    <dgm:effectClrLst/>
-    <dgm:txLinClrLst/>
-    <dgm:txFillClrLst/>
-    <dgm:txEffectClrLst/>
-  </dgm:styleLbl>
-  <dgm:styleLbl name="alignNode1">
-    <dgm:fillClrLst>
-      <a:schemeClr val="accent3"/>
-      <a:schemeClr val="accent4"/>
-    </dgm:fillClrLst>
-    <dgm:linClrLst>
-      <a:schemeClr val="accent3"/>
-      <a:schemeClr val="accent4"/>
-    </dgm:linClrLst>
-    <dgm:effectClrLst/>
-    <dgm:txLinClrLst/>
-    <dgm:txFillClrLst/>
-    <dgm:txEffectClrLst/>
-  </dgm:styleLbl>
-  <dgm:styleLbl name="lnNode1">
-    <dgm:fillClrLst>
-      <a:schemeClr val="accent3"/>
-      <a:schemeClr val="accent4"/>
-    </dgm:fillClrLst>
-    <dgm:linClrLst meth="repeat">
-      <a:schemeClr val="lt1"/>
-    </dgm:linClrLst>
-    <dgm:effectClrLst/>
-    <dgm:txLinClrLst/>
-    <dgm:txFillClrLst/>
-    <dgm:txEffectClrLst/>
-  </dgm:styleLbl>
-  <dgm:styleLbl name="vennNode1">
-    <dgm:fillClrLst>
-      <a:schemeClr val="accent3">
-        <a:alpha val="50000"/>
-      </a:schemeClr>
-      <a:schemeClr val="accent4">
-        <a:alpha val="50000"/>
-      </a:schemeClr>
-    </dgm:fillClrLst>
-    <dgm:linClrLst meth="repeat">
-      <a:schemeClr val="lt1"/>
-    </dgm:linClrLst>
-    <dgm:effectClrLst/>
-    <dgm:txLinClrLst/>
-    <dgm:txFillClrLst/>
-    <dgm:txEffectClrLst/>
-  </dgm:styleLbl>
-  <dgm:styleLbl name="node2">
-    <dgm:fillClrLst>
-      <a:schemeClr val="accent4"/>
-    </dgm:fillClrLst>
-    <dgm:linClrLst meth="repeat">
-      <a:schemeClr val="lt1"/>
-    </dgm:linClrLst>
-    <dgm:effectClrLst/>
-    <dgm:txLinClrLst/>
-    <dgm:txFillClrLst/>
-    <dgm:txEffectClrLst/>
-  </dgm:styleLbl>
-  <dgm:styleLbl name="node3">
-    <dgm:fillClrLst>
-      <a:schemeClr val="accent5"/>
-    </dgm:fillClrLst>
-    <dgm:linClrLst meth="repeat">
-      <a:schemeClr val="lt1"/>
-    </dgm:linClrLst>
-    <dgm:effectClrLst/>
-    <dgm:txLinClrLst/>
-    <dgm:txFillClrLst/>
-    <dgm:txEffectClrLst/>
-  </dgm:styleLbl>
-  <dgm:styleLbl name="node4">
-    <dgm:fillClrLst>
-      <a:schemeClr val="accent6"/>
-    </dgm:fillClrLst>
-    <dgm:linClrLst meth="repeat">
-      <a:schemeClr val="lt1"/>
-    </dgm:linClrLst>
-    <dgm:effectClrLst/>
-    <dgm:txLinClrLst/>
-    <dgm:txFillClrLst/>
-    <dgm:txEffectClrLst/>
-  </dgm:styleLbl>
-  <dgm:styleLbl name="fgImgPlace1">
-    <dgm:fillClrLst>
-      <a:schemeClr val="accent3">
-        <a:tint val="50000"/>
-      </a:schemeClr>
-      <a:schemeClr val="accent4">
-        <a:tint val="50000"/>
-      </a:schemeClr>
-    </dgm:fillClrLst>
-    <dgm:linClrLst meth="repeat">
-      <a:schemeClr val="lt1"/>
-    </dgm:linClrLst>
-    <dgm:effectClrLst/>
-    <dgm:txLinClrLst/>
-    <dgm:txFillClrLst meth="repeat">
-      <a:schemeClr val="lt1"/>
-    </dgm:txFillClrLst>
-    <dgm:txEffectClrLst/>
-  </dgm:styleLbl>
-  <dgm:styleLbl name="alignImgPlace1">
-    <dgm:fillClrLst>
-      <a:schemeClr val="accent3">
-        <a:tint val="50000"/>
-      </a:schemeClr>
-      <a:schemeClr val="accent4">
-        <a:tint val="20000"/>
-      </a:schemeClr>
-    </dgm:fillClrLst>
-    <dgm:linClrLst meth="repeat">
-      <a:schemeClr val="lt1"/>
-    </dgm:linClrLst>
-    <dgm:effectClrLst/>
-    <dgm:txLinClrLst/>
-    <dgm:txFillClrLst meth="repeat">
-      <a:schemeClr val="lt1"/>
-    </dgm:txFillClrLst>
-    <dgm:txEffectClrLst/>
-  </dgm:styleLbl>
-  <dgm:styleLbl name="bgImgPlace1">
-    <dgm:fillClrLst>
-      <a:schemeClr val="accent3">
-        <a:tint val="50000"/>
-      </a:schemeClr>
-      <a:schemeClr val="accent4">
-        <a:tint val="20000"/>
-      </a:schemeClr>
-    </dgm:fillClrLst>
-    <dgm:linClrLst meth="repeat">
-      <a:schemeClr val="lt1"/>
-    </dgm:linClrLst>
-    <dgm:effectClrLst/>
-    <dgm:txLinClrLst/>
-    <dgm:txFillClrLst meth="repeat">
-      <a:schemeClr val="lt1"/>
-    </dgm:txFillClrLst>
-    <dgm:txEffectClrLst/>
-  </dgm:styleLbl>
-  <dgm:styleLbl name="sibTrans2D1">
-    <dgm:fillClrLst>
-      <a:schemeClr val="accent3"/>
-      <a:schemeClr val="accent4"/>
-    </dgm:fillClrLst>
-    <dgm:linClrLst meth="repeat">
-      <a:schemeClr val="lt1"/>
-    </dgm:linClrLst>
-    <dgm:effectClrLst/>
-    <dgm:txLinClrLst/>
-    <dgm:txFillClrLst/>
-    <dgm:txEffectClrLst/>
-  </dgm:styleLbl>
-  <dgm:styleLbl name="fgSibTrans2D1">
-    <dgm:fillClrLst>
-      <a:schemeClr val="accent3"/>
-      <a:schemeClr val="accent4"/>
-    </dgm:fillClrLst>
-    <dgm:linClrLst meth="repeat">
-      <a:schemeClr val="lt1"/>
-    </dgm:linClrLst>
-    <dgm:effectClrLst/>
-    <dgm:txLinClrLst/>
-    <dgm:txFillClrLst meth="repeat">
-      <a:schemeClr val="lt1"/>
-    </dgm:txFillClrLst>
-    <dgm:txEffectClrLst/>
-  </dgm:styleLbl>
-  <dgm:styleLbl name="bgSibTrans2D1">
-    <dgm:fillClrLst>
-      <a:schemeClr val="accent3"/>
-      <a:schemeClr val="accent4"/>
-    </dgm:fillClrLst>
-    <dgm:linClrLst meth="repeat">
-      <a:schemeClr val="lt1"/>
-    </dgm:linClrLst>
-    <dgm:effectClrLst/>
-    <dgm:txLinClrLst/>
-    <dgm:txFillClrLst meth="repeat">
-      <a:schemeClr val="lt1"/>
-    </dgm:txFillClrLst>
-    <dgm:txEffectClrLst/>
-  </dgm:styleLbl>
-  <dgm:styleLbl name="sibTrans1D1">
-    <dgm:fillClrLst/>
-    <dgm:linClrLst>
-      <a:schemeClr val="accent3"/>
-      <a:schemeClr val="accent4"/>
-    </dgm:linClrLst>
-    <dgm:effectClrLst/>
-    <dgm:txLinClrLst/>
-    <dgm:txFillClrLst meth="repeat">
-      <a:schemeClr val="tx1"/>
-    </dgm:txFillClrLst>
-    <dgm:txEffectClrLst/>
-  </dgm:styleLbl>
-  <dgm:styleLbl name="callout">
-    <dgm:fillClrLst meth="repeat">
-      <a:schemeClr val="accent3"/>
-    </dgm:fillClrLst>
-    <dgm:linClrLst meth="repeat">
-      <a:schemeClr val="accent3">
-        <a:tint val="50000"/>
-      </a:schemeClr>
-    </dgm:linClrLst>
-    <dgm:effectClrLst/>
-    <dgm:txLinClrLst/>
-    <dgm:txFillClrLst meth="repeat">
-      <a:schemeClr val="tx1"/>
-    </dgm:txFillClrLst>
-    <dgm:txEffectClrLst/>
-  </dgm:styleLbl>
-  <dgm:styleLbl name="asst0">
-    <dgm:fillClrLst meth="repeat">
-      <a:schemeClr val="accent3"/>
-    </dgm:fillClrLst>
-    <dgm:linClrLst meth="repeat">
-      <a:schemeClr val="lt1">
-        <a:shade val="80000"/>
-      </a:schemeClr>
-    </dgm:linClrLst>
-    <dgm:effectClrLst/>
-    <dgm:txLinClrLst/>
-    <dgm:txFillClrLst/>
-    <dgm:txEffectClrLst/>
-  </dgm:styleLbl>
-  <dgm:styleLbl name="asst1">
-    <dgm:fillClrLst meth="repeat">
-      <a:schemeClr val="accent4"/>
-    </dgm:fillClrLst>
-    <dgm:linClrLst meth="repeat">
-      <a:schemeClr val="lt1">
-        <a:shade val="80000"/>
-      </a:schemeClr>
-    </dgm:linClrLst>
-    <dgm:effectClrLst/>
-    <dgm:txLinClrLst/>
-    <dgm:txFillClrLst/>
-    <dgm:txEffectClrLst/>
-  </dgm:styleLbl>
-  <dgm:styleLbl name="asst2">
-    <dgm:fillClrLst>
-      <a:schemeClr val="accent5"/>
-    </dgm:fillClrLst>
-    <dgm:linClrLst meth="repeat">
-      <a:schemeClr val="lt1"/>
-    </dgm:linClrLst>
-    <dgm:effectClrLst/>
-    <dgm:txLinClrLst/>
-    <dgm:txFillClrLst/>
-    <dgm:txEffectClrLst/>
-  </dgm:styleLbl>
-  <dgm:styleLbl name="asst3">
-    <dgm:fillClrLst>
-      <a:schemeClr val="accent6"/>
-    </dgm:fillClrLst>
-    <dgm:linClrLst meth="repeat">
-      <a:schemeClr val="lt1"/>
-    </dgm:linClrLst>
-    <dgm:effectClrLst/>
-    <dgm:txLinClrLst/>
-    <dgm:txFillClrLst/>
-    <dgm:txEffectClrLst/>
-  </dgm:styleLbl>
-  <dgm:styleLbl name="asst4">
-    <dgm:fillClrLst>
-      <a:schemeClr val="accent1"/>
-    </dgm:fillClrLst>
-    <dgm:linClrLst meth="repeat">
-      <a:schemeClr val="lt1"/>
-    </dgm:linClrLst>
-    <dgm:effectClrLst/>
-    <dgm:txLinClrLst/>
-    <dgm:txFillClrLst/>
-    <dgm:txEffectClrLst/>
-  </dgm:styleLbl>
-  <dgm:styleLbl name="parChTrans2D1">
-    <dgm:fillClrLst meth="repeat">
-      <a:schemeClr val="accent2"/>
-    </dgm:fillClrLst>
-    <dgm:linClrLst meth="repeat">
-      <a:schemeClr val="lt1"/>
-    </dgm:linClrLst>
-    <dgm:effectClrLst/>
-    <dgm:txLinClrLst/>
-    <dgm:txFillClrLst meth="repeat">
-      <a:schemeClr val="lt1"/>
-    </dgm:txFillClrLst>
-    <dgm:txEffectClrLst/>
-  </dgm:styleLbl>
-  <dgm:styleLbl name="parChTrans2D2">
-    <dgm:fillClrLst meth="repeat">
-      <a:schemeClr val="accent3"/>
-    </dgm:fillClrLst>
-    <dgm:linClrLst meth="repeat">
-      <a:schemeClr val="lt1"/>
-    </dgm:linClrLst>
-    <dgm:effectClrLst/>
-    <dgm:txLinClrLst/>
-    <dgm:txFillClrLst/>
-    <dgm:txEffectClrLst/>
-  </dgm:styleLbl>
-  <dgm:styleLbl name="parChTrans2D3">
-    <dgm:fillClrLst meth="repeat">
-      <a:schemeClr val="accent4"/>
-    </dgm:fillClrLst>
-    <dgm:linClrLst meth="repeat">
-      <a:schemeClr val="lt1"/>
-    </dgm:linClrLst>
-    <dgm:effectClrLst/>
-    <dgm:txLinClrLst/>
-    <dgm:txFillClrLst/>
-    <dgm:txEffectClrLst/>
-  </dgm:styleLbl>
-  <dgm:styleLbl name="parChTrans2D4">
-    <dgm:fillClrLst meth="repeat">
-      <a:schemeClr val="accent5"/>
-    </dgm:fillClrLst>
-    <dgm:linClrLst meth="repeat">
-      <a:schemeClr val="lt1"/>
-    </dgm:linClrLst>
-    <dgm:effectClrLst/>
-    <dgm:txLinClrLst/>
-    <dgm:txFillClrLst meth="repeat">
-      <a:schemeClr val="lt1"/>
-    </dgm:txFillClrLst>
-    <dgm:txEffectClrLst/>
-  </dgm:styleLbl>
-  <dgm:styleLbl name="parChTrans1D1">
-    <dgm:fillClrLst meth="repeat">
-      <a:schemeClr val="accent3"/>
-    </dgm:fillClrLst>
-    <dgm:linClrLst meth="repeat">
-      <a:schemeClr val="accent3"/>
-    </dgm:linClrLst>
-    <dgm:effectClrLst/>
-    <dgm:txLinClrLst/>
-    <dgm:txFillClrLst meth="repeat">
-      <a:schemeClr val="tx1"/>
-    </dgm:txFillClrLst>
-    <dgm:txEffectClrLst/>
-  </dgm:styleLbl>
-  <dgm:styleLbl name="parChTrans1D2">
-    <dgm:fillClrLst meth="repeat">
-      <a:schemeClr val="accent2">
-        <a:tint val="90000"/>
-      </a:schemeClr>
-    </dgm:fillClrLst>
-    <dgm:linClrLst meth="repeat">
-      <a:schemeClr val="accent4"/>
-    </dgm:linClrLst>
-    <dgm:effectClrLst/>
-    <dgm:txLinClrLst/>
-    <dgm:txFillClrLst meth="repeat">
-      <a:schemeClr val="tx1"/>
-    </dgm:txFillClrLst>
-    <dgm:txEffectClrLst/>
-  </dgm:styleLbl>
-  <dgm:styleLbl name="parChTrans1D3">
-    <dgm:fillClrLst meth="repeat">
-      <a:schemeClr val="accent2">
-        <a:tint val="70000"/>
-      </a:schemeClr>
-    </dgm:fillClrLst>
-    <dgm:linClrLst meth="repeat">
-      <a:schemeClr val="accent5"/>
-    </dgm:linClrLst>
-    <dgm:effectClrLst/>
-    <dgm:txLinClrLst/>
-    <dgm:txFillClrLst meth="repeat">
-      <a:schemeClr val="tx1"/>
-    </dgm:txFillClrLst>
-    <dgm:txEffectClrLst/>
-  </dgm:styleLbl>
-  <dgm:styleLbl name="parChTrans1D4">
-    <dgm:fillClrLst meth="repeat">
-      <a:schemeClr val="accent6">
-        <a:tint val="50000"/>
-      </a:schemeClr>
-    </dgm:fillClrLst>
-    <dgm:linClrLst meth="repeat">
-      <a:schemeClr val="accent6"/>
-    </dgm:linClrLst>
-    <dgm:effectClrLst/>
-    <dgm:txLinClrLst/>
-    <dgm:txFillClrLst meth="repeat">
-      <a:schemeClr val="tx1"/>
-    </dgm:txFillClrLst>
-    <dgm:txEffectClrLst/>
-  </dgm:styleLbl>
-  <dgm:styleLbl name="fgAcc1">
-    <dgm:fillClrLst meth="repeat">
-      <a:schemeClr val="lt1">
-        <a:alpha val="90000"/>
-      </a:schemeClr>
-    </dgm:fillClrLst>
-    <dgm:linClrLst>
-      <a:schemeClr val="accent3"/>
-      <a:schemeClr val="accent4"/>
-    </dgm:linClrLst>
-    <dgm:effectClrLst/>
-    <dgm:txLinClrLst/>
-    <dgm:txFillClrLst meth="repeat">
-      <a:schemeClr val="dk1"/>
-    </dgm:txFillClrLst>
-    <dgm:txEffectClrLst/>
-  </dgm:styleLbl>
-  <dgm:styleLbl name="conFgAcc1">
-    <dgm:fillClrLst meth="repeat">
-      <a:schemeClr val="lt1">
-        <a:alpha val="90000"/>
-      </a:schemeClr>
-    </dgm:fillClrLst>
-    <dgm:linClrLst>
-      <a:schemeClr val="accent3"/>
-      <a:schemeClr val="accent4"/>
-    </dgm:linClrLst>
-    <dgm:effectClrLst/>
-    <dgm:txLinClrLst/>
-    <dgm:txFillClrLst meth="repeat">
-      <a:schemeClr val="dk1"/>
-    </dgm:txFillClrLst>
-    <dgm:txEffectClrLst/>
-  </dgm:styleLbl>
-  <dgm:styleLbl name="alignAcc1">
-    <dgm:fillClrLst meth="repeat">
-      <a:schemeClr val="lt1">
-        <a:alpha val="90000"/>
-      </a:schemeClr>
-    </dgm:fillClrLst>
-    <dgm:linClrLst>
-      <a:schemeClr val="accent3"/>
-      <a:schemeClr val="accent4"/>
-    </dgm:linClrLst>
-    <dgm:effectClrLst/>
-    <dgm:txLinClrLst/>
-    <dgm:txFillClrLst meth="repeat">
-      <a:schemeClr val="dk1"/>
-    </dgm:txFillClrLst>
-    <dgm:txEffectClrLst/>
-  </dgm:styleLbl>
-  <dgm:styleLbl name="trAlignAcc1">
-    <dgm:fillClrLst meth="repeat">
-      <a:schemeClr val="lt1">
-        <a:alpha val="40000"/>
-      </a:schemeClr>
-    </dgm:fillClrLst>
-    <dgm:linClrLst meth="repeat">
-      <a:schemeClr val="accent2"/>
-    </dgm:linClrLst>
-    <dgm:effectClrLst/>
-    <dgm:txLinClrLst/>
-    <dgm:txFillClrLst meth="repeat">
-      <a:schemeClr val="dk1"/>
-    </dgm:txFillClrLst>
-    <dgm:txEffectClrLst/>
-  </dgm:styleLbl>
-  <dgm:styleLbl name="bgAcc1">
-    <dgm:fillClrLst meth="repeat">
-      <a:schemeClr val="lt1">
-        <a:alpha val="90000"/>
-      </a:schemeClr>
-    </dgm:fillClrLst>
-    <dgm:linClrLst>
-      <a:schemeClr val="accent3"/>
-      <a:schemeClr val="accent4"/>
-    </dgm:linClrLst>
-    <dgm:effectClrLst/>
-    <dgm:txLinClrLst/>
-    <dgm:txFillClrLst meth="repeat">
-      <a:schemeClr val="dk1"/>
-    </dgm:txFillClrLst>
-    <dgm:txEffectClrLst/>
-  </dgm:styleLbl>
-  <dgm:styleLbl name="solidFgAcc1">
-    <dgm:fillClrLst meth="repeat">
-      <a:schemeClr val="lt1"/>
-    </dgm:fillClrLst>
-    <dgm:linClrLst>
-      <a:schemeClr val="accent3"/>
-      <a:schemeClr val="accent4"/>
-    </dgm:linClrLst>
-    <dgm:effectClrLst/>
-    <dgm:txLinClrLst/>
-    <dgm:txFillClrLst meth="repeat">
-      <a:schemeClr val="dk1"/>
-    </dgm:txFillClrLst>
-    <dgm:txEffectClrLst/>
-  </dgm:styleLbl>
-  <dgm:styleLbl name="solidAlignAcc1">
-    <dgm:fillClrLst meth="repeat">
-      <a:schemeClr val="lt1"/>
-    </dgm:fillClrLst>
-    <dgm:linClrLst>
-      <a:schemeClr val="accent3"/>
-      <a:schemeClr val="accent4"/>
-    </dgm:linClrLst>
-    <dgm:effectClrLst/>
-    <dgm:txLinClrLst/>
-    <dgm:txFillClrLst meth="repeat">
-      <a:schemeClr val="dk1"/>
-    </dgm:txFillClrLst>
-    <dgm:txEffectClrLst/>
-  </dgm:styleLbl>
-  <dgm:styleLbl name="solidBgAcc1">
-    <dgm:fillClrLst meth="repeat">
-      <a:schemeClr val="lt1"/>
-    </dgm:fillClrLst>
-    <dgm:linClrLst>
-      <a:schemeClr val="accent3"/>
-      <a:schemeClr val="accent4"/>
-    </dgm:linClrLst>
-    <dgm:effectClrLst/>
-    <dgm:txLinClrLst/>
-    <dgm:txFillClrLst meth="repeat">
-      <a:schemeClr val="dk1"/>
-    </dgm:txFillClrLst>
-    <dgm:txEffectClrLst/>
-  </dgm:styleLbl>
-  <dgm:styleLbl name="fgAccFollowNode1">
-    <dgm:fillClrLst>
-      <a:schemeClr val="accent3">
-        <a:tint val="40000"/>
-        <a:alpha val="90000"/>
-      </a:schemeClr>
-      <a:schemeClr val="accent4">
-        <a:tint val="40000"/>
-        <a:alpha val="90000"/>
-      </a:schemeClr>
-    </dgm:fillClrLst>
-    <dgm:linClrLst>
-      <a:schemeClr val="accent3">
-        <a:tint val="40000"/>
-        <a:alpha val="90000"/>
-      </a:schemeClr>
-      <a:schemeClr val="accent4">
-        <a:tint val="40000"/>
-        <a:alpha val="90000"/>
-      </a:schemeClr>
-    </dgm:linClrLst>
-    <dgm:effectClrLst/>
-    <dgm:txLinClrLst/>
-    <dgm:txFillClrLst meth="repeat">
-      <a:schemeClr val="dk1"/>
-    </dgm:txFillClrLst>
-    <dgm:txEffectClrLst/>
-  </dgm:styleLbl>
-  <dgm:styleLbl name="alignAccFollowNode1">
-    <dgm:fillClrLst>
-      <a:schemeClr val="accent3">
-        <a:tint val="40000"/>
-        <a:alpha val="90000"/>
-      </a:schemeClr>
-      <a:schemeClr val="accent4">
-        <a:tint val="40000"/>
-        <a:alpha val="90000"/>
-      </a:schemeClr>
-    </dgm:fillClrLst>
-    <dgm:linClrLst>
-      <a:schemeClr val="accent3">
-        <a:tint val="40000"/>
-        <a:alpha val="90000"/>
-      </a:schemeClr>
-      <a:schemeClr val="accent4">
-        <a:tint val="40000"/>
-        <a:alpha val="90000"/>
-      </a:schemeClr>
-    </dgm:linClrLst>
-    <dgm:effectClrLst/>
-    <dgm:txLinClrLst/>
-    <dgm:txFillClrLst meth="repeat">
-      <a:schemeClr val="dk1"/>
-    </dgm:txFillClrLst>
-    <dgm:txEffectClrLst/>
-  </dgm:styleLbl>
-  <dgm:styleLbl name="bgAccFollowNode1">
-    <dgm:fillClrLst>
-      <a:schemeClr val="accent3">
-        <a:tint val="40000"/>
-        <a:alpha val="90000"/>
-      </a:schemeClr>
-      <a:schemeClr val="accent4">
-        <a:tint val="40000"/>
-        <a:alpha val="90000"/>
-      </a:schemeClr>
-    </dgm:fillClrLst>
-    <dgm:linClrLst>
-      <a:schemeClr val="accent3">
-        <a:tint val="40000"/>
-        <a:alpha val="90000"/>
-      </a:schemeClr>
-      <a:schemeClr val="accent4">
-        <a:tint val="40000"/>
-        <a:alpha val="90000"/>
-      </a:schemeClr>
-    </dgm:linClrLst>
-    <dgm:effectClrLst/>
-    <dgm:txLinClrLst/>
-    <dgm:txFillClrLst meth="repeat">
-      <a:schemeClr val="dk1"/>
-    </dgm:txFillClrLst>
-    <dgm:txEffectClrLst/>
-  </dgm:styleLbl>
-  <dgm:styleLbl name="fgAcc0">
-    <dgm:fillClrLst meth="repeat">
-      <a:schemeClr val="lt1">
-        <a:alpha val="90000"/>
-      </a:schemeClr>
-    </dgm:fillClrLst>
-    <dgm:linClrLst>
-      <a:schemeClr val="accent2"/>
-    </dgm:linClrLst>
-    <dgm:effectClrLst/>
-    <dgm:txLinClrLst/>
-    <dgm:txFillClrLst meth="repeat">
-      <a:schemeClr val="dk1"/>
-    </dgm:txFillClrLst>
-    <dgm:txEffectClrLst/>
-  </dgm:styleLbl>
-  <dgm:styleLbl name="fgAcc2">
-    <dgm:fillClrLst meth="repeat">
-      <a:schemeClr val="lt1">
-        <a:alpha val="90000"/>
-      </a:schemeClr>
-    </dgm:fillClrLst>
-    <dgm:linClrLst>
-      <a:schemeClr val="accent4"/>
-    </dgm:linClrLst>
-    <dgm:effectClrLst/>
-    <dgm:txLinClrLst/>
-    <dgm:txFillClrLst meth="repeat">
-      <a:schemeClr val="dk1"/>
-    </dgm:txFillClrLst>
-    <dgm:txEffectClrLst/>
-  </dgm:styleLbl>
-  <dgm:styleLbl name="fgAcc3">
-    <dgm:fillClrLst meth="repeat">
-      <a:schemeClr val="lt1">
-        <a:alpha val="90000"/>
-      </a:schemeClr>
-    </dgm:fillClrLst>
-    <dgm:linClrLst>
-      <a:schemeClr val="accent5"/>
-    </dgm:linClrLst>
-    <dgm:effectClrLst/>
-    <dgm:txLinClrLst/>
-    <dgm:txFillClrLst meth="repeat">
-      <a:schemeClr val="dk1"/>
-    </dgm:txFillClrLst>
-    <dgm:txEffectClrLst/>
-  </dgm:styleLbl>
-  <dgm:styleLbl name="fgAcc4">
-    <dgm:fillClrLst meth="repeat">
-      <a:schemeClr val="lt1">
-        <a:alpha val="90000"/>
-      </a:schemeClr>
-    </dgm:fillClrLst>
-    <dgm:linClrLst>
-      <a:schemeClr val="accent6"/>
-    </dgm:linClrLst>
-    <dgm:effectClrLst/>
-    <dgm:txLinClrLst/>
-    <dgm:txFillClrLst meth="repeat">
-      <a:schemeClr val="dk1"/>
-    </dgm:txFillClrLst>
-    <dgm:txEffectClrLst/>
-  </dgm:styleLbl>
-  <dgm:styleLbl name="bgShp">
-    <dgm:fillClrLst meth="repeat">
-      <a:schemeClr val="accent3">
-        <a:tint val="40000"/>
-      </a:schemeClr>
-    </dgm:fillClrLst>
-    <dgm:linClrLst meth="repeat">
-      <a:schemeClr val="dk1"/>
-    </dgm:linClrLst>
-    <dgm:effectClrLst/>
-    <dgm:txLinClrLst/>
-    <dgm:txFillClrLst meth="repeat">
-      <a:schemeClr val="dk1"/>
-    </dgm:txFillClrLst>
-    <dgm:txEffectClrLst/>
-  </dgm:styleLbl>
-  <dgm:styleLbl name="dkBgShp">
-    <dgm:fillClrLst meth="repeat">
-      <a:schemeClr val="accent3">
-        <a:shade val="90000"/>
-      </a:schemeClr>
-    </dgm:fillClrLst>
-    <dgm:linClrLst meth="repeat">
-      <a:schemeClr val="dk1"/>
-    </dgm:linClrLst>
-    <dgm:effectClrLst/>
-    <dgm:txLinClrLst/>
-    <dgm:txFillClrLst meth="repeat">
-      <a:schemeClr val="lt1"/>
-    </dgm:txFillClrLst>
-    <dgm:txEffectClrLst/>
-  </dgm:styleLbl>
-  <dgm:styleLbl name="trBgShp">
-    <dgm:fillClrLst meth="repeat">
-      <a:schemeClr val="accent2">
-        <a:tint val="50000"/>
-        <a:alpha val="40000"/>
-      </a:schemeClr>
-    </dgm:fillClrLst>
-    <dgm:linClrLst meth="repeat">
-      <a:schemeClr val="accent3"/>
-    </dgm:linClrLst>
-    <dgm:effectClrLst/>
-    <dgm:txLinClrLst/>
-    <dgm:txFillClrLst meth="repeat">
-      <a:schemeClr val="lt1"/>
-    </dgm:txFillClrLst>
-    <dgm:txEffectClrLst/>
-  </dgm:styleLbl>
-  <dgm:styleLbl name="fgShp">
-    <dgm:fillClrLst meth="repeat">
-      <a:schemeClr val="accent3">
-        <a:tint val="40000"/>
-      </a:schemeClr>
-    </dgm:fillClrLst>
-    <dgm:linClrLst meth="repeat">
-      <a:schemeClr val="lt1"/>
-    </dgm:linClrLst>
-    <dgm:effectClrLst/>
-    <dgm:txLinClrLst/>
-    <dgm:txFillClrLst meth="repeat">
-      <a:schemeClr val="dk1"/>
-    </dgm:txFillClrLst>
-    <dgm:txEffectClrLst/>
-  </dgm:styleLbl>
-  <dgm:styleLbl name="revTx">
-    <dgm:fillClrLst meth="repeat">
-      <a:schemeClr val="lt1">
-        <a:alpha val="0"/>
-      </a:schemeClr>
-    </dgm:fillClrLst>
-    <dgm:linClrLst meth="repeat">
-      <a:schemeClr val="dk1">
-        <a:alpha val="0"/>
-      </a:schemeClr>
-    </dgm:linClrLst>
-    <dgm:effectClrLst/>
-    <dgm:txLinClrLst/>
-    <dgm:txFillClrLst meth="repeat">
-      <a:schemeClr val="tx1"/>
-    </dgm:txFillClrLst>
-    <dgm:txEffectClrLst/>
-  </dgm:styleLbl>
-</dgm:colorsDef>
-</file>
-
-<file path=ppt/diagrams/data1.xml><?xml version="1.0" encoding="utf-8"?>
-<dgm:dataModel xmlns:dgm="http://schemas.openxmlformats.org/drawingml/2006/diagram" xmlns:a="http://schemas.openxmlformats.org/drawingml/2006/main">
-  <dgm:ptLst>
-    <dgm:pt modelId="{0D22F6C2-73FF-6146-B5E6-11B3BDD1DF19}" type="doc">
-      <dgm:prSet loTypeId="urn:microsoft.com/office/officeart/2005/8/layout/StepDownProcess" loCatId="" qsTypeId="urn:microsoft.com/office/officeart/2005/8/quickstyle/simple1" qsCatId="simple" csTypeId="urn:microsoft.com/office/officeart/2005/8/colors/colorful3" csCatId="colorful" phldr="1"/>
-      <dgm:spPr/>
-      <dgm:t>
-        <a:bodyPr/>
-        <a:lstStyle/>
-        <a:p>
-          <a:endParaRPr lang="en-GB"/>
-        </a:p>
-      </dgm:t>
-    </dgm:pt>
-    <dgm:pt modelId="{C801F629-4DA5-A64E-BA71-C392F091A7C1}">
-      <dgm:prSet phldrT="[Text]"/>
-      <dgm:spPr/>
-      <dgm:t>
-        <a:bodyPr/>
-        <a:lstStyle/>
-        <a:p>
-          <a:r>
-            <a:rPr lang="en-GB" dirty="0"/>
-            <a:t>Collection</a:t>
-          </a:r>
-        </a:p>
-      </dgm:t>
-    </dgm:pt>
-    <dgm:pt modelId="{7120BE36-C33D-D842-8C7C-680BD6C8EDC0}" type="parTrans" cxnId="{71AB66C6-01A1-1E4B-919A-A7718CEEFA1B}">
-      <dgm:prSet/>
-      <dgm:spPr/>
-      <dgm:t>
-        <a:bodyPr/>
-        <a:lstStyle/>
-        <a:p>
-          <a:endParaRPr lang="en-GB"/>
-        </a:p>
-      </dgm:t>
-    </dgm:pt>
-    <dgm:pt modelId="{ACC0C921-983A-8C4E-8017-2B5FED26689C}" type="sibTrans" cxnId="{71AB66C6-01A1-1E4B-919A-A7718CEEFA1B}">
-      <dgm:prSet/>
-      <dgm:spPr/>
-      <dgm:t>
-        <a:bodyPr/>
-        <a:lstStyle/>
-        <a:p>
-          <a:endParaRPr lang="en-GB"/>
-        </a:p>
-      </dgm:t>
-    </dgm:pt>
-    <dgm:pt modelId="{A59D89D4-3357-384C-A064-42B0E4AE82A9}">
-      <dgm:prSet phldrT="[Text]"/>
-      <dgm:spPr/>
-      <dgm:t>
-        <a:bodyPr/>
-        <a:lstStyle/>
-        <a:p>
-          <a:r>
-            <a:rPr lang="en-GB" dirty="0"/>
-            <a:t>Filter</a:t>
-          </a:r>
-        </a:p>
-      </dgm:t>
-    </dgm:pt>
-    <dgm:pt modelId="{36FB9B9E-CFE7-854A-B362-720E58AA1293}" type="parTrans" cxnId="{E8E86F7A-DF22-1946-8296-A1217B948CE1}">
-      <dgm:prSet/>
-      <dgm:spPr/>
-      <dgm:t>
-        <a:bodyPr/>
-        <a:lstStyle/>
-        <a:p>
-          <a:endParaRPr lang="en-GB"/>
-        </a:p>
-      </dgm:t>
-    </dgm:pt>
-    <dgm:pt modelId="{D597E4E7-EACE-3B4C-BAC1-3B8B37722C20}" type="sibTrans" cxnId="{E8E86F7A-DF22-1946-8296-A1217B948CE1}">
-      <dgm:prSet/>
-      <dgm:spPr/>
-      <dgm:t>
-        <a:bodyPr/>
-        <a:lstStyle/>
-        <a:p>
-          <a:endParaRPr lang="en-GB"/>
-        </a:p>
-      </dgm:t>
-    </dgm:pt>
-    <dgm:pt modelId="{521DD5D1-3F54-1547-A145-04C966F3941C}">
-      <dgm:prSet phldrT="[Text]"/>
-      <dgm:spPr/>
-      <dgm:t>
-        <a:bodyPr/>
-        <a:lstStyle/>
-        <a:p>
-          <a:r>
-            <a:rPr lang="en-GB" dirty="0"/>
-            <a:t>Group</a:t>
-          </a:r>
-        </a:p>
-      </dgm:t>
-    </dgm:pt>
-    <dgm:pt modelId="{971CCB94-B1E9-FC46-ABCC-AF54294AA03F}" type="parTrans" cxnId="{48376790-EAD7-7046-92E7-3E04EB2D0437}">
-      <dgm:prSet/>
-      <dgm:spPr/>
-      <dgm:t>
-        <a:bodyPr/>
-        <a:lstStyle/>
-        <a:p>
-          <a:endParaRPr lang="en-GB"/>
-        </a:p>
-      </dgm:t>
-    </dgm:pt>
-    <dgm:pt modelId="{6A32A649-0A55-E94D-BCBB-DD25AFD77CB3}" type="sibTrans" cxnId="{48376790-EAD7-7046-92E7-3E04EB2D0437}">
-      <dgm:prSet/>
-      <dgm:spPr/>
-      <dgm:t>
-        <a:bodyPr/>
-        <a:lstStyle/>
-        <a:p>
-          <a:endParaRPr lang="en-GB"/>
-        </a:p>
-      </dgm:t>
-    </dgm:pt>
-    <dgm:pt modelId="{0E9C23BE-313D-8644-AFE1-5624F21B4390}">
-      <dgm:prSet phldrT="[Text]"/>
-      <dgm:spPr/>
-      <dgm:t>
-        <a:bodyPr/>
-        <a:lstStyle/>
-        <a:p>
-          <a:r>
-            <a:rPr lang="en-GB" dirty="0"/>
-            <a:t>Sort</a:t>
-          </a:r>
-        </a:p>
-      </dgm:t>
-    </dgm:pt>
-    <dgm:pt modelId="{D23B9A6F-4E31-4847-B583-1AB942B5F5B3}" type="parTrans" cxnId="{3F720E7B-ABA8-9846-80C4-6F96904A98DC}">
-      <dgm:prSet/>
-      <dgm:spPr/>
-      <dgm:t>
-        <a:bodyPr/>
-        <a:lstStyle/>
-        <a:p>
-          <a:endParaRPr lang="en-GB"/>
-        </a:p>
-      </dgm:t>
-    </dgm:pt>
-    <dgm:pt modelId="{C5CA4296-7C7C-7D4C-AFD8-022FF77A509D}" type="sibTrans" cxnId="{3F720E7B-ABA8-9846-80C4-6F96904A98DC}">
-      <dgm:prSet/>
-      <dgm:spPr/>
-      <dgm:t>
-        <a:bodyPr/>
-        <a:lstStyle/>
-        <a:p>
-          <a:endParaRPr lang="en-GB"/>
-        </a:p>
-      </dgm:t>
-    </dgm:pt>
-    <dgm:pt modelId="{FF0894E1-20DA-254D-9A16-48C32EAA5E37}">
-      <dgm:prSet phldrT="[Text]"/>
-      <dgm:spPr/>
-      <dgm:t>
-        <a:bodyPr/>
-        <a:lstStyle/>
-        <a:p>
-          <a:r>
-            <a:rPr lang="en-GB" dirty="0"/>
-            <a:t>Results</a:t>
-          </a:r>
-        </a:p>
-      </dgm:t>
-    </dgm:pt>
-    <dgm:pt modelId="{84BFA10E-13C2-1D45-A194-A9A59B21E7F2}" type="parTrans" cxnId="{28D2C154-161C-7C47-A6A2-130D7B6B9CB3}">
-      <dgm:prSet/>
-      <dgm:spPr/>
-      <dgm:t>
-        <a:bodyPr/>
-        <a:lstStyle/>
-        <a:p>
-          <a:endParaRPr lang="en-GB"/>
-        </a:p>
-      </dgm:t>
-    </dgm:pt>
-    <dgm:pt modelId="{269A331D-A9D3-8447-B95B-CC57C10631AF}" type="sibTrans" cxnId="{28D2C154-161C-7C47-A6A2-130D7B6B9CB3}">
-      <dgm:prSet/>
-      <dgm:spPr/>
-      <dgm:t>
-        <a:bodyPr/>
-        <a:lstStyle/>
-        <a:p>
-          <a:endParaRPr lang="en-GB"/>
-        </a:p>
-      </dgm:t>
-    </dgm:pt>
-    <dgm:pt modelId="{2D66F054-9057-AC41-A5CC-9E8537E90068}" type="pres">
-      <dgm:prSet presAssocID="{0D22F6C2-73FF-6146-B5E6-11B3BDD1DF19}" presName="rootnode" presStyleCnt="0">
-        <dgm:presLayoutVars>
-          <dgm:chMax/>
-          <dgm:chPref/>
-          <dgm:dir/>
-          <dgm:animLvl val="lvl"/>
-        </dgm:presLayoutVars>
-      </dgm:prSet>
-      <dgm:spPr/>
-    </dgm:pt>
-    <dgm:pt modelId="{DC74453B-725E-4C4B-B19B-A026A73181F4}" type="pres">
-      <dgm:prSet presAssocID="{C801F629-4DA5-A64E-BA71-C392F091A7C1}" presName="composite" presStyleCnt="0"/>
-      <dgm:spPr/>
-    </dgm:pt>
-    <dgm:pt modelId="{6C73427D-2DAA-4E49-984D-6FA937A3E3B8}" type="pres">
-      <dgm:prSet presAssocID="{C801F629-4DA5-A64E-BA71-C392F091A7C1}" presName="bentUpArrow1" presStyleLbl="alignImgPlace1" presStyleIdx="0" presStyleCnt="4"/>
-      <dgm:spPr/>
-    </dgm:pt>
-    <dgm:pt modelId="{2D4FAFD5-F675-BF4F-91AC-D544FA2DE70D}" type="pres">
-      <dgm:prSet presAssocID="{C801F629-4DA5-A64E-BA71-C392F091A7C1}" presName="ParentText" presStyleLbl="node1" presStyleIdx="0" presStyleCnt="5">
-        <dgm:presLayoutVars>
-          <dgm:chMax val="1"/>
-          <dgm:chPref val="1"/>
-          <dgm:bulletEnabled val="1"/>
-        </dgm:presLayoutVars>
-      </dgm:prSet>
-      <dgm:spPr/>
-    </dgm:pt>
-    <dgm:pt modelId="{D5C9471C-8C38-0A4A-852E-FFC5B84B1D0A}" type="pres">
-      <dgm:prSet presAssocID="{C801F629-4DA5-A64E-BA71-C392F091A7C1}" presName="ChildText" presStyleLbl="revTx" presStyleIdx="0" presStyleCnt="4">
-        <dgm:presLayoutVars>
-          <dgm:chMax val="0"/>
-          <dgm:chPref val="0"/>
-          <dgm:bulletEnabled val="1"/>
-        </dgm:presLayoutVars>
-      </dgm:prSet>
-      <dgm:spPr/>
-    </dgm:pt>
-    <dgm:pt modelId="{A1E68CE6-0D23-3C4D-A38E-7C8534843783}" type="pres">
-      <dgm:prSet presAssocID="{ACC0C921-983A-8C4E-8017-2B5FED26689C}" presName="sibTrans" presStyleCnt="0"/>
-      <dgm:spPr/>
-    </dgm:pt>
-    <dgm:pt modelId="{CF58EC34-DC93-E44C-9730-29D28AE5D529}" type="pres">
-      <dgm:prSet presAssocID="{A59D89D4-3357-384C-A064-42B0E4AE82A9}" presName="composite" presStyleCnt="0"/>
-      <dgm:spPr/>
-    </dgm:pt>
-    <dgm:pt modelId="{8C796128-67D4-8F4B-BC4C-3E47BF04A28C}" type="pres">
-      <dgm:prSet presAssocID="{A59D89D4-3357-384C-A064-42B0E4AE82A9}" presName="bentUpArrow1" presStyleLbl="alignImgPlace1" presStyleIdx="1" presStyleCnt="4"/>
-      <dgm:spPr/>
-    </dgm:pt>
-    <dgm:pt modelId="{277BCE31-0912-E841-BAF9-46A907C4A284}" type="pres">
-      <dgm:prSet presAssocID="{A59D89D4-3357-384C-A064-42B0E4AE82A9}" presName="ParentText" presStyleLbl="node1" presStyleIdx="1" presStyleCnt="5">
-        <dgm:presLayoutVars>
-          <dgm:chMax val="1"/>
-          <dgm:chPref val="1"/>
-          <dgm:bulletEnabled val="1"/>
-        </dgm:presLayoutVars>
-      </dgm:prSet>
-      <dgm:spPr/>
-    </dgm:pt>
-    <dgm:pt modelId="{025C776F-E952-ED4D-B42B-6F7FD9E3862A}" type="pres">
-      <dgm:prSet presAssocID="{A59D89D4-3357-384C-A064-42B0E4AE82A9}" presName="ChildText" presStyleLbl="revTx" presStyleIdx="1" presStyleCnt="4">
-        <dgm:presLayoutVars>
-          <dgm:chMax val="0"/>
-          <dgm:chPref val="0"/>
-          <dgm:bulletEnabled val="1"/>
-        </dgm:presLayoutVars>
-      </dgm:prSet>
-      <dgm:spPr/>
-    </dgm:pt>
-    <dgm:pt modelId="{F6D5257D-370F-C849-A731-2AA716E6BE6F}" type="pres">
-      <dgm:prSet presAssocID="{D597E4E7-EACE-3B4C-BAC1-3B8B37722C20}" presName="sibTrans" presStyleCnt="0"/>
-      <dgm:spPr/>
-    </dgm:pt>
-    <dgm:pt modelId="{6668FFC4-4C29-5B4A-A8B8-81817E8533CD}" type="pres">
-      <dgm:prSet presAssocID="{521DD5D1-3F54-1547-A145-04C966F3941C}" presName="composite" presStyleCnt="0"/>
-      <dgm:spPr/>
-    </dgm:pt>
-    <dgm:pt modelId="{BDB9794A-999A-104A-855C-51AFC2863DB6}" type="pres">
-      <dgm:prSet presAssocID="{521DD5D1-3F54-1547-A145-04C966F3941C}" presName="bentUpArrow1" presStyleLbl="alignImgPlace1" presStyleIdx="2" presStyleCnt="4"/>
-      <dgm:spPr/>
-    </dgm:pt>
-    <dgm:pt modelId="{F93CE76B-6321-064D-B366-7AEC2A65B106}" type="pres">
-      <dgm:prSet presAssocID="{521DD5D1-3F54-1547-A145-04C966F3941C}" presName="ParentText" presStyleLbl="node1" presStyleIdx="2" presStyleCnt="5">
-        <dgm:presLayoutVars>
-          <dgm:chMax val="1"/>
-          <dgm:chPref val="1"/>
-          <dgm:bulletEnabled val="1"/>
-        </dgm:presLayoutVars>
-      </dgm:prSet>
-      <dgm:spPr/>
-    </dgm:pt>
-    <dgm:pt modelId="{CD2CB8F2-56A0-7248-B330-7CB266596B10}" type="pres">
-      <dgm:prSet presAssocID="{521DD5D1-3F54-1547-A145-04C966F3941C}" presName="ChildText" presStyleLbl="revTx" presStyleIdx="2" presStyleCnt="4">
-        <dgm:presLayoutVars>
-          <dgm:chMax val="0"/>
-          <dgm:chPref val="0"/>
-          <dgm:bulletEnabled val="1"/>
-        </dgm:presLayoutVars>
-      </dgm:prSet>
-      <dgm:spPr/>
-    </dgm:pt>
-    <dgm:pt modelId="{A56E619C-670B-F84E-92F9-A8F20719CAC8}" type="pres">
-      <dgm:prSet presAssocID="{6A32A649-0A55-E94D-BCBB-DD25AFD77CB3}" presName="sibTrans" presStyleCnt="0"/>
-      <dgm:spPr/>
-    </dgm:pt>
-    <dgm:pt modelId="{07DEE8F3-5C25-8849-AC56-1D27EE0D5E04}" type="pres">
-      <dgm:prSet presAssocID="{0E9C23BE-313D-8644-AFE1-5624F21B4390}" presName="composite" presStyleCnt="0"/>
-      <dgm:spPr/>
-    </dgm:pt>
-    <dgm:pt modelId="{D34347C5-AB4A-BE42-A896-8C8E1B55BCC0}" type="pres">
-      <dgm:prSet presAssocID="{0E9C23BE-313D-8644-AFE1-5624F21B4390}" presName="bentUpArrow1" presStyleLbl="alignImgPlace1" presStyleIdx="3" presStyleCnt="4"/>
-      <dgm:spPr/>
-    </dgm:pt>
-    <dgm:pt modelId="{7FA0221F-235A-0547-8F02-698069D3133D}" type="pres">
-      <dgm:prSet presAssocID="{0E9C23BE-313D-8644-AFE1-5624F21B4390}" presName="ParentText" presStyleLbl="node1" presStyleIdx="3" presStyleCnt="5">
-        <dgm:presLayoutVars>
-          <dgm:chMax val="1"/>
-          <dgm:chPref val="1"/>
-          <dgm:bulletEnabled val="1"/>
-        </dgm:presLayoutVars>
-      </dgm:prSet>
-      <dgm:spPr/>
-    </dgm:pt>
-    <dgm:pt modelId="{6B61C931-B89E-3C43-9A2A-288BFF687345}" type="pres">
-      <dgm:prSet presAssocID="{0E9C23BE-313D-8644-AFE1-5624F21B4390}" presName="ChildText" presStyleLbl="revTx" presStyleIdx="3" presStyleCnt="4">
-        <dgm:presLayoutVars>
-          <dgm:chMax val="0"/>
-          <dgm:chPref val="0"/>
-          <dgm:bulletEnabled val="1"/>
-        </dgm:presLayoutVars>
-      </dgm:prSet>
-      <dgm:spPr/>
-    </dgm:pt>
-    <dgm:pt modelId="{B312E69F-997C-7144-A71D-E92BB2887234}" type="pres">
-      <dgm:prSet presAssocID="{C5CA4296-7C7C-7D4C-AFD8-022FF77A509D}" presName="sibTrans" presStyleCnt="0"/>
-      <dgm:spPr/>
-    </dgm:pt>
-    <dgm:pt modelId="{0C1C26D8-3A86-D246-B422-8D10C72F785D}" type="pres">
-      <dgm:prSet presAssocID="{FF0894E1-20DA-254D-9A16-48C32EAA5E37}" presName="composite" presStyleCnt="0"/>
-      <dgm:spPr/>
-    </dgm:pt>
-    <dgm:pt modelId="{6026454C-54C4-9844-9E8D-BB967561BF22}" type="pres">
-      <dgm:prSet presAssocID="{FF0894E1-20DA-254D-9A16-48C32EAA5E37}" presName="ParentText" presStyleLbl="node1" presStyleIdx="4" presStyleCnt="5">
-        <dgm:presLayoutVars>
-          <dgm:chMax val="1"/>
-          <dgm:chPref val="1"/>
-          <dgm:bulletEnabled val="1"/>
-        </dgm:presLayoutVars>
-      </dgm:prSet>
-      <dgm:spPr/>
-    </dgm:pt>
-  </dgm:ptLst>
-  <dgm:cxnLst>
-    <dgm:cxn modelId="{B5F72E04-9D2F-E04D-949C-205DCAF2F397}" type="presOf" srcId="{FF0894E1-20DA-254D-9A16-48C32EAA5E37}" destId="{6026454C-54C4-9844-9E8D-BB967561BF22}" srcOrd="0" destOrd="0" presId="urn:microsoft.com/office/officeart/2005/8/layout/StepDownProcess"/>
-    <dgm:cxn modelId="{B55D4B1E-4C25-0B4E-9CE0-9DEDB81298D3}" type="presOf" srcId="{521DD5D1-3F54-1547-A145-04C966F3941C}" destId="{F93CE76B-6321-064D-B366-7AEC2A65B106}" srcOrd="0" destOrd="0" presId="urn:microsoft.com/office/officeart/2005/8/layout/StepDownProcess"/>
-    <dgm:cxn modelId="{DE4E4D27-A197-EE47-9526-CAF81AAE0683}" type="presOf" srcId="{0E9C23BE-313D-8644-AFE1-5624F21B4390}" destId="{7FA0221F-235A-0547-8F02-698069D3133D}" srcOrd="0" destOrd="0" presId="urn:microsoft.com/office/officeart/2005/8/layout/StepDownProcess"/>
-    <dgm:cxn modelId="{28D2C154-161C-7C47-A6A2-130D7B6B9CB3}" srcId="{0D22F6C2-73FF-6146-B5E6-11B3BDD1DF19}" destId="{FF0894E1-20DA-254D-9A16-48C32EAA5E37}" srcOrd="4" destOrd="0" parTransId="{84BFA10E-13C2-1D45-A194-A9A59B21E7F2}" sibTransId="{269A331D-A9D3-8447-B95B-CC57C10631AF}"/>
-    <dgm:cxn modelId="{E8E86F7A-DF22-1946-8296-A1217B948CE1}" srcId="{0D22F6C2-73FF-6146-B5E6-11B3BDD1DF19}" destId="{A59D89D4-3357-384C-A064-42B0E4AE82A9}" srcOrd="1" destOrd="0" parTransId="{36FB9B9E-CFE7-854A-B362-720E58AA1293}" sibTransId="{D597E4E7-EACE-3B4C-BAC1-3B8B37722C20}"/>
-    <dgm:cxn modelId="{3F720E7B-ABA8-9846-80C4-6F96904A98DC}" srcId="{0D22F6C2-73FF-6146-B5E6-11B3BDD1DF19}" destId="{0E9C23BE-313D-8644-AFE1-5624F21B4390}" srcOrd="3" destOrd="0" parTransId="{D23B9A6F-4E31-4847-B583-1AB942B5F5B3}" sibTransId="{C5CA4296-7C7C-7D4C-AFD8-022FF77A509D}"/>
-    <dgm:cxn modelId="{48376790-EAD7-7046-92E7-3E04EB2D0437}" srcId="{0D22F6C2-73FF-6146-B5E6-11B3BDD1DF19}" destId="{521DD5D1-3F54-1547-A145-04C966F3941C}" srcOrd="2" destOrd="0" parTransId="{971CCB94-B1E9-FC46-ABCC-AF54294AA03F}" sibTransId="{6A32A649-0A55-E94D-BCBB-DD25AFD77CB3}"/>
-    <dgm:cxn modelId="{B8CAC29D-49EA-7340-8A6A-E479454AE803}" type="presOf" srcId="{A59D89D4-3357-384C-A064-42B0E4AE82A9}" destId="{277BCE31-0912-E841-BAF9-46A907C4A284}" srcOrd="0" destOrd="0" presId="urn:microsoft.com/office/officeart/2005/8/layout/StepDownProcess"/>
-    <dgm:cxn modelId="{4D4987BC-BD8B-8B4A-88DF-7D1BF222F75F}" type="presOf" srcId="{C801F629-4DA5-A64E-BA71-C392F091A7C1}" destId="{2D4FAFD5-F675-BF4F-91AC-D544FA2DE70D}" srcOrd="0" destOrd="0" presId="urn:microsoft.com/office/officeart/2005/8/layout/StepDownProcess"/>
-    <dgm:cxn modelId="{71AB66C6-01A1-1E4B-919A-A7718CEEFA1B}" srcId="{0D22F6C2-73FF-6146-B5E6-11B3BDD1DF19}" destId="{C801F629-4DA5-A64E-BA71-C392F091A7C1}" srcOrd="0" destOrd="0" parTransId="{7120BE36-C33D-D842-8C7C-680BD6C8EDC0}" sibTransId="{ACC0C921-983A-8C4E-8017-2B5FED26689C}"/>
-    <dgm:cxn modelId="{55AFBCD5-015C-F842-84A3-F3C0B4A79DE9}" type="presOf" srcId="{0D22F6C2-73FF-6146-B5E6-11B3BDD1DF19}" destId="{2D66F054-9057-AC41-A5CC-9E8537E90068}" srcOrd="0" destOrd="0" presId="urn:microsoft.com/office/officeart/2005/8/layout/StepDownProcess"/>
-    <dgm:cxn modelId="{4F01A222-CC77-BD4B-9D84-B831FAF18BAA}" type="presParOf" srcId="{2D66F054-9057-AC41-A5CC-9E8537E90068}" destId="{DC74453B-725E-4C4B-B19B-A026A73181F4}" srcOrd="0" destOrd="0" presId="urn:microsoft.com/office/officeart/2005/8/layout/StepDownProcess"/>
-    <dgm:cxn modelId="{C9A2461B-8CC2-CE4C-BCBE-CA3EC6822B43}" type="presParOf" srcId="{DC74453B-725E-4C4B-B19B-A026A73181F4}" destId="{6C73427D-2DAA-4E49-984D-6FA937A3E3B8}" srcOrd="0" destOrd="0" presId="urn:microsoft.com/office/officeart/2005/8/layout/StepDownProcess"/>
-    <dgm:cxn modelId="{509BB695-45D9-7A49-9A7F-D828A4FB1768}" type="presParOf" srcId="{DC74453B-725E-4C4B-B19B-A026A73181F4}" destId="{2D4FAFD5-F675-BF4F-91AC-D544FA2DE70D}" srcOrd="1" destOrd="0" presId="urn:microsoft.com/office/officeart/2005/8/layout/StepDownProcess"/>
-    <dgm:cxn modelId="{B598F736-3E58-7E4A-8E75-8912BC715A1F}" type="presParOf" srcId="{DC74453B-725E-4C4B-B19B-A026A73181F4}" destId="{D5C9471C-8C38-0A4A-852E-FFC5B84B1D0A}" srcOrd="2" destOrd="0" presId="urn:microsoft.com/office/officeart/2005/8/layout/StepDownProcess"/>
-    <dgm:cxn modelId="{1CC27FD8-2B4F-B24E-9C27-8D1A13466602}" type="presParOf" srcId="{2D66F054-9057-AC41-A5CC-9E8537E90068}" destId="{A1E68CE6-0D23-3C4D-A38E-7C8534843783}" srcOrd="1" destOrd="0" presId="urn:microsoft.com/office/officeart/2005/8/layout/StepDownProcess"/>
-    <dgm:cxn modelId="{635D627B-07CD-2541-A20B-EFF3C88E4BBA}" type="presParOf" srcId="{2D66F054-9057-AC41-A5CC-9E8537E90068}" destId="{CF58EC34-DC93-E44C-9730-29D28AE5D529}" srcOrd="2" destOrd="0" presId="urn:microsoft.com/office/officeart/2005/8/layout/StepDownProcess"/>
-    <dgm:cxn modelId="{1F2AE948-14AF-4D49-9778-95934E283687}" type="presParOf" srcId="{CF58EC34-DC93-E44C-9730-29D28AE5D529}" destId="{8C796128-67D4-8F4B-BC4C-3E47BF04A28C}" srcOrd="0" destOrd="0" presId="urn:microsoft.com/office/officeart/2005/8/layout/StepDownProcess"/>
-    <dgm:cxn modelId="{6D32A9C9-58A3-0E43-9569-056933574824}" type="presParOf" srcId="{CF58EC34-DC93-E44C-9730-29D28AE5D529}" destId="{277BCE31-0912-E841-BAF9-46A907C4A284}" srcOrd="1" destOrd="0" presId="urn:microsoft.com/office/officeart/2005/8/layout/StepDownProcess"/>
-    <dgm:cxn modelId="{673CBCCE-8291-B847-86E9-6BDC64982C24}" type="presParOf" srcId="{CF58EC34-DC93-E44C-9730-29D28AE5D529}" destId="{025C776F-E952-ED4D-B42B-6F7FD9E3862A}" srcOrd="2" destOrd="0" presId="urn:microsoft.com/office/officeart/2005/8/layout/StepDownProcess"/>
-    <dgm:cxn modelId="{A216CBE6-04FE-9345-9CF6-19DB2DBF1555}" type="presParOf" srcId="{2D66F054-9057-AC41-A5CC-9E8537E90068}" destId="{F6D5257D-370F-C849-A731-2AA716E6BE6F}" srcOrd="3" destOrd="0" presId="urn:microsoft.com/office/officeart/2005/8/layout/StepDownProcess"/>
-    <dgm:cxn modelId="{40D6263F-1E8D-374B-A003-15771E812812}" type="presParOf" srcId="{2D66F054-9057-AC41-A5CC-9E8537E90068}" destId="{6668FFC4-4C29-5B4A-A8B8-81817E8533CD}" srcOrd="4" destOrd="0" presId="urn:microsoft.com/office/officeart/2005/8/layout/StepDownProcess"/>
-    <dgm:cxn modelId="{CB1ECC8A-7FA3-3041-9877-270B7040B392}" type="presParOf" srcId="{6668FFC4-4C29-5B4A-A8B8-81817E8533CD}" destId="{BDB9794A-999A-104A-855C-51AFC2863DB6}" srcOrd="0" destOrd="0" presId="urn:microsoft.com/office/officeart/2005/8/layout/StepDownProcess"/>
-    <dgm:cxn modelId="{B4C56CAE-DC56-D84B-8A5A-48335205019E}" type="presParOf" srcId="{6668FFC4-4C29-5B4A-A8B8-81817E8533CD}" destId="{F93CE76B-6321-064D-B366-7AEC2A65B106}" srcOrd="1" destOrd="0" presId="urn:microsoft.com/office/officeart/2005/8/layout/StepDownProcess"/>
-    <dgm:cxn modelId="{8DA6F0C7-D92A-B549-93FA-ECBAA4F7CD58}" type="presParOf" srcId="{6668FFC4-4C29-5B4A-A8B8-81817E8533CD}" destId="{CD2CB8F2-56A0-7248-B330-7CB266596B10}" srcOrd="2" destOrd="0" presId="urn:microsoft.com/office/officeart/2005/8/layout/StepDownProcess"/>
-    <dgm:cxn modelId="{A04A5B33-93AE-1A44-BEB5-AAB9EBD5310D}" type="presParOf" srcId="{2D66F054-9057-AC41-A5CC-9E8537E90068}" destId="{A56E619C-670B-F84E-92F9-A8F20719CAC8}" srcOrd="5" destOrd="0" presId="urn:microsoft.com/office/officeart/2005/8/layout/StepDownProcess"/>
-    <dgm:cxn modelId="{87D37CFB-0FC0-9545-B614-3ADAB73C527B}" type="presParOf" srcId="{2D66F054-9057-AC41-A5CC-9E8537E90068}" destId="{07DEE8F3-5C25-8849-AC56-1D27EE0D5E04}" srcOrd="6" destOrd="0" presId="urn:microsoft.com/office/officeart/2005/8/layout/StepDownProcess"/>
-    <dgm:cxn modelId="{21E85597-D6EC-1A48-829F-95D4521FB10D}" type="presParOf" srcId="{07DEE8F3-5C25-8849-AC56-1D27EE0D5E04}" destId="{D34347C5-AB4A-BE42-A896-8C8E1B55BCC0}" srcOrd="0" destOrd="0" presId="urn:microsoft.com/office/officeart/2005/8/layout/StepDownProcess"/>
-    <dgm:cxn modelId="{4FAA67E3-C5B5-2948-B376-F4D2A7B5FD85}" type="presParOf" srcId="{07DEE8F3-5C25-8849-AC56-1D27EE0D5E04}" destId="{7FA0221F-235A-0547-8F02-698069D3133D}" srcOrd="1" destOrd="0" presId="urn:microsoft.com/office/officeart/2005/8/layout/StepDownProcess"/>
-    <dgm:cxn modelId="{3DB6FB04-FFF5-9843-B2EC-5B18F7258611}" type="presParOf" srcId="{07DEE8F3-5C25-8849-AC56-1D27EE0D5E04}" destId="{6B61C931-B89E-3C43-9A2A-288BFF687345}" srcOrd="2" destOrd="0" presId="urn:microsoft.com/office/officeart/2005/8/layout/StepDownProcess"/>
-    <dgm:cxn modelId="{69BBC326-25C2-2F45-BC60-F5DA7F038632}" type="presParOf" srcId="{2D66F054-9057-AC41-A5CC-9E8537E90068}" destId="{B312E69F-997C-7144-A71D-E92BB2887234}" srcOrd="7" destOrd="0" presId="urn:microsoft.com/office/officeart/2005/8/layout/StepDownProcess"/>
-    <dgm:cxn modelId="{5B18835E-FA9D-F149-91AB-4DCDB8E91542}" type="presParOf" srcId="{2D66F054-9057-AC41-A5CC-9E8537E90068}" destId="{0C1C26D8-3A86-D246-B422-8D10C72F785D}" srcOrd="8" destOrd="0" presId="urn:microsoft.com/office/officeart/2005/8/layout/StepDownProcess"/>
-    <dgm:cxn modelId="{E57B7CC8-110A-FA4C-B230-B9CB7FD94347}" type="presParOf" srcId="{0C1C26D8-3A86-D246-B422-8D10C72F785D}" destId="{6026454C-54C4-9844-9E8D-BB967561BF22}" srcOrd="0" destOrd="0" presId="urn:microsoft.com/office/officeart/2005/8/layout/StepDownProcess"/>
-  </dgm:cxnLst>
-  <dgm:bg/>
-  <dgm:whole/>
-  <dgm:extLst>
-    <a:ext uri="http://schemas.microsoft.com/office/drawing/2008/diagram">
-      <dsp:dataModelExt xmlns:dsp="http://schemas.microsoft.com/office/drawing/2008/diagram" relId="rId6" minVer="http://schemas.openxmlformats.org/drawingml/2006/diagram"/>
-    </a:ext>
-  </dgm:extLst>
-</dgm:dataModel>
-</file>
-
-<file path=ppt/diagrams/drawing1.xml><?xml version="1.0" encoding="utf-8"?>
-<dsp:drawing xmlns:dgm="http://schemas.openxmlformats.org/drawingml/2006/diagram" xmlns:dsp="http://schemas.microsoft.com/office/drawing/2008/diagram" xmlns:a="http://schemas.openxmlformats.org/drawingml/2006/main">
-  <dsp:spTree>
-    <dsp:nvGrpSpPr>
-      <dsp:cNvPr id="0" name=""/>
-      <dsp:cNvGrpSpPr/>
-    </dsp:nvGrpSpPr>
-    <dsp:grpSpPr/>
-    <dsp:sp modelId="{6C73427D-2DAA-4E49-984D-6FA937A3E3B8}">
-      <dsp:nvSpPr>
-        <dsp:cNvPr id="0" name=""/>
-        <dsp:cNvSpPr/>
-      </dsp:nvSpPr>
-      <dsp:spPr>
-        <a:xfrm rot="5400000">
-          <a:off x="830854" y="582088"/>
-          <a:ext cx="506583" cy="576726"/>
-        </a:xfrm>
-        <a:prstGeom prst="bentUpArrow">
-          <a:avLst>
-            <a:gd name="adj1" fmla="val 32840"/>
-            <a:gd name="adj2" fmla="val 25000"/>
-            <a:gd name="adj3" fmla="val 35780"/>
-          </a:avLst>
-        </a:prstGeom>
-        <a:solidFill>
-          <a:schemeClr val="accent3">
-            <a:tint val="50000"/>
-            <a:hueOff val="0"/>
-            <a:satOff val="0"/>
-            <a:lumOff val="0"/>
-            <a:alphaOff val="0"/>
-          </a:schemeClr>
-        </a:solidFill>
-        <a:ln w="25400" cap="flat" cmpd="sng" algn="ctr">
-          <a:solidFill>
-            <a:schemeClr val="lt1">
-              <a:hueOff val="0"/>
-              <a:satOff val="0"/>
-              <a:lumOff val="0"/>
-              <a:alphaOff val="0"/>
-            </a:schemeClr>
-          </a:solidFill>
-          <a:prstDash val="solid"/>
-        </a:ln>
-        <a:effectLst/>
-      </dsp:spPr>
-      <dsp:style>
-        <a:lnRef idx="2">
-          <a:scrgbClr r="0" g="0" b="0"/>
-        </a:lnRef>
-        <a:fillRef idx="1">
-          <a:scrgbClr r="0" g="0" b="0"/>
-        </a:fillRef>
-        <a:effectRef idx="0">
-          <a:scrgbClr r="0" g="0" b="0"/>
-        </a:effectRef>
-        <a:fontRef idx="minor"/>
-      </dsp:style>
-    </dsp:sp>
-    <dsp:sp modelId="{2D4FAFD5-F675-BF4F-91AC-D544FA2DE70D}">
-      <dsp:nvSpPr>
-        <dsp:cNvPr id="0" name=""/>
-        <dsp:cNvSpPr/>
-      </dsp:nvSpPr>
-      <dsp:spPr>
-        <a:xfrm>
-          <a:off x="696641" y="20531"/>
-          <a:ext cx="852787" cy="596923"/>
-        </a:xfrm>
-        <a:prstGeom prst="roundRect">
-          <a:avLst>
-            <a:gd name="adj" fmla="val 16670"/>
-          </a:avLst>
-        </a:prstGeom>
-        <a:solidFill>
-          <a:schemeClr val="accent3">
-            <a:hueOff val="0"/>
-            <a:satOff val="0"/>
-            <a:lumOff val="0"/>
-            <a:alphaOff val="0"/>
-          </a:schemeClr>
-        </a:solidFill>
-        <a:ln w="25400" cap="flat" cmpd="sng" algn="ctr">
-          <a:solidFill>
-            <a:schemeClr val="lt1">
-              <a:hueOff val="0"/>
-              <a:satOff val="0"/>
-              <a:lumOff val="0"/>
-              <a:alphaOff val="0"/>
-            </a:schemeClr>
-          </a:solidFill>
-          <a:prstDash val="solid"/>
-        </a:ln>
-        <a:effectLst/>
-      </dsp:spPr>
-      <dsp:style>
-        <a:lnRef idx="2">
-          <a:scrgbClr r="0" g="0" b="0"/>
-        </a:lnRef>
-        <a:fillRef idx="1">
-          <a:scrgbClr r="0" g="0" b="0"/>
-        </a:fillRef>
-        <a:effectRef idx="0">
-          <a:scrgbClr r="0" g="0" b="0"/>
-        </a:effectRef>
-        <a:fontRef idx="minor">
-          <a:schemeClr val="lt1"/>
-        </a:fontRef>
-      </dsp:style>
-      <dsp:txBody>
-        <a:bodyPr spcFirstLastPara="0" vert="horz" wrap="square" lIns="45720" tIns="45720" rIns="45720" bIns="45720" numCol="1" spcCol="1270" anchor="ctr" anchorCtr="0">
-          <a:noAutofit/>
-        </a:bodyPr>
-        <a:lstStyle/>
-        <a:p>
-          <a:pPr marL="0" lvl="0" indent="0" algn="ctr" defTabSz="533400">
-            <a:lnSpc>
-              <a:spcPct val="90000"/>
-            </a:lnSpc>
-            <a:spcBef>
-              <a:spcPct val="0"/>
-            </a:spcBef>
-            <a:spcAft>
-              <a:spcPct val="35000"/>
-            </a:spcAft>
-            <a:buNone/>
-          </a:pPr>
-          <a:r>
-            <a:rPr lang="en-GB" sz="1200" kern="1200" dirty="0"/>
-            <a:t>Collection</a:t>
-          </a:r>
-        </a:p>
-      </dsp:txBody>
-      <dsp:txXfrm>
-        <a:off x="725786" y="49676"/>
-        <a:ext cx="794497" cy="538633"/>
-      </dsp:txXfrm>
-    </dsp:sp>
-    <dsp:sp modelId="{D5C9471C-8C38-0A4A-852E-FFC5B84B1D0A}">
-      <dsp:nvSpPr>
-        <dsp:cNvPr id="0" name=""/>
-        <dsp:cNvSpPr/>
-      </dsp:nvSpPr>
-      <dsp:spPr>
-        <a:xfrm>
-          <a:off x="1549428" y="77461"/>
-          <a:ext cx="620236" cy="482460"/>
-        </a:xfrm>
-        <a:prstGeom prst="rect">
-          <a:avLst/>
-        </a:prstGeom>
-        <a:noFill/>
-        <a:ln>
-          <a:noFill/>
-        </a:ln>
-        <a:effectLst/>
-      </dsp:spPr>
-      <dsp:style>
-        <a:lnRef idx="0">
-          <a:scrgbClr r="0" g="0" b="0"/>
-        </a:lnRef>
-        <a:fillRef idx="0">
-          <a:scrgbClr r="0" g="0" b="0"/>
-        </a:fillRef>
-        <a:effectRef idx="0">
-          <a:scrgbClr r="0" g="0" b="0"/>
-        </a:effectRef>
-        <a:fontRef idx="minor"/>
-      </dsp:style>
-    </dsp:sp>
-    <dsp:sp modelId="{8C796128-67D4-8F4B-BC4C-3E47BF04A28C}">
-      <dsp:nvSpPr>
-        <dsp:cNvPr id="0" name=""/>
-        <dsp:cNvSpPr/>
-      </dsp:nvSpPr>
-      <dsp:spPr>
-        <a:xfrm rot="5400000">
-          <a:off x="1537906" y="1252630"/>
-          <a:ext cx="506583" cy="576726"/>
-        </a:xfrm>
-        <a:prstGeom prst="bentUpArrow">
-          <a:avLst>
-            <a:gd name="adj1" fmla="val 32840"/>
-            <a:gd name="adj2" fmla="val 25000"/>
-            <a:gd name="adj3" fmla="val 35780"/>
-          </a:avLst>
-        </a:prstGeom>
-        <a:solidFill>
-          <a:schemeClr val="accent3">
-            <a:tint val="50000"/>
-            <a:hueOff val="-3567301"/>
-            <a:satOff val="29583"/>
-            <a:lumOff val="4693"/>
-            <a:alphaOff val="0"/>
-          </a:schemeClr>
-        </a:solidFill>
-        <a:ln w="25400" cap="flat" cmpd="sng" algn="ctr">
-          <a:solidFill>
-            <a:schemeClr val="lt1">
-              <a:hueOff val="0"/>
-              <a:satOff val="0"/>
-              <a:lumOff val="0"/>
-              <a:alphaOff val="0"/>
-            </a:schemeClr>
-          </a:solidFill>
-          <a:prstDash val="solid"/>
-        </a:ln>
-        <a:effectLst/>
-      </dsp:spPr>
-      <dsp:style>
-        <a:lnRef idx="2">
-          <a:scrgbClr r="0" g="0" b="0"/>
-        </a:lnRef>
-        <a:fillRef idx="1">
-          <a:scrgbClr r="0" g="0" b="0"/>
-        </a:fillRef>
-        <a:effectRef idx="0">
-          <a:scrgbClr r="0" g="0" b="0"/>
-        </a:effectRef>
-        <a:fontRef idx="minor"/>
-      </dsp:style>
-    </dsp:sp>
-    <dsp:sp modelId="{277BCE31-0912-E841-BAF9-46A907C4A284}">
-      <dsp:nvSpPr>
-        <dsp:cNvPr id="0" name=""/>
-        <dsp:cNvSpPr/>
-      </dsp:nvSpPr>
-      <dsp:spPr>
-        <a:xfrm>
-          <a:off x="1403692" y="691073"/>
-          <a:ext cx="852787" cy="596923"/>
-        </a:xfrm>
-        <a:prstGeom prst="roundRect">
-          <a:avLst>
-            <a:gd name="adj" fmla="val 16670"/>
-          </a:avLst>
-        </a:prstGeom>
-        <a:solidFill>
-          <a:schemeClr val="accent3">
-            <a:hueOff val="-2495830"/>
-            <a:satOff val="21154"/>
-            <a:lumOff val="2108"/>
-            <a:alphaOff val="0"/>
-          </a:schemeClr>
-        </a:solidFill>
-        <a:ln w="25400" cap="flat" cmpd="sng" algn="ctr">
-          <a:solidFill>
-            <a:schemeClr val="lt1">
-              <a:hueOff val="0"/>
-              <a:satOff val="0"/>
-              <a:lumOff val="0"/>
-              <a:alphaOff val="0"/>
-            </a:schemeClr>
-          </a:solidFill>
-          <a:prstDash val="solid"/>
-        </a:ln>
-        <a:effectLst/>
-      </dsp:spPr>
-      <dsp:style>
-        <a:lnRef idx="2">
-          <a:scrgbClr r="0" g="0" b="0"/>
-        </a:lnRef>
-        <a:fillRef idx="1">
-          <a:scrgbClr r="0" g="0" b="0"/>
-        </a:fillRef>
-        <a:effectRef idx="0">
-          <a:scrgbClr r="0" g="0" b="0"/>
-        </a:effectRef>
-        <a:fontRef idx="minor">
-          <a:schemeClr val="lt1"/>
-        </a:fontRef>
-      </dsp:style>
-      <dsp:txBody>
-        <a:bodyPr spcFirstLastPara="0" vert="horz" wrap="square" lIns="45720" tIns="45720" rIns="45720" bIns="45720" numCol="1" spcCol="1270" anchor="ctr" anchorCtr="0">
-          <a:noAutofit/>
-        </a:bodyPr>
-        <a:lstStyle/>
-        <a:p>
-          <a:pPr marL="0" lvl="0" indent="0" algn="ctr" defTabSz="533400">
-            <a:lnSpc>
-              <a:spcPct val="90000"/>
-            </a:lnSpc>
-            <a:spcBef>
-              <a:spcPct val="0"/>
-            </a:spcBef>
-            <a:spcAft>
-              <a:spcPct val="35000"/>
-            </a:spcAft>
-            <a:buNone/>
-          </a:pPr>
-          <a:r>
-            <a:rPr lang="en-GB" sz="1200" kern="1200" dirty="0"/>
-            <a:t>Filter</a:t>
-          </a:r>
-        </a:p>
-      </dsp:txBody>
-      <dsp:txXfrm>
-        <a:off x="1432837" y="720218"/>
-        <a:ext cx="794497" cy="538633"/>
-      </dsp:txXfrm>
-    </dsp:sp>
-    <dsp:sp modelId="{025C776F-E952-ED4D-B42B-6F7FD9E3862A}">
-      <dsp:nvSpPr>
-        <dsp:cNvPr id="0" name=""/>
-        <dsp:cNvSpPr/>
-      </dsp:nvSpPr>
-      <dsp:spPr>
-        <a:xfrm>
-          <a:off x="2256480" y="748003"/>
-          <a:ext cx="620236" cy="482460"/>
-        </a:xfrm>
-        <a:prstGeom prst="rect">
-          <a:avLst/>
-        </a:prstGeom>
-        <a:noFill/>
-        <a:ln>
-          <a:noFill/>
-        </a:ln>
-        <a:effectLst/>
-      </dsp:spPr>
-      <dsp:style>
-        <a:lnRef idx="0">
-          <a:scrgbClr r="0" g="0" b="0"/>
-        </a:lnRef>
-        <a:fillRef idx="0">
-          <a:scrgbClr r="0" g="0" b="0"/>
-        </a:fillRef>
-        <a:effectRef idx="0">
-          <a:scrgbClr r="0" g="0" b="0"/>
-        </a:effectRef>
-        <a:fontRef idx="minor"/>
-      </dsp:style>
-    </dsp:sp>
-    <dsp:sp modelId="{BDB9794A-999A-104A-855C-51AFC2863DB6}">
-      <dsp:nvSpPr>
-        <dsp:cNvPr id="0" name=""/>
-        <dsp:cNvSpPr/>
-      </dsp:nvSpPr>
-      <dsp:spPr>
-        <a:xfrm rot="5400000">
-          <a:off x="2244957" y="1923173"/>
-          <a:ext cx="506583" cy="576726"/>
-        </a:xfrm>
-        <a:prstGeom prst="bentUpArrow">
-          <a:avLst>
-            <a:gd name="adj1" fmla="val 32840"/>
-            <a:gd name="adj2" fmla="val 25000"/>
-            <a:gd name="adj3" fmla="val 35780"/>
-          </a:avLst>
-        </a:prstGeom>
-        <a:solidFill>
-          <a:schemeClr val="accent3">
-            <a:tint val="50000"/>
-            <a:hueOff val="-7134602"/>
-            <a:satOff val="59166"/>
-            <a:lumOff val="9385"/>
-            <a:alphaOff val="0"/>
-          </a:schemeClr>
-        </a:solidFill>
-        <a:ln w="25400" cap="flat" cmpd="sng" algn="ctr">
-          <a:solidFill>
-            <a:schemeClr val="lt1">
-              <a:hueOff val="0"/>
-              <a:satOff val="0"/>
-              <a:lumOff val="0"/>
-              <a:alphaOff val="0"/>
-            </a:schemeClr>
-          </a:solidFill>
-          <a:prstDash val="solid"/>
-        </a:ln>
-        <a:effectLst/>
-      </dsp:spPr>
-      <dsp:style>
-        <a:lnRef idx="2">
-          <a:scrgbClr r="0" g="0" b="0"/>
-        </a:lnRef>
-        <a:fillRef idx="1">
-          <a:scrgbClr r="0" g="0" b="0"/>
-        </a:fillRef>
-        <a:effectRef idx="0">
-          <a:scrgbClr r="0" g="0" b="0"/>
-        </a:effectRef>
-        <a:fontRef idx="minor"/>
-      </dsp:style>
-    </dsp:sp>
-    <dsp:sp modelId="{F93CE76B-6321-064D-B366-7AEC2A65B106}">
-      <dsp:nvSpPr>
-        <dsp:cNvPr id="0" name=""/>
-        <dsp:cNvSpPr/>
-      </dsp:nvSpPr>
-      <dsp:spPr>
-        <a:xfrm>
-          <a:off x="2110744" y="1361615"/>
-          <a:ext cx="852787" cy="596923"/>
-        </a:xfrm>
-        <a:prstGeom prst="roundRect">
-          <a:avLst>
-            <a:gd name="adj" fmla="val 16670"/>
-          </a:avLst>
-        </a:prstGeom>
-        <a:solidFill>
-          <a:schemeClr val="accent3">
-            <a:hueOff val="-4991659"/>
-            <a:satOff val="42307"/>
-            <a:lumOff val="4215"/>
-            <a:alphaOff val="0"/>
-          </a:schemeClr>
-        </a:solidFill>
-        <a:ln w="25400" cap="flat" cmpd="sng" algn="ctr">
-          <a:solidFill>
-            <a:schemeClr val="lt1">
-              <a:hueOff val="0"/>
-              <a:satOff val="0"/>
-              <a:lumOff val="0"/>
-              <a:alphaOff val="0"/>
-            </a:schemeClr>
-          </a:solidFill>
-          <a:prstDash val="solid"/>
-        </a:ln>
-        <a:effectLst/>
-      </dsp:spPr>
-      <dsp:style>
-        <a:lnRef idx="2">
-          <a:scrgbClr r="0" g="0" b="0"/>
-        </a:lnRef>
-        <a:fillRef idx="1">
-          <a:scrgbClr r="0" g="0" b="0"/>
-        </a:fillRef>
-        <a:effectRef idx="0">
-          <a:scrgbClr r="0" g="0" b="0"/>
-        </a:effectRef>
-        <a:fontRef idx="minor">
-          <a:schemeClr val="lt1"/>
-        </a:fontRef>
-      </dsp:style>
-      <dsp:txBody>
-        <a:bodyPr spcFirstLastPara="0" vert="horz" wrap="square" lIns="45720" tIns="45720" rIns="45720" bIns="45720" numCol="1" spcCol="1270" anchor="ctr" anchorCtr="0">
-          <a:noAutofit/>
-        </a:bodyPr>
-        <a:lstStyle/>
-        <a:p>
-          <a:pPr marL="0" lvl="0" indent="0" algn="ctr" defTabSz="533400">
-            <a:lnSpc>
-              <a:spcPct val="90000"/>
-            </a:lnSpc>
-            <a:spcBef>
-              <a:spcPct val="0"/>
-            </a:spcBef>
-            <a:spcAft>
-              <a:spcPct val="35000"/>
-            </a:spcAft>
-            <a:buNone/>
-          </a:pPr>
-          <a:r>
-            <a:rPr lang="en-GB" sz="1200" kern="1200" dirty="0"/>
-            <a:t>Group</a:t>
-          </a:r>
-        </a:p>
-      </dsp:txBody>
-      <dsp:txXfrm>
-        <a:off x="2139889" y="1390760"/>
-        <a:ext cx="794497" cy="538633"/>
-      </dsp:txXfrm>
-    </dsp:sp>
-    <dsp:sp modelId="{CD2CB8F2-56A0-7248-B330-7CB266596B10}">
-      <dsp:nvSpPr>
-        <dsp:cNvPr id="0" name=""/>
-        <dsp:cNvSpPr/>
-      </dsp:nvSpPr>
-      <dsp:spPr>
-        <a:xfrm>
-          <a:off x="2963531" y="1418545"/>
-          <a:ext cx="620236" cy="482460"/>
-        </a:xfrm>
-        <a:prstGeom prst="rect">
-          <a:avLst/>
-        </a:prstGeom>
-        <a:noFill/>
-        <a:ln>
-          <a:noFill/>
-        </a:ln>
-        <a:effectLst/>
-      </dsp:spPr>
-      <dsp:style>
-        <a:lnRef idx="0">
-          <a:scrgbClr r="0" g="0" b="0"/>
-        </a:lnRef>
-        <a:fillRef idx="0">
-          <a:scrgbClr r="0" g="0" b="0"/>
-        </a:fillRef>
-        <a:effectRef idx="0">
-          <a:scrgbClr r="0" g="0" b="0"/>
-        </a:effectRef>
-        <a:fontRef idx="minor"/>
-      </dsp:style>
-    </dsp:sp>
-    <dsp:sp modelId="{D34347C5-AB4A-BE42-A896-8C8E1B55BCC0}">
-      <dsp:nvSpPr>
-        <dsp:cNvPr id="0" name=""/>
-        <dsp:cNvSpPr/>
-      </dsp:nvSpPr>
-      <dsp:spPr>
-        <a:xfrm rot="5400000">
-          <a:off x="2952009" y="2593715"/>
-          <a:ext cx="506583" cy="576726"/>
-        </a:xfrm>
-        <a:prstGeom prst="bentUpArrow">
-          <a:avLst>
-            <a:gd name="adj1" fmla="val 32840"/>
-            <a:gd name="adj2" fmla="val 25000"/>
-            <a:gd name="adj3" fmla="val 35780"/>
-          </a:avLst>
-        </a:prstGeom>
-        <a:solidFill>
-          <a:schemeClr val="accent3">
-            <a:tint val="50000"/>
-            <a:hueOff val="-10701903"/>
-            <a:satOff val="88749"/>
-            <a:lumOff val="14078"/>
-            <a:alphaOff val="0"/>
-          </a:schemeClr>
-        </a:solidFill>
-        <a:ln w="25400" cap="flat" cmpd="sng" algn="ctr">
-          <a:solidFill>
-            <a:schemeClr val="lt1">
-              <a:hueOff val="0"/>
-              <a:satOff val="0"/>
-              <a:lumOff val="0"/>
-              <a:alphaOff val="0"/>
-            </a:schemeClr>
-          </a:solidFill>
-          <a:prstDash val="solid"/>
-        </a:ln>
-        <a:effectLst/>
-      </dsp:spPr>
-      <dsp:style>
-        <a:lnRef idx="2">
-          <a:scrgbClr r="0" g="0" b="0"/>
-        </a:lnRef>
-        <a:fillRef idx="1">
-          <a:scrgbClr r="0" g="0" b="0"/>
-        </a:fillRef>
-        <a:effectRef idx="0">
-          <a:scrgbClr r="0" g="0" b="0"/>
-        </a:effectRef>
-        <a:fontRef idx="minor"/>
-      </dsp:style>
-    </dsp:sp>
-    <dsp:sp modelId="{7FA0221F-235A-0547-8F02-698069D3133D}">
-      <dsp:nvSpPr>
-        <dsp:cNvPr id="0" name=""/>
-        <dsp:cNvSpPr/>
-      </dsp:nvSpPr>
-      <dsp:spPr>
-        <a:xfrm>
-          <a:off x="2817795" y="2032157"/>
-          <a:ext cx="852787" cy="596923"/>
-        </a:xfrm>
-        <a:prstGeom prst="roundRect">
-          <a:avLst>
-            <a:gd name="adj" fmla="val 16670"/>
-          </a:avLst>
-        </a:prstGeom>
-        <a:solidFill>
-          <a:schemeClr val="accent3">
-            <a:hueOff val="-7487489"/>
-            <a:satOff val="63461"/>
-            <a:lumOff val="6323"/>
-            <a:alphaOff val="0"/>
-          </a:schemeClr>
-        </a:solidFill>
-        <a:ln w="25400" cap="flat" cmpd="sng" algn="ctr">
-          <a:solidFill>
-            <a:schemeClr val="lt1">
-              <a:hueOff val="0"/>
-              <a:satOff val="0"/>
-              <a:lumOff val="0"/>
-              <a:alphaOff val="0"/>
-            </a:schemeClr>
-          </a:solidFill>
-          <a:prstDash val="solid"/>
-        </a:ln>
-        <a:effectLst/>
-      </dsp:spPr>
-      <dsp:style>
-        <a:lnRef idx="2">
-          <a:scrgbClr r="0" g="0" b="0"/>
-        </a:lnRef>
-        <a:fillRef idx="1">
-          <a:scrgbClr r="0" g="0" b="0"/>
-        </a:fillRef>
-        <a:effectRef idx="0">
-          <a:scrgbClr r="0" g="0" b="0"/>
-        </a:effectRef>
-        <a:fontRef idx="minor">
-          <a:schemeClr val="lt1"/>
-        </a:fontRef>
-      </dsp:style>
-      <dsp:txBody>
-        <a:bodyPr spcFirstLastPara="0" vert="horz" wrap="square" lIns="45720" tIns="45720" rIns="45720" bIns="45720" numCol="1" spcCol="1270" anchor="ctr" anchorCtr="0">
-          <a:noAutofit/>
-        </a:bodyPr>
-        <a:lstStyle/>
-        <a:p>
-          <a:pPr marL="0" lvl="0" indent="0" algn="ctr" defTabSz="533400">
-            <a:lnSpc>
-              <a:spcPct val="90000"/>
-            </a:lnSpc>
-            <a:spcBef>
-              <a:spcPct val="0"/>
-            </a:spcBef>
-            <a:spcAft>
-              <a:spcPct val="35000"/>
-            </a:spcAft>
-            <a:buNone/>
-          </a:pPr>
-          <a:r>
-            <a:rPr lang="en-GB" sz="1200" kern="1200" dirty="0"/>
-            <a:t>Sort</a:t>
-          </a:r>
-        </a:p>
-      </dsp:txBody>
-      <dsp:txXfrm>
-        <a:off x="2846940" y="2061302"/>
-        <a:ext cx="794497" cy="538633"/>
-      </dsp:txXfrm>
-    </dsp:sp>
-    <dsp:sp modelId="{6B61C931-B89E-3C43-9A2A-288BFF687345}">
-      <dsp:nvSpPr>
-        <dsp:cNvPr id="0" name=""/>
-        <dsp:cNvSpPr/>
-      </dsp:nvSpPr>
-      <dsp:spPr>
-        <a:xfrm>
-          <a:off x="3670583" y="2089088"/>
-          <a:ext cx="620236" cy="482460"/>
-        </a:xfrm>
-        <a:prstGeom prst="rect">
-          <a:avLst/>
-        </a:prstGeom>
-        <a:noFill/>
-        <a:ln>
-          <a:noFill/>
-        </a:ln>
-        <a:effectLst/>
-      </dsp:spPr>
-      <dsp:style>
-        <a:lnRef idx="0">
-          <a:scrgbClr r="0" g="0" b="0"/>
-        </a:lnRef>
-        <a:fillRef idx="0">
-          <a:scrgbClr r="0" g="0" b="0"/>
-        </a:fillRef>
-        <a:effectRef idx="0">
-          <a:scrgbClr r="0" g="0" b="0"/>
-        </a:effectRef>
-        <a:fontRef idx="minor"/>
-      </dsp:style>
-    </dsp:sp>
-    <dsp:sp modelId="{6026454C-54C4-9844-9E8D-BB967561BF22}">
-      <dsp:nvSpPr>
-        <dsp:cNvPr id="0" name=""/>
-        <dsp:cNvSpPr/>
-      </dsp:nvSpPr>
-      <dsp:spPr>
-        <a:xfrm>
-          <a:off x="3524847" y="2702700"/>
-          <a:ext cx="852787" cy="596923"/>
-        </a:xfrm>
-        <a:prstGeom prst="roundRect">
-          <a:avLst>
-            <a:gd name="adj" fmla="val 16670"/>
-          </a:avLst>
-        </a:prstGeom>
-        <a:solidFill>
-          <a:schemeClr val="accent3">
-            <a:hueOff val="-9983318"/>
-            <a:satOff val="84615"/>
-            <a:lumOff val="8431"/>
-            <a:alphaOff val="0"/>
-          </a:schemeClr>
-        </a:solidFill>
-        <a:ln w="25400" cap="flat" cmpd="sng" algn="ctr">
-          <a:solidFill>
-            <a:schemeClr val="lt1">
-              <a:hueOff val="0"/>
-              <a:satOff val="0"/>
-              <a:lumOff val="0"/>
-              <a:alphaOff val="0"/>
-            </a:schemeClr>
-          </a:solidFill>
-          <a:prstDash val="solid"/>
-        </a:ln>
-        <a:effectLst/>
-      </dsp:spPr>
-      <dsp:style>
-        <a:lnRef idx="2">
-          <a:scrgbClr r="0" g="0" b="0"/>
-        </a:lnRef>
-        <a:fillRef idx="1">
-          <a:scrgbClr r="0" g="0" b="0"/>
-        </a:fillRef>
-        <a:effectRef idx="0">
-          <a:scrgbClr r="0" g="0" b="0"/>
-        </a:effectRef>
-        <a:fontRef idx="minor">
-          <a:schemeClr val="lt1"/>
-        </a:fontRef>
-      </dsp:style>
-      <dsp:txBody>
-        <a:bodyPr spcFirstLastPara="0" vert="horz" wrap="square" lIns="45720" tIns="45720" rIns="45720" bIns="45720" numCol="1" spcCol="1270" anchor="ctr" anchorCtr="0">
-          <a:noAutofit/>
-        </a:bodyPr>
-        <a:lstStyle/>
-        <a:p>
-          <a:pPr marL="0" lvl="0" indent="0" algn="ctr" defTabSz="533400">
-            <a:lnSpc>
-              <a:spcPct val="90000"/>
-            </a:lnSpc>
-            <a:spcBef>
-              <a:spcPct val="0"/>
-            </a:spcBef>
-            <a:spcAft>
-              <a:spcPct val="35000"/>
-            </a:spcAft>
-            <a:buNone/>
-          </a:pPr>
-          <a:r>
-            <a:rPr lang="en-GB" sz="1200" kern="1200" dirty="0"/>
-            <a:t>Results</a:t>
-          </a:r>
-        </a:p>
-      </dsp:txBody>
-      <dsp:txXfrm>
-        <a:off x="3553992" y="2731845"/>
-        <a:ext cx="794497" cy="538633"/>
-      </dsp:txXfrm>
-    </dsp:sp>
-  </dsp:spTree>
-</dsp:drawing>
-</file>
-
-<file path=ppt/diagrams/layout1.xml><?xml version="1.0" encoding="utf-8"?>
-<dgm:layoutDef xmlns:dgm="http://schemas.openxmlformats.org/drawingml/2006/diagram" xmlns:a="http://schemas.openxmlformats.org/drawingml/2006/main" uniqueId="urn:microsoft.com/office/officeart/2005/8/layout/StepDownProcess">
-  <dgm:title val=""/>
-  <dgm:desc val=""/>
-  <dgm:catLst>
-    <dgm:cat type="process" pri="1600"/>
-  </dgm:catLst>
-  <dgm:sampData>
-    <dgm:dataModel>
-      <dgm:ptLst>
-        <dgm:pt modelId="0" type="doc"/>
-        <dgm:pt modelId="10">
-          <dgm:prSet phldr="1"/>
-        </dgm:pt>
-        <dgm:pt modelId="11">
-          <dgm:prSet phldr="1"/>
-        </dgm:pt>
-        <dgm:pt modelId="20">
-          <dgm:prSet phldr="1"/>
-        </dgm:pt>
-        <dgm:pt modelId="21">
-          <dgm:prSet phldr="1"/>
-        </dgm:pt>
-        <dgm:pt modelId="30">
-          <dgm:prSet phldr="1"/>
-        </dgm:pt>
-        <dgm:pt modelId="31">
-          <dgm:prSet phldr="1"/>
-        </dgm:pt>
-      </dgm:ptLst>
-      <dgm:cxnLst>
-        <dgm:cxn modelId="60" srcId="0" destId="10" srcOrd="0" destOrd="0"/>
-        <dgm:cxn modelId="12" srcId="10" destId="11" srcOrd="0" destOrd="0"/>
-        <dgm:cxn modelId="70" srcId="0" destId="20" srcOrd="1" destOrd="0"/>
-        <dgm:cxn modelId="22" srcId="20" destId="21" srcOrd="0" destOrd="0"/>
-        <dgm:cxn modelId="80" srcId="0" destId="30" srcOrd="2" destOrd="0"/>
-        <dgm:cxn modelId="32" srcId="30" destId="31" srcOrd="0" destOrd="0"/>
-      </dgm:cxnLst>
-      <dgm:bg/>
-      <dgm:whole/>
-    </dgm:dataModel>
-  </dgm:sampData>
-  <dgm:styleData>
-    <dgm:dataModel>
-      <dgm:ptLst>
-        <dgm:pt modelId="0" type="doc"/>
-        <dgm:pt modelId="10">
-          <dgm:prSet phldr="1"/>
-        </dgm:pt>
-        <dgm:pt modelId="20">
-          <dgm:prSet phldr="1"/>
-        </dgm:pt>
-      </dgm:ptLst>
-      <dgm:cxnLst>
-        <dgm:cxn modelId="60" srcId="0" destId="10" srcOrd="0" destOrd="0"/>
-        <dgm:cxn modelId="70" srcId="0" destId="20" srcOrd="1" destOrd="0"/>
-      </dgm:cxnLst>
-      <dgm:bg/>
-      <dgm:whole/>
-    </dgm:dataModel>
-  </dgm:styleData>
-  <dgm:clrData>
-    <dgm:dataModel>
-      <dgm:ptLst>
-        <dgm:pt modelId="0" type="doc"/>
-        <dgm:pt modelId="10">
-          <dgm:prSet phldr="1"/>
-        </dgm:pt>
-        <dgm:pt modelId="20">
-          <dgm:prSet phldr="1"/>
-        </dgm:pt>
-        <dgm:pt modelId="30">
-          <dgm:prSet phldr="1"/>
-        </dgm:pt>
-        <dgm:pt modelId="40">
-          <dgm:prSet phldr="1"/>
-        </dgm:pt>
-      </dgm:ptLst>
-      <dgm:cxnLst>
-        <dgm:cxn modelId="60" srcId="0" destId="10" srcOrd="0" destOrd="0"/>
-        <dgm:cxn modelId="70" srcId="0" destId="20" srcOrd="1" destOrd="0"/>
-        <dgm:cxn modelId="80" srcId="0" destId="30" srcOrd="2" destOrd="0"/>
-        <dgm:cxn modelId="90" srcId="0" destId="40" srcOrd="3" destOrd="0"/>
-      </dgm:cxnLst>
-      <dgm:bg/>
-      <dgm:whole/>
-    </dgm:dataModel>
-  </dgm:clrData>
-  <dgm:layoutNode name="rootnode">
-    <dgm:varLst>
-      <dgm:chMax/>
-      <dgm:chPref/>
-      <dgm:dir/>
-      <dgm:animLvl val="lvl"/>
-    </dgm:varLst>
-    <dgm:choose name="Name0">
-      <dgm:if name="Name1" func="var" arg="dir" op="equ" val="norm">
-        <dgm:alg type="snake">
-          <dgm:param type="grDir" val="tL"/>
-          <dgm:param type="flowDir" val="row"/>
-          <dgm:param type="off" val="off"/>
-          <dgm:param type="bkpt" val="fixed"/>
-          <dgm:param type="bkPtFixedVal" val="1"/>
-        </dgm:alg>
-      </dgm:if>
-      <dgm:else name="Name2">
-        <dgm:alg type="snake">
-          <dgm:param type="grDir" val="tR"/>
-          <dgm:param type="flowDir" val="row"/>
-          <dgm:param type="off" val="off"/>
-          <dgm:param type="bkpt" val="fixed"/>
-          <dgm:param type="bkPtFixedVal" val="1"/>
-        </dgm:alg>
-      </dgm:else>
-    </dgm:choose>
-    <dgm:shape xmlns:r="http://schemas.openxmlformats.org/officeDocument/2006/relationships" r:blip="">
-      <dgm:adjLst/>
-    </dgm:shape>
-    <dgm:choose name="Name3">
-      <dgm:if name="Name4" func="var" arg="dir" op="equ" val="norm">
-        <dgm:constrLst>
-          <dgm:constr type="alignOff" forName="rootnode" val="0.48"/>
-          <dgm:constr type="primFontSz" for="des" forName="ParentText" val="65"/>
-          <dgm:constr type="primFontSz" for="des" forName="ChildText" refType="primFontSz" refFor="des" refForName="ParentText" op="lte"/>
-          <dgm:constr type="w" for="ch" forName="composite" refType="w"/>
-          <dgm:constr type="h" for="ch" forName="composite" refType="h"/>
-          <dgm:constr type="sp" refType="h" refFor="ch" refForName="composite" op="equ" fact="-0.38"/>
-        </dgm:constrLst>
-      </dgm:if>
-      <dgm:else name="Name5">
-        <dgm:constrLst>
-          <dgm:constr type="alignOff" forName="rootnode" val="0.48"/>
-          <dgm:constr type="primFontSz" for="des" forName="ParentText" val="65"/>
-          <dgm:constr type="primFontSz" for="des" forName="ChildText" refType="primFontSz" refFor="des" refForName="ParentText" op="lte"/>
-          <dgm:constr type="w" for="ch" forName="composite" refType="w"/>
-          <dgm:constr type="h" for="ch" forName="composite" refType="h"/>
-          <dgm:constr type="sp" refType="h" refFor="ch" refForName="composite" op="equ" fact="-0.38"/>
-        </dgm:constrLst>
-      </dgm:else>
-    </dgm:choose>
-    <dgm:forEach name="nodesForEach" axis="ch" ptType="node">
-      <dgm:layoutNode name="composite">
-        <dgm:alg type="composite">
-          <dgm:param type="ar" val="1.2439"/>
-        </dgm:alg>
-        <dgm:shape xmlns:r="http://schemas.openxmlformats.org/officeDocument/2006/relationships" r:blip="">
-          <dgm:adjLst/>
-        </dgm:shape>
-        <dgm:choose name="Name6">
-          <dgm:if name="Name7" func="var" arg="dir" op="equ" val="norm">
-            <dgm:constrLst>
-              <dgm:constr type="l" for="ch" forName="bentUpArrow1" refType="w" fact="0.07"/>
-              <dgm:constr type="t" for="ch" forName="bentUpArrow1" refType="h" fact="0.524"/>
-              <dgm:constr type="w" for="ch" forName="bentUpArrow1" refType="w" fact="0.3844"/>
-              <dgm:constr type="h" for="ch" forName="bentUpArrow1" refType="h" fact="0.42"/>
-              <dgm:constr type="l" for="ch" forName="ParentText" refType="w" fact="0"/>
-              <dgm:constr type="t" for="ch" forName="ParentText" refType="h" fact="0"/>
-              <dgm:constr type="w" for="ch" forName="ParentText" refType="w" fact="0.5684"/>
-              <dgm:constr type="h" for="ch" forName="ParentText" refType="h" fact="0.4949"/>
-              <dgm:constr type="l" for="ch" forName="ChildText" refType="w" refFor="ch" refForName="ParentText"/>
-              <dgm:constr type="t" for="ch" forName="ChildText" refType="h" fact="0.05"/>
-              <dgm:constr type="w" for="ch" forName="ChildText" refType="w" fact="0.4134"/>
-              <dgm:constr type="h" for="ch" forName="ChildText" refType="h" fact="0.4"/>
-              <dgm:constr type="l" for="ch" forName="FinalChildText" refType="w" refFor="ch" refForName="ParentText"/>
-              <dgm:constr type="t" for="ch" forName="FinalChildText" refType="h" fact="0.05"/>
-              <dgm:constr type="w" for="ch" forName="FinalChildText" refType="w" fact="0.4134"/>
-              <dgm:constr type="h" for="ch" forName="FinalChildText" refType="h" fact="0.4"/>
-            </dgm:constrLst>
-          </dgm:if>
-          <dgm:else name="Name8">
-            <dgm:constrLst>
-              <dgm:constr type="r" for="ch" forName="bentUpArrow1" refType="w" fact="0.97"/>
-              <dgm:constr type="t" for="ch" forName="bentUpArrow1" refType="h" fact="0.524"/>
-              <dgm:constr type="w" for="ch" forName="bentUpArrow1" refType="w" fact="0.3844"/>
-              <dgm:constr type="h" for="ch" forName="bentUpArrow1" refType="h" fact="0.42"/>
-              <dgm:constr type="l" for="ch" forName="ParentText" refType="w" fact="0.4316"/>
-              <dgm:constr type="t" for="ch" forName="ParentText" refType="h" fact="0"/>
-              <dgm:constr type="w" for="ch" forName="ParentText" refType="w" fact="0.5684"/>
-              <dgm:constr type="h" for="ch" forName="ParentText" refType="h" fact="0.4949"/>
-              <dgm:constr type="l" for="ch" forName="ChildText" refType="w" fact="0"/>
-              <dgm:constr type="t" for="ch" forName="ChildText" refType="h" fact="0.05"/>
-              <dgm:constr type="w" for="ch" forName="ChildText" refType="w" fact="0.4134"/>
-              <dgm:constr type="h" for="ch" forName="ChildText" refType="h" fact="0.4"/>
-              <dgm:constr type="l" for="ch" forName="FinalChildText" refType="w" fact="0"/>
-              <dgm:constr type="t" for="ch" forName="FinalChildText" refType="h" fact="0.05"/>
-              <dgm:constr type="w" for="ch" forName="FinalChildText" refType="w" fact="0.4134"/>
-              <dgm:constr type="h" for="ch" forName="FinalChildText" refType="h" fact="0.4"/>
-            </dgm:constrLst>
-          </dgm:else>
-        </dgm:choose>
-        <dgm:choose name="Name9">
-          <dgm:if name="Name10" axis="followSib" ptType="node" func="cnt" op="gte" val="1">
-            <dgm:layoutNode name="bentUpArrow1" styleLbl="alignImgPlace1">
-              <dgm:alg type="sp"/>
-              <dgm:choose name="Name11">
-                <dgm:if name="Name12" func="var" arg="dir" op="equ" val="norm">
-                  <dgm:shape xmlns:r="http://schemas.openxmlformats.org/officeDocument/2006/relationships" rot="90" type="bentUpArrow" r:blip="">
-                    <dgm:adjLst>
-                      <dgm:adj idx="1" val="0.3284"/>
-                      <dgm:adj idx="2" val="0.25"/>
-                      <dgm:adj idx="3" val="0.3578"/>
-                    </dgm:adjLst>
-                  </dgm:shape>
-                </dgm:if>
-                <dgm:else name="Name13">
-                  <dgm:shape xmlns:r="http://schemas.openxmlformats.org/officeDocument/2006/relationships" rot="180" type="bentArrow" r:blip="">
-                    <dgm:adjLst>
-                      <dgm:adj idx="1" val="0.3284"/>
-                      <dgm:adj idx="2" val="0.25"/>
-                      <dgm:adj idx="3" val="0.3578"/>
-                      <dgm:adj idx="4" val="0"/>
-                    </dgm:adjLst>
-                  </dgm:shape>
-                </dgm:else>
-              </dgm:choose>
-              <dgm:presOf/>
-            </dgm:layoutNode>
-          </dgm:if>
-          <dgm:else name="Name14"/>
-        </dgm:choose>
-        <dgm:layoutNode name="ParentText" styleLbl="node1">
-          <dgm:varLst>
-            <dgm:chMax val="1"/>
-            <dgm:chPref val="1"/>
-            <dgm:bulletEnabled val="1"/>
-          </dgm:varLst>
-          <dgm:alg type="tx"/>
-          <dgm:shape xmlns:r="http://schemas.openxmlformats.org/officeDocument/2006/relationships" type="roundRect" r:blip="">
-            <dgm:adjLst>
-              <dgm:adj idx="1" val="0.1667"/>
-            </dgm:adjLst>
-          </dgm:shape>
-          <dgm:presOf axis="self" ptType="node"/>
-          <dgm:constrLst>
-            <dgm:constr type="lMarg" refType="primFontSz" fact="0.3"/>
-            <dgm:constr type="rMarg" refType="primFontSz" fact="0.3"/>
-            <dgm:constr type="tMarg" refType="primFontSz" fact="0.3"/>
-            <dgm:constr type="bMarg" refType="primFontSz" fact="0.3"/>
-          </dgm:constrLst>
-          <dgm:ruleLst>
-            <dgm:rule type="primFontSz" val="5" fact="NaN" max="NaN"/>
-          </dgm:ruleLst>
-        </dgm:layoutNode>
-        <dgm:choose name="Name15">
-          <dgm:if name="Name16" axis="followSib" ptType="node" func="cnt" op="equ" val="0">
-            <dgm:choose name="Name17">
-              <dgm:if name="Name18" axis="ch" ptType="node" func="cnt" op="gte" val="1">
-                <dgm:layoutNode name="FinalChildText" styleLbl="revTx">
-                  <dgm:varLst>
-                    <dgm:chMax val="0"/>
-                    <dgm:chPref val="0"/>
-                    <dgm:bulletEnabled val="1"/>
-                  </dgm:varLst>
-                  <dgm:alg type="tx">
-                    <dgm:param type="stBulletLvl" val="1"/>
-                    <dgm:param type="txAnchorVertCh" val="mid"/>
-                    <dgm:param type="parTxLTRAlign" val="l"/>
-                  </dgm:alg>
-                  <dgm:shape xmlns:r="http://schemas.openxmlformats.org/officeDocument/2006/relationships" type="rect" r:blip="">
-                    <dgm:adjLst/>
-                  </dgm:shape>
-                  <dgm:presOf axis="des" ptType="node"/>
-                  <dgm:constrLst>
-                    <dgm:constr type="lMarg" refType="primFontSz" fact="0.3"/>
-                    <dgm:constr type="rMarg" refType="primFontSz" fact="0.3"/>
-                    <dgm:constr type="tMarg" refType="primFontSz" fact="0.3"/>
-                    <dgm:constr type="bMarg" refType="primFontSz" fact="0.3"/>
-                  </dgm:constrLst>
-                  <dgm:ruleLst>
-                    <dgm:rule type="primFontSz" val="5" fact="NaN" max="NaN"/>
-                  </dgm:ruleLst>
-                </dgm:layoutNode>
-              </dgm:if>
-              <dgm:else name="Name19"/>
-            </dgm:choose>
-          </dgm:if>
-          <dgm:else name="Name20">
-            <dgm:layoutNode name="ChildText" styleLbl="revTx">
-              <dgm:varLst>
-                <dgm:chMax val="0"/>
-                <dgm:chPref val="0"/>
-                <dgm:bulletEnabled val="1"/>
-              </dgm:varLst>
-              <dgm:alg type="tx">
-                <dgm:param type="stBulletLvl" val="1"/>
-                <dgm:param type="txAnchorVertCh" val="mid"/>
-                <dgm:param type="parTxLTRAlign" val="l"/>
-              </dgm:alg>
-              <dgm:shape xmlns:r="http://schemas.openxmlformats.org/officeDocument/2006/relationships" type="rect" r:blip="">
-                <dgm:adjLst/>
-              </dgm:shape>
-              <dgm:presOf axis="des" ptType="node"/>
-              <dgm:constrLst>
-                <dgm:constr type="lMarg" refType="primFontSz" fact="0.3"/>
-                <dgm:constr type="rMarg" refType="primFontSz" fact="0.3"/>
-                <dgm:constr type="tMarg" refType="primFontSz" fact="0.3"/>
-                <dgm:constr type="bMarg" refType="primFontSz" fact="0.3"/>
-              </dgm:constrLst>
-              <dgm:ruleLst>
-                <dgm:rule type="primFontSz" val="5" fact="NaN" max="NaN"/>
-              </dgm:ruleLst>
-            </dgm:layoutNode>
-          </dgm:else>
-        </dgm:choose>
-      </dgm:layoutNode>
-      <dgm:forEach name="sibTransForEach" axis="followSib" ptType="sibTrans" cnt="1">
-        <dgm:layoutNode name="sibTrans">
-          <dgm:alg type="sp"/>
-          <dgm:shape xmlns:r="http://schemas.openxmlformats.org/officeDocument/2006/relationships" r:blip="">
-            <dgm:adjLst/>
-          </dgm:shape>
-        </dgm:layoutNode>
-      </dgm:forEach>
-    </dgm:forEach>
-  </dgm:layoutNode>
-</dgm:layoutDef>
-</file>
-
-<file path=ppt/diagrams/quickStyle1.xml><?xml version="1.0" encoding="utf-8"?>
-<dgm:styleDef xmlns:dgm="http://schemas.openxmlformats.org/drawingml/2006/diagram" xmlns:a="http://schemas.openxmlformats.org/drawingml/2006/main" uniqueId="urn:microsoft.com/office/officeart/2005/8/quickstyle/simple1">
-  <dgm:title val=""/>
-  <dgm:desc val=""/>
-  <dgm:catLst>
-    <dgm:cat type="simple" pri="10100"/>
-  </dgm:catLst>
-  <dgm:scene3d>
-    <a:camera prst="orthographicFront"/>
-    <a:lightRig rig="threePt" dir="t"/>
-  </dgm:scene3d>
-  <dgm:styleLbl name="node0">
-    <dgm:scene3d>
-      <a:camera prst="orthographicFront"/>
-      <a:lightRig rig="threePt" dir="t"/>
-    </dgm:scene3d>
-    <dgm:sp3d/>
-    <dgm:txPr/>
-    <dgm:style>
-      <a:lnRef idx="2">
-        <a:scrgbClr r="0" g="0" b="0"/>
-      </a:lnRef>
-      <a:fillRef idx="1">
-        <a:scrgbClr r="0" g="0" b="0"/>
-      </a:fillRef>
-      <a:effectRef idx="0">
-        <a:scrgbClr r="0" g="0" b="0"/>
-      </a:effectRef>
-      <a:fontRef idx="minor">
-        <a:schemeClr val="lt1"/>
-      </a:fontRef>
-    </dgm:style>
-  </dgm:styleLbl>
-  <dgm:styleLbl name="lnNode1">
-    <dgm:scene3d>
-      <a:camera prst="orthographicFront"/>
-      <a:lightRig rig="threePt" dir="t"/>
-    </dgm:scene3d>
-    <dgm:sp3d/>
-    <dgm:txPr/>
-    <dgm:style>
-      <a:lnRef idx="2">
-        <a:scrgbClr r="0" g="0" b="0"/>
-      </a:lnRef>
-      <a:fillRef idx="1">
-        <a:scrgbClr r="0" g="0" b="0"/>
-      </a:fillRef>
-      <a:effectRef idx="0">
-        <a:scrgbClr r="0" g="0" b="0"/>
-      </a:effectRef>
-      <a:fontRef idx="minor">
-        <a:schemeClr val="lt1"/>
-      </a:fontRef>
-    </dgm:style>
-  </dgm:styleLbl>
-  <dgm:styleLbl name="vennNode1">
-    <dgm:scene3d>
-      <a:camera prst="orthographicFront"/>
-      <a:lightRig rig="threePt" dir="t"/>
-    </dgm:scene3d>
-    <dgm:sp3d/>
-    <dgm:txPr/>
-    <dgm:style>
-      <a:lnRef idx="2">
-        <a:scrgbClr r="0" g="0" b="0"/>
-      </a:lnRef>
-      <a:fillRef idx="1">
-        <a:scrgbClr r="0" g="0" b="0"/>
-      </a:fillRef>
-      <a:effectRef idx="0">
-        <a:scrgbClr r="0" g="0" b="0"/>
-      </a:effectRef>
-      <a:fontRef idx="minor">
-        <a:schemeClr val="tx1"/>
-      </a:fontRef>
-    </dgm:style>
-  </dgm:styleLbl>
-  <dgm:styleLbl name="alignNode1">
-    <dgm:scene3d>
-      <a:camera prst="orthographicFront"/>
-      <a:lightRig rig="threePt" dir="t"/>
-    </dgm:scene3d>
-    <dgm:sp3d/>
-    <dgm:txPr/>
-    <dgm:style>
-      <a:lnRef idx="2">
-        <a:scrgbClr r="0" g="0" b="0"/>
-      </a:lnRef>
-      <a:fillRef idx="1">
-        <a:scrgbClr r="0" g="0" b="0"/>
-      </a:fillRef>
-      <a:effectRef idx="0">
-        <a:scrgbClr r="0" g="0" b="0"/>
-      </a:effectRef>
-      <a:fontRef idx="minor">
-        <a:schemeClr val="lt1"/>
-      </a:fontRef>
-    </dgm:style>
-  </dgm:styleLbl>
-  <dgm:styleLbl name="node1">
-    <dgm:scene3d>
-      <a:camera prst="orthographicFront"/>
-      <a:lightRig rig="threePt" dir="t"/>
-    </dgm:scene3d>
-    <dgm:sp3d/>
-    <dgm:txPr/>
-    <dgm:style>
-      <a:lnRef idx="2">
-        <a:scrgbClr r="0" g="0" b="0"/>
-      </a:lnRef>
-      <a:fillRef idx="1">
-        <a:scrgbClr r="0" g="0" b="0"/>
-      </a:fillRef>
-      <a:effectRef idx="0">
-        <a:scrgbClr r="0" g="0" b="0"/>
-      </a:effectRef>
-      <a:fontRef idx="minor">
-        <a:schemeClr val="lt1"/>
-      </a:fontRef>
-    </dgm:style>
-  </dgm:styleLbl>
-  <dgm:styleLbl name="node2">
-    <dgm:scene3d>
-      <a:camera prst="orthographicFront"/>
-      <a:lightRig rig="threePt" dir="t"/>
-    </dgm:scene3d>
-    <dgm:sp3d/>
-    <dgm:txPr/>
-    <dgm:style>
-      <a:lnRef idx="2">
-        <a:scrgbClr r="0" g="0" b="0"/>
-      </a:lnRef>
-      <a:fillRef idx="1">
-        <a:scrgbClr r="0" g="0" b="0"/>
-      </a:fillRef>
-      <a:effectRef idx="0">
-        <a:scrgbClr r="0" g="0" b="0"/>
-      </a:effectRef>
-      <a:fontRef idx="minor">
-        <a:schemeClr val="lt1"/>
-      </a:fontRef>
-    </dgm:style>
-  </dgm:styleLbl>
-  <dgm:styleLbl name="node3">
-    <dgm:scene3d>
-      <a:camera prst="orthographicFront"/>
-      <a:lightRig rig="threePt" dir="t"/>
-    </dgm:scene3d>
-    <dgm:sp3d/>
-    <dgm:txPr/>
-    <dgm:style>
-      <a:lnRef idx="2">
-        <a:scrgbClr r="0" g="0" b="0"/>
-      </a:lnRef>
-      <a:fillRef idx="1">
-        <a:scrgbClr r="0" g="0" b="0"/>
-      </a:fillRef>
-      <a:effectRef idx="0">
-        <a:scrgbClr r="0" g="0" b="0"/>
-      </a:effectRef>
-      <a:fontRef idx="minor">
-        <a:schemeClr val="lt1"/>
-      </a:fontRef>
-    </dgm:style>
-  </dgm:styleLbl>
-  <dgm:styleLbl name="node4">
-    <dgm:scene3d>
-      <a:camera prst="orthographicFront"/>
-      <a:lightRig rig="threePt" dir="t"/>
-    </dgm:scene3d>
-    <dgm:sp3d/>
-    <dgm:txPr/>
-    <dgm:style>
-      <a:lnRef idx="2">
-        <a:scrgbClr r="0" g="0" b="0"/>
-      </a:lnRef>
-      <a:fillRef idx="1">
-        <a:scrgbClr r="0" g="0" b="0"/>
-      </a:fillRef>
-      <a:effectRef idx="0">
-        <a:scrgbClr r="0" g="0" b="0"/>
-      </a:effectRef>
-      <a:fontRef idx="minor">
-        <a:schemeClr val="lt1"/>
-      </a:fontRef>
-    </dgm:style>
-  </dgm:styleLbl>
-  <dgm:styleLbl name="fgImgPlace1">
-    <dgm:scene3d>
-      <a:camera prst="orthographicFront"/>
-      <a:lightRig rig="threePt" dir="t"/>
-    </dgm:scene3d>
-    <dgm:sp3d/>
-    <dgm:txPr/>
-    <dgm:style>
-      <a:lnRef idx="2">
-        <a:scrgbClr r="0" g="0" b="0"/>
-      </a:lnRef>
-      <a:fillRef idx="1">
-        <a:scrgbClr r="0" g="0" b="0"/>
-      </a:fillRef>
-      <a:effectRef idx="0">
-        <a:scrgbClr r="0" g="0" b="0"/>
-      </a:effectRef>
-      <a:fontRef idx="minor"/>
-    </dgm:style>
-  </dgm:styleLbl>
-  <dgm:styleLbl name="alignImgPlace1">
-    <dgm:scene3d>
-      <a:camera prst="orthographicFront"/>
-      <a:lightRig rig="threePt" dir="t"/>
-    </dgm:scene3d>
-    <dgm:sp3d/>
-    <dgm:txPr/>
-    <dgm:style>
-      <a:lnRef idx="2">
-        <a:scrgbClr r="0" g="0" b="0"/>
-      </a:lnRef>
-      <a:fillRef idx="1">
-        <a:scrgbClr r="0" g="0" b="0"/>
-      </a:fillRef>
-      <a:effectRef idx="0">
-        <a:scrgbClr r="0" g="0" b="0"/>
-      </a:effectRef>
-      <a:fontRef idx="minor"/>
-    </dgm:style>
-  </dgm:styleLbl>
-  <dgm:styleLbl name="bgImgPlace1">
-    <dgm:scene3d>
-      <a:camera prst="orthographicFront"/>
-      <a:lightRig rig="threePt" dir="t"/>
-    </dgm:scene3d>
-    <dgm:sp3d/>
-    <dgm:txPr/>
-    <dgm:style>
-      <a:lnRef idx="2">
-        <a:scrgbClr r="0" g="0" b="0"/>
-      </a:lnRef>
-      <a:fillRef idx="1">
-        <a:scrgbClr r="0" g="0" b="0"/>
-      </a:fillRef>
-      <a:effectRef idx="0">
-        <a:scrgbClr r="0" g="0" b="0"/>
-      </a:effectRef>
-      <a:fontRef idx="minor"/>
-    </dgm:style>
-  </dgm:styleLbl>
-  <dgm:styleLbl name="sibTrans2D1">
-    <dgm:scene3d>
-      <a:camera prst="orthographicFront"/>
-      <a:lightRig rig="threePt" dir="t"/>
-    </dgm:scene3d>
-    <dgm:sp3d/>
-    <dgm:txPr/>
-    <dgm:style>
-      <a:lnRef idx="0">
-        <a:scrgbClr r="0" g="0" b="0"/>
-      </a:lnRef>
-      <a:fillRef idx="1">
-        <a:scrgbClr r="0" g="0" b="0"/>
-      </a:fillRef>
-      <a:effectRef idx="0">
-        <a:scrgbClr r="0" g="0" b="0"/>
-      </a:effectRef>
-      <a:fontRef idx="minor">
-        <a:schemeClr val="lt1"/>
-      </a:fontRef>
-    </dgm:style>
-  </dgm:styleLbl>
-  <dgm:styleLbl name="fgSibTrans2D1">
-    <dgm:scene3d>
-      <a:camera prst="orthographicFront"/>
-      <a:lightRig rig="threePt" dir="t"/>
-    </dgm:scene3d>
-    <dgm:sp3d/>
-    <dgm:txPr/>
-    <dgm:style>
-      <a:lnRef idx="0">
-        <a:scrgbClr r="0" g="0" b="0"/>
-      </a:lnRef>
-      <a:fillRef idx="1">
-        <a:scrgbClr r="0" g="0" b="0"/>
-      </a:fillRef>
-      <a:effectRef idx="0">
-        <a:scrgbClr r="0" g="0" b="0"/>
-      </a:effectRef>
-      <a:fontRef idx="minor">
-        <a:schemeClr val="lt1"/>
-      </a:fontRef>
-    </dgm:style>
-  </dgm:styleLbl>
-  <dgm:styleLbl name="bgSibTrans2D1">
-    <dgm:scene3d>
-      <a:camera prst="orthographicFront"/>
-      <a:lightRig rig="threePt" dir="t"/>
-    </dgm:scene3d>
-    <dgm:sp3d/>
-    <dgm:txPr/>
-    <dgm:style>
-      <a:lnRef idx="0">
-        <a:scrgbClr r="0" g="0" b="0"/>
-      </a:lnRef>
-      <a:fillRef idx="1">
-        <a:scrgbClr r="0" g="0" b="0"/>
-      </a:fillRef>
-      <a:effectRef idx="0">
-        <a:scrgbClr r="0" g="0" b="0"/>
-      </a:effectRef>
-      <a:fontRef idx="minor">
-        <a:schemeClr val="lt1"/>
-      </a:fontRef>
-    </dgm:style>
-  </dgm:styleLbl>
-  <dgm:styleLbl name="sibTrans1D1">
-    <dgm:scene3d>
-      <a:camera prst="orthographicFront"/>
-      <a:lightRig rig="threePt" dir="t"/>
-    </dgm:scene3d>
-    <dgm:sp3d/>
-    <dgm:txPr/>
-    <dgm:style>
-      <a:lnRef idx="1">
-        <a:scrgbClr r="0" g="0" b="0"/>
-      </a:lnRef>
-      <a:fillRef idx="0">
-        <a:scrgbClr r="0" g="0" b="0"/>
-      </a:fillRef>
-      <a:effectRef idx="0">
-        <a:scrgbClr r="0" g="0" b="0"/>
-      </a:effectRef>
-      <a:fontRef idx="minor"/>
-    </dgm:style>
-  </dgm:styleLbl>
-  <dgm:styleLbl name="callout">
-    <dgm:scene3d>
-      <a:camera prst="orthographicFront"/>
-      <a:lightRig rig="threePt" dir="t"/>
-    </dgm:scene3d>
-    <dgm:sp3d/>
-    <dgm:txPr/>
-    <dgm:style>
-      <a:lnRef idx="2">
-        <a:scrgbClr r="0" g="0" b="0"/>
-      </a:lnRef>
-      <a:fillRef idx="1">
-        <a:scrgbClr r="0" g="0" b="0"/>
-      </a:fillRef>
-      <a:effectRef idx="0">
-        <a:scrgbClr r="0" g="0" b="0"/>
-      </a:effectRef>
-      <a:fontRef idx="minor"/>
-    </dgm:style>
-  </dgm:styleLbl>
-  <dgm:styleLbl name="asst0">
-    <dgm:scene3d>
-      <a:camera prst="orthographicFront"/>
-      <a:lightRig rig="threePt" dir="t"/>
-    </dgm:scene3d>
-    <dgm:sp3d/>
-    <dgm:txPr/>
-    <dgm:style>
-      <a:lnRef idx="2">
-        <a:scrgbClr r="0" g="0" b="0"/>
-      </a:lnRef>
-      <a:fillRef idx="1">
-        <a:scrgbClr r="0" g="0" b="0"/>
-      </a:fillRef>
-      <a:effectRef idx="0">
-        <a:scrgbClr r="0" g="0" b="0"/>
-      </a:effectRef>
-      <a:fontRef idx="minor">
-        <a:schemeClr val="lt1"/>
-      </a:fontRef>
-    </dgm:style>
-  </dgm:styleLbl>
-  <dgm:styleLbl name="asst1">
-    <dgm:scene3d>
-      <a:camera prst="orthographicFront"/>
-      <a:lightRig rig="threePt" dir="t"/>
-    </dgm:scene3d>
-    <dgm:sp3d/>
-    <dgm:txPr/>
-    <dgm:style>
-      <a:lnRef idx="2">
-        <a:scrgbClr r="0" g="0" b="0"/>
-      </a:lnRef>
-      <a:fillRef idx="1">
-        <a:scrgbClr r="0" g="0" b="0"/>
-      </a:fillRef>
-      <a:effectRef idx="0">
-        <a:scrgbClr r="0" g="0" b="0"/>
-      </a:effectRef>
-      <a:fontRef idx="minor">
-        <a:schemeClr val="lt1"/>
-      </a:fontRef>
-    </dgm:style>
-  </dgm:styleLbl>
-  <dgm:styleLbl name="asst2">
-    <dgm:scene3d>
-      <a:camera prst="orthographicFront"/>
-      <a:lightRig rig="threePt" dir="t"/>
-    </dgm:scene3d>
-    <dgm:sp3d/>
-    <dgm:txPr/>
-    <dgm:style>
-      <a:lnRef idx="2">
-        <a:scrgbClr r="0" g="0" b="0"/>
-      </a:lnRef>
-      <a:fillRef idx="1">
-        <a:scrgbClr r="0" g="0" b="0"/>
-      </a:fillRef>
-      <a:effectRef idx="0">
-        <a:scrgbClr r="0" g="0" b="0"/>
-      </a:effectRef>
-      <a:fontRef idx="minor">
-        <a:schemeClr val="lt1"/>
-      </a:fontRef>
-    </dgm:style>
-  </dgm:styleLbl>
-  <dgm:styleLbl name="asst3">
-    <dgm:scene3d>
-      <a:camera prst="orthographicFront"/>
-      <a:lightRig rig="threePt" dir="t"/>
-    </dgm:scene3d>
-    <dgm:sp3d/>
-    <dgm:txPr/>
-    <dgm:style>
-      <a:lnRef idx="2">
-        <a:scrgbClr r="0" g="0" b="0"/>
-      </a:lnRef>
-      <a:fillRef idx="1">
-        <a:scrgbClr r="0" g="0" b="0"/>
-      </a:fillRef>
-      <a:effectRef idx="0">
-        <a:scrgbClr r="0" g="0" b="0"/>
-      </a:effectRef>
-      <a:fontRef idx="minor">
-        <a:schemeClr val="lt1"/>
-      </a:fontRef>
-    </dgm:style>
-  </dgm:styleLbl>
-  <dgm:styleLbl name="asst4">
-    <dgm:scene3d>
-      <a:camera prst="orthographicFront"/>
-      <a:lightRig rig="threePt" dir="t"/>
-    </dgm:scene3d>
-    <dgm:sp3d/>
-    <dgm:txPr/>
-    <dgm:style>
-      <a:lnRef idx="2">
-        <a:scrgbClr r="0" g="0" b="0"/>
-      </a:lnRef>
-      <a:fillRef idx="1">
-        <a:scrgbClr r="0" g="0" b="0"/>
-      </a:fillRef>
-      <a:effectRef idx="0">
-        <a:scrgbClr r="0" g="0" b="0"/>
-      </a:effectRef>
-      <a:fontRef idx="minor">
-        <a:schemeClr val="lt1"/>
-      </a:fontRef>
-    </dgm:style>
-  </dgm:styleLbl>
-  <dgm:styleLbl name="parChTrans2D1">
-    <dgm:scene3d>
-      <a:camera prst="orthographicFront"/>
-      <a:lightRig rig="threePt" dir="t"/>
-    </dgm:scene3d>
-    <dgm:sp3d/>
-    <dgm:txPr/>
-    <dgm:style>
-      <a:lnRef idx="2">
-        <a:scrgbClr r="0" g="0" b="0"/>
-      </a:lnRef>
-      <a:fillRef idx="1">
-        <a:scrgbClr r="0" g="0" b="0"/>
-      </a:fillRef>
-      <a:effectRef idx="0">
-        <a:scrgbClr r="0" g="0" b="0"/>
-      </a:effectRef>
-      <a:fontRef idx="minor">
-        <a:schemeClr val="lt1"/>
-      </a:fontRef>
-    </dgm:style>
-  </dgm:styleLbl>
-  <dgm:styleLbl name="parChTrans2D2">
-    <dgm:scene3d>
-      <a:camera prst="orthographicFront"/>
-      <a:lightRig rig="threePt" dir="t"/>
-    </dgm:scene3d>
-    <dgm:sp3d/>
-    <dgm:txPr/>
-    <dgm:style>
-      <a:lnRef idx="2">
-        <a:scrgbClr r="0" g="0" b="0"/>
-      </a:lnRef>
-      <a:fillRef idx="1">
-        <a:scrgbClr r="0" g="0" b="0"/>
-      </a:fillRef>
-      <a:effectRef idx="0">
-        <a:scrgbClr r="0" g="0" b="0"/>
-      </a:effectRef>
-      <a:fontRef idx="minor">
-        <a:schemeClr val="lt1"/>
-      </a:fontRef>
-    </dgm:style>
-  </dgm:styleLbl>
-  <dgm:styleLbl name="parChTrans2D3">
-    <dgm:scene3d>
-      <a:camera prst="orthographicFront"/>
-      <a:lightRig rig="threePt" dir="t"/>
-    </dgm:scene3d>
-    <dgm:sp3d/>
-    <dgm:txPr/>
-    <dgm:style>
-      <a:lnRef idx="2">
-        <a:scrgbClr r="0" g="0" b="0"/>
-      </a:lnRef>
-      <a:fillRef idx="1">
-        <a:scrgbClr r="0" g="0" b="0"/>
-      </a:fillRef>
-      <a:effectRef idx="0">
-        <a:scrgbClr r="0" g="0" b="0"/>
-      </a:effectRef>
-      <a:fontRef idx="minor">
-        <a:schemeClr val="lt1"/>
-      </a:fontRef>
-    </dgm:style>
-  </dgm:styleLbl>
-  <dgm:styleLbl name="parChTrans2D4">
-    <dgm:scene3d>
-      <a:camera prst="orthographicFront"/>
-      <a:lightRig rig="threePt" dir="t"/>
-    </dgm:scene3d>
-    <dgm:sp3d/>
-    <dgm:txPr/>
-    <dgm:style>
-      <a:lnRef idx="2">
-        <a:scrgbClr r="0" g="0" b="0"/>
-      </a:lnRef>
-      <a:fillRef idx="1">
-        <a:scrgbClr r="0" g="0" b="0"/>
-      </a:fillRef>
-      <a:effectRef idx="0">
-        <a:scrgbClr r="0" g="0" b="0"/>
-      </a:effectRef>
-      <a:fontRef idx="minor">
-        <a:schemeClr val="lt1"/>
-      </a:fontRef>
-    </dgm:style>
-  </dgm:styleLbl>
-  <dgm:styleLbl name="parChTrans1D1">
-    <dgm:scene3d>
-      <a:camera prst="orthographicFront"/>
-      <a:lightRig rig="threePt" dir="t"/>
-    </dgm:scene3d>
-    <dgm:sp3d/>
-    <dgm:txPr/>
-    <dgm:style>
-      <a:lnRef idx="2">
-        <a:scrgbClr r="0" g="0" b="0"/>
-      </a:lnRef>
-      <a:fillRef idx="0">
-        <a:scrgbClr r="0" g="0" b="0"/>
-      </a:fillRef>
-      <a:effectRef idx="0">
-        <a:scrgbClr r="0" g="0" b="0"/>
-      </a:effectRef>
-      <a:fontRef idx="minor"/>
-    </dgm:style>
-  </dgm:styleLbl>
-  <dgm:styleLbl name="parChTrans1D2">
-    <dgm:scene3d>
-      <a:camera prst="orthographicFront"/>
-      <a:lightRig rig="threePt" dir="t"/>
-    </dgm:scene3d>
-    <dgm:sp3d/>
-    <dgm:txPr/>
-    <dgm:style>
-      <a:lnRef idx="2">
-        <a:scrgbClr r="0" g="0" b="0"/>
-      </a:lnRef>
-      <a:fillRef idx="0">
-        <a:scrgbClr r="0" g="0" b="0"/>
-      </a:fillRef>
-      <a:effectRef idx="0">
-        <a:scrgbClr r="0" g="0" b="0"/>
-      </a:effectRef>
-      <a:fontRef idx="minor"/>
-    </dgm:style>
-  </dgm:styleLbl>
-  <dgm:styleLbl name="parChTrans1D3">
-    <dgm:scene3d>
-      <a:camera prst="orthographicFront"/>
-      <a:lightRig rig="threePt" dir="t"/>
-    </dgm:scene3d>
-    <dgm:sp3d/>
-    <dgm:txPr/>
-    <dgm:style>
-      <a:lnRef idx="2">
-        <a:scrgbClr r="0" g="0" b="0"/>
-      </a:lnRef>
-      <a:fillRef idx="0">
-        <a:scrgbClr r="0" g="0" b="0"/>
-      </a:fillRef>
-      <a:effectRef idx="0">
-        <a:scrgbClr r="0" g="0" b="0"/>
-      </a:effectRef>
-      <a:fontRef idx="minor"/>
-    </dgm:style>
-  </dgm:styleLbl>
-  <dgm:styleLbl name="parChTrans1D4">
-    <dgm:scene3d>
-      <a:camera prst="orthographicFront"/>
-      <a:lightRig rig="threePt" dir="t"/>
-    </dgm:scene3d>
-    <dgm:sp3d/>
-    <dgm:txPr/>
-    <dgm:style>
-      <a:lnRef idx="2">
-        <a:scrgbClr r="0" g="0" b="0"/>
-      </a:lnRef>
-      <a:fillRef idx="0">
-        <a:scrgbClr r="0" g="0" b="0"/>
-      </a:fillRef>
-      <a:effectRef idx="0">
-        <a:scrgbClr r="0" g="0" b="0"/>
-      </a:effectRef>
-      <a:fontRef idx="minor"/>
-    </dgm:style>
-  </dgm:styleLbl>
-  <dgm:styleLbl name="fgAcc1">
-    <dgm:scene3d>
-      <a:camera prst="orthographicFront"/>
-      <a:lightRig rig="threePt" dir="t"/>
-    </dgm:scene3d>
-    <dgm:sp3d/>
-    <dgm:txPr/>
-    <dgm:style>
-      <a:lnRef idx="2">
-        <a:scrgbClr r="0" g="0" b="0"/>
-      </a:lnRef>
-      <a:fillRef idx="1">
-        <a:scrgbClr r="0" g="0" b="0"/>
-      </a:fillRef>
-      <a:effectRef idx="0">
-        <a:scrgbClr r="0" g="0" b="0"/>
-      </a:effectRef>
-      <a:fontRef idx="minor"/>
-    </dgm:style>
-  </dgm:styleLbl>
-  <dgm:styleLbl name="conFgAcc1">
-    <dgm:scene3d>
-      <a:camera prst="orthographicFront"/>
-      <a:lightRig rig="threePt" dir="t"/>
-    </dgm:scene3d>
-    <dgm:sp3d/>
-    <dgm:txPr/>
-    <dgm:style>
-      <a:lnRef idx="2">
-        <a:scrgbClr r="0" g="0" b="0"/>
-      </a:lnRef>
-      <a:fillRef idx="1">
-        <a:scrgbClr r="0" g="0" b="0"/>
-      </a:fillRef>
-      <a:effectRef idx="0">
-        <a:scrgbClr r="0" g="0" b="0"/>
-      </a:effectRef>
-      <a:fontRef idx="minor"/>
-    </dgm:style>
-  </dgm:styleLbl>
-  <dgm:styleLbl name="alignAcc1">
-    <dgm:scene3d>
-      <a:camera prst="orthographicFront"/>
-      <a:lightRig rig="threePt" dir="t"/>
-    </dgm:scene3d>
-    <dgm:sp3d/>
-    <dgm:txPr/>
-    <dgm:style>
-      <a:lnRef idx="2">
-        <a:scrgbClr r="0" g="0" b="0"/>
-      </a:lnRef>
-      <a:fillRef idx="1">
-        <a:scrgbClr r="0" g="0" b="0"/>
-      </a:fillRef>
-      <a:effectRef idx="0">
-        <a:scrgbClr r="0" g="0" b="0"/>
-      </a:effectRef>
-      <a:fontRef idx="minor"/>
-    </dgm:style>
-  </dgm:styleLbl>
-  <dgm:styleLbl name="trAlignAcc1">
-    <dgm:scene3d>
-      <a:camera prst="orthographicFront"/>
-      <a:lightRig rig="threePt" dir="t"/>
-    </dgm:scene3d>
-    <dgm:sp3d/>
-    <dgm:txPr/>
-    <dgm:style>
-      <a:lnRef idx="1">
-        <a:scrgbClr r="0" g="0" b="0"/>
-      </a:lnRef>
-      <a:fillRef idx="1">
-        <a:scrgbClr r="0" g="0" b="0"/>
-      </a:fillRef>
-      <a:effectRef idx="0">
-        <a:scrgbClr r="0" g="0" b="0"/>
-      </a:effectRef>
-      <a:fontRef idx="minor"/>
-    </dgm:style>
-  </dgm:styleLbl>
-  <dgm:styleLbl name="bgAcc1">
-    <dgm:scene3d>
-      <a:camera prst="orthographicFront"/>
-      <a:lightRig rig="threePt" dir="t"/>
-    </dgm:scene3d>
-    <dgm:sp3d/>
-    <dgm:txPr/>
-    <dgm:style>
-      <a:lnRef idx="2">
-        <a:scrgbClr r="0" g="0" b="0"/>
-      </a:lnRef>
-      <a:fillRef idx="1">
-        <a:scrgbClr r="0" g="0" b="0"/>
-      </a:fillRef>
-      <a:effectRef idx="0">
-        <a:scrgbClr r="0" g="0" b="0"/>
-      </a:effectRef>
-      <a:fontRef idx="minor"/>
-    </dgm:style>
-  </dgm:styleLbl>
-  <dgm:styleLbl name="solidFgAcc1">
-    <dgm:scene3d>
-      <a:camera prst="orthographicFront"/>
-      <a:lightRig rig="threePt" dir="t"/>
-    </dgm:scene3d>
-    <dgm:sp3d/>
-    <dgm:txPr/>
-    <dgm:style>
-      <a:lnRef idx="2">
-        <a:scrgbClr r="0" g="0" b="0"/>
-      </a:lnRef>
-      <a:fillRef idx="1">
-        <a:scrgbClr r="0" g="0" b="0"/>
-      </a:fillRef>
-      <a:effectRef idx="0">
-        <a:scrgbClr r="0" g="0" b="0"/>
-      </a:effectRef>
-      <a:fontRef idx="minor"/>
-    </dgm:style>
-  </dgm:styleLbl>
-  <dgm:styleLbl name="solidAlignAcc1">
-    <dgm:scene3d>
-      <a:camera prst="orthographicFront"/>
-      <a:lightRig rig="threePt" dir="t"/>
-    </dgm:scene3d>
-    <dgm:sp3d/>
-    <dgm:txPr/>
-    <dgm:style>
-      <a:lnRef idx="2">
-        <a:scrgbClr r="0" g="0" b="0"/>
-      </a:lnRef>
-      <a:fillRef idx="1">
-        <a:scrgbClr r="0" g="0" b="0"/>
-      </a:fillRef>
-      <a:effectRef idx="0">
-        <a:scrgbClr r="0" g="0" b="0"/>
-      </a:effectRef>
-      <a:fontRef idx="minor"/>
-    </dgm:style>
-  </dgm:styleLbl>
-  <dgm:styleLbl name="solidBgAcc1">
-    <dgm:scene3d>
-      <a:camera prst="orthographicFront"/>
-      <a:lightRig rig="threePt" dir="t"/>
-    </dgm:scene3d>
-    <dgm:sp3d/>
-    <dgm:txPr/>
-    <dgm:style>
-      <a:lnRef idx="2">
-        <a:scrgbClr r="0" g="0" b="0"/>
-      </a:lnRef>
-      <a:fillRef idx="1">
-        <a:scrgbClr r="0" g="0" b="0"/>
-      </a:fillRef>
-      <a:effectRef idx="0">
-        <a:scrgbClr r="0" g="0" b="0"/>
-      </a:effectRef>
-      <a:fontRef idx="minor"/>
-    </dgm:style>
-  </dgm:styleLbl>
-  <dgm:styleLbl name="fgAccFollowNode1">
-    <dgm:scene3d>
-      <a:camera prst="orthographicFront"/>
-      <a:lightRig rig="threePt" dir="t"/>
-    </dgm:scene3d>
-    <dgm:sp3d/>
-    <dgm:txPr/>
-    <dgm:style>
-      <a:lnRef idx="2">
-        <a:scrgbClr r="0" g="0" b="0"/>
-      </a:lnRef>
-      <a:fillRef idx="1">
-        <a:scrgbClr r="0" g="0" b="0"/>
-      </a:fillRef>
-      <a:effectRef idx="0">
-        <a:scrgbClr r="0" g="0" b="0"/>
-      </a:effectRef>
-      <a:fontRef idx="minor"/>
-    </dgm:style>
-  </dgm:styleLbl>
-  <dgm:styleLbl name="alignAccFollowNode1">
-    <dgm:scene3d>
-      <a:camera prst="orthographicFront"/>
-      <a:lightRig rig="threePt" dir="t"/>
-    </dgm:scene3d>
-    <dgm:sp3d/>
-    <dgm:txPr/>
-    <dgm:style>
-      <a:lnRef idx="2">
-        <a:scrgbClr r="0" g="0" b="0"/>
-      </a:lnRef>
-      <a:fillRef idx="1">
-        <a:scrgbClr r="0" g="0" b="0"/>
-      </a:fillRef>
-      <a:effectRef idx="0">
-        <a:scrgbClr r="0" g="0" b="0"/>
-      </a:effectRef>
-      <a:fontRef idx="minor"/>
-    </dgm:style>
-  </dgm:styleLbl>
-  <dgm:styleLbl name="bgAccFollowNode1">
-    <dgm:scene3d>
-      <a:camera prst="orthographicFront"/>
-      <a:lightRig rig="threePt" dir="t"/>
-    </dgm:scene3d>
-    <dgm:sp3d/>
-    <dgm:txPr/>
-    <dgm:style>
-      <a:lnRef idx="2">
-        <a:scrgbClr r="0" g="0" b="0"/>
-      </a:lnRef>
-      <a:fillRef idx="1">
-        <a:scrgbClr r="0" g="0" b="0"/>
-      </a:fillRef>
-      <a:effectRef idx="0">
-        <a:scrgbClr r="0" g="0" b="0"/>
-      </a:effectRef>
-      <a:fontRef idx="minor"/>
-    </dgm:style>
-  </dgm:styleLbl>
-  <dgm:styleLbl name="fgAcc0">
-    <dgm:scene3d>
-      <a:camera prst="orthographicFront"/>
-      <a:lightRig rig="threePt" dir="t"/>
-    </dgm:scene3d>
-    <dgm:sp3d/>
-    <dgm:txPr/>
-    <dgm:style>
-      <a:lnRef idx="2">
-        <a:scrgbClr r="0" g="0" b="0"/>
-      </a:lnRef>
-      <a:fillRef idx="1">
-        <a:scrgbClr r="0" g="0" b="0"/>
-      </a:fillRef>
-      <a:effectRef idx="0">
-        <a:scrgbClr r="0" g="0" b="0"/>
-      </a:effectRef>
-      <a:fontRef idx="minor"/>
-    </dgm:style>
-  </dgm:styleLbl>
-  <dgm:styleLbl name="fgAcc2">
-    <dgm:scene3d>
-      <a:camera prst="orthographicFront"/>
-      <a:lightRig rig="threePt" dir="t"/>
-    </dgm:scene3d>
-    <dgm:sp3d/>
-    <dgm:txPr/>
-    <dgm:style>
-      <a:lnRef idx="2">
-        <a:scrgbClr r="0" g="0" b="0"/>
-      </a:lnRef>
-      <a:fillRef idx="1">
-        <a:scrgbClr r="0" g="0" b="0"/>
-      </a:fillRef>
-      <a:effectRef idx="0">
-        <a:scrgbClr r="0" g="0" b="0"/>
-      </a:effectRef>
-      <a:fontRef idx="minor"/>
-    </dgm:style>
-  </dgm:styleLbl>
-  <dgm:styleLbl name="fgAcc3">
-    <dgm:scene3d>
-      <a:camera prst="orthographicFront"/>
-      <a:lightRig rig="threePt" dir="t"/>
-    </dgm:scene3d>
-    <dgm:sp3d/>
-    <dgm:txPr/>
-    <dgm:style>
-      <a:lnRef idx="2">
-        <a:scrgbClr r="0" g="0" b="0"/>
-      </a:lnRef>
-      <a:fillRef idx="1">
-        <a:scrgbClr r="0" g="0" b="0"/>
-      </a:fillRef>
-      <a:effectRef idx="0">
-        <a:scrgbClr r="0" g="0" b="0"/>
-      </a:effectRef>
-      <a:fontRef idx="minor"/>
-    </dgm:style>
-  </dgm:styleLbl>
-  <dgm:styleLbl name="fgAcc4">
-    <dgm:scene3d>
-      <a:camera prst="orthographicFront"/>
-      <a:lightRig rig="threePt" dir="t"/>
-    </dgm:scene3d>
-    <dgm:sp3d/>
-    <dgm:txPr/>
-    <dgm:style>
-      <a:lnRef idx="2">
-        <a:scrgbClr r="0" g="0" b="0"/>
-      </a:lnRef>
-      <a:fillRef idx="1">
-        <a:scrgbClr r="0" g="0" b="0"/>
-      </a:fillRef>
-      <a:effectRef idx="0">
-        <a:scrgbClr r="0" g="0" b="0"/>
-      </a:effectRef>
-      <a:fontRef idx="minor"/>
-    </dgm:style>
-  </dgm:styleLbl>
-  <dgm:styleLbl name="bgShp">
-    <dgm:scene3d>
-      <a:camera prst="orthographicFront"/>
-      <a:lightRig rig="threePt" dir="t"/>
-    </dgm:scene3d>
-    <dgm:sp3d/>
-    <dgm:txPr/>
-    <dgm:style>
-      <a:lnRef idx="0">
-        <a:scrgbClr r="0" g="0" b="0"/>
-      </a:lnRef>
-      <a:fillRef idx="1">
-        <a:scrgbClr r="0" g="0" b="0"/>
-      </a:fillRef>
-      <a:effectRef idx="0">
-        <a:scrgbClr r="0" g="0" b="0"/>
-      </a:effectRef>
-      <a:fontRef idx="minor"/>
-    </dgm:style>
-  </dgm:styleLbl>
-  <dgm:styleLbl name="dkBgShp">
-    <dgm:scene3d>
-      <a:camera prst="orthographicFront"/>
-      <a:lightRig rig="threePt" dir="t"/>
-    </dgm:scene3d>
-    <dgm:sp3d/>
-    <dgm:txPr/>
-    <dgm:style>
-      <a:lnRef idx="0">
-        <a:scrgbClr r="0" g="0" b="0"/>
-      </a:lnRef>
-      <a:fillRef idx="1">
-        <a:scrgbClr r="0" g="0" b="0"/>
-      </a:fillRef>
-      <a:effectRef idx="0">
-        <a:scrgbClr r="0" g="0" b="0"/>
-      </a:effectRef>
-      <a:fontRef idx="minor"/>
-    </dgm:style>
-  </dgm:styleLbl>
-  <dgm:styleLbl name="trBgShp">
-    <dgm:scene3d>
-      <a:camera prst="orthographicFront"/>
-      <a:lightRig rig="threePt" dir="t"/>
-    </dgm:scene3d>
-    <dgm:sp3d/>
-    <dgm:txPr/>
-    <dgm:style>
-      <a:lnRef idx="0">
-        <a:scrgbClr r="0" g="0" b="0"/>
-      </a:lnRef>
-      <a:fillRef idx="1">
-        <a:scrgbClr r="0" g="0" b="0"/>
-      </a:fillRef>
-      <a:effectRef idx="0">
-        <a:scrgbClr r="0" g="0" b="0"/>
-      </a:effectRef>
-      <a:fontRef idx="minor"/>
-    </dgm:style>
-  </dgm:styleLbl>
-  <dgm:styleLbl name="fgShp">
-    <dgm:scene3d>
-      <a:camera prst="orthographicFront"/>
-      <a:lightRig rig="threePt" dir="t"/>
-    </dgm:scene3d>
-    <dgm:sp3d/>
-    <dgm:txPr/>
-    <dgm:style>
-      <a:lnRef idx="2">
-        <a:scrgbClr r="0" g="0" b="0"/>
-      </a:lnRef>
-      <a:fillRef idx="1">
-        <a:scrgbClr r="0" g="0" b="0"/>
-      </a:fillRef>
-      <a:effectRef idx="0">
-        <a:scrgbClr r="0" g="0" b="0"/>
-      </a:effectRef>
-      <a:fontRef idx="minor"/>
-    </dgm:style>
-  </dgm:styleLbl>
-  <dgm:styleLbl name="revTx">
-    <dgm:scene3d>
-      <a:camera prst="orthographicFront"/>
-      <a:lightRig rig="threePt" dir="t"/>
-    </dgm:scene3d>
-    <dgm:sp3d/>
-    <dgm:txPr/>
-    <dgm:style>
-      <a:lnRef idx="0">
-        <a:scrgbClr r="0" g="0" b="0"/>
-      </a:lnRef>
-      <a:fillRef idx="0">
-        <a:scrgbClr r="0" g="0" b="0"/>
-      </a:fillRef>
-      <a:effectRef idx="0">
-        <a:scrgbClr r="0" g="0" b="0"/>
-      </a:effectRef>
-      <a:fontRef idx="minor"/>
-    </dgm:style>
-  </dgm:styleLbl>
-</dgm:styleDef>
 </file>
 
 <file path=ppt/notesMasters/notesMaster1.xml><?xml version="1.0" encoding="utf-8"?>
@@ -7233,406 +3950,6 @@
 </p:sld>
 </file>
 
-<file path=ppt/slides/slide15.xml><?xml version="1.0" encoding="utf-8"?>
-<p:sld xmlns:a="http://schemas.openxmlformats.org/drawingml/2006/main" xmlns:r="http://schemas.openxmlformats.org/officeDocument/2006/relationships" xmlns:p="http://schemas.openxmlformats.org/presentationml/2006/main">
-  <p:cSld>
-    <p:spTree>
-      <p:nvGrpSpPr>
-        <p:cNvPr id="1" name=""/>
-        <p:cNvGrpSpPr/>
-        <p:nvPr/>
-      </p:nvGrpSpPr>
-      <p:grpSpPr>
-        <a:xfrm>
-          <a:off x="0" y="0"/>
-          <a:ext cx="0" cy="0"/>
-          <a:chOff x="0" y="0"/>
-          <a:chExt cx="0" cy="0"/>
-        </a:xfrm>
-      </p:grpSpPr>
-      <p:sp>
-        <p:nvSpPr>
-          <p:cNvPr id="2" name="Title 1">
-            <a:extLst>
-              <a:ext uri="{FF2B5EF4-FFF2-40B4-BE49-F238E27FC236}">
-                <a16:creationId xmlns:a16="http://schemas.microsoft.com/office/drawing/2014/main" id="{40AB4A4A-DDD3-9D41-B98D-038CF037F87C}"/>
-              </a:ext>
-            </a:extLst>
-          </p:cNvPr>
-          <p:cNvSpPr>
-            <a:spLocks noGrp="1"/>
-          </p:cNvSpPr>
-          <p:nvPr>
-            <p:ph type="title"/>
-          </p:nvPr>
-        </p:nvSpPr>
-        <p:spPr/>
-        <p:txBody>
-          <a:bodyPr/>
-          <a:lstStyle/>
-          <a:p>
-            <a:endParaRPr lang="en-US"/>
-          </a:p>
-        </p:txBody>
-      </p:sp>
-      <p:sp>
-        <p:nvSpPr>
-          <p:cNvPr id="3" name="Text Placeholder 2">
-            <a:extLst>
-              <a:ext uri="{FF2B5EF4-FFF2-40B4-BE49-F238E27FC236}">
-                <a16:creationId xmlns:a16="http://schemas.microsoft.com/office/drawing/2014/main" id="{A1AF89C5-590B-C745-9C1D-FFFF50AB01C6}"/>
-              </a:ext>
-            </a:extLst>
-          </p:cNvPr>
-          <p:cNvSpPr>
-            <a:spLocks noGrp="1"/>
-          </p:cNvSpPr>
-          <p:nvPr>
-            <p:ph type="body" idx="1"/>
-          </p:nvPr>
-        </p:nvSpPr>
-        <p:spPr/>
-        <p:txBody>
-          <a:bodyPr/>
-          <a:lstStyle/>
-          <a:p>
-            <a:endParaRPr lang="en-US"/>
-          </a:p>
-        </p:txBody>
-      </p:sp>
-    </p:spTree>
-    <p:extLst>
-      <p:ext uri="{BB962C8B-B14F-4D97-AF65-F5344CB8AC3E}">
-        <p14:creationId xmlns:p14="http://schemas.microsoft.com/office/powerpoint/2010/main" val="3264323474"/>
-      </p:ext>
-    </p:extLst>
-  </p:cSld>
-  <p:clrMapOvr>
-    <a:masterClrMapping/>
-  </p:clrMapOvr>
-</p:sld>
-</file>
-
-<file path=ppt/slides/slide16.xml><?xml version="1.0" encoding="utf-8"?>
-<p:sld xmlns:a="http://schemas.openxmlformats.org/drawingml/2006/main" xmlns:r="http://schemas.openxmlformats.org/officeDocument/2006/relationships" xmlns:p="http://schemas.openxmlformats.org/presentationml/2006/main">
-  <p:cSld>
-    <p:spTree>
-      <p:nvGrpSpPr>
-        <p:cNvPr id="1" name=""/>
-        <p:cNvGrpSpPr/>
-        <p:nvPr/>
-      </p:nvGrpSpPr>
-      <p:grpSpPr>
-        <a:xfrm>
-          <a:off x="0" y="0"/>
-          <a:ext cx="0" cy="0"/>
-          <a:chOff x="0" y="0"/>
-          <a:chExt cx="0" cy="0"/>
-        </a:xfrm>
-      </p:grpSpPr>
-      <p:sp>
-        <p:nvSpPr>
-          <p:cNvPr id="2" name="Title 1">
-            <a:extLst>
-              <a:ext uri="{FF2B5EF4-FFF2-40B4-BE49-F238E27FC236}">
-                <a16:creationId xmlns:a16="http://schemas.microsoft.com/office/drawing/2014/main" id="{A49AB5E3-F095-684A-8E0B-F908685A8640}"/>
-              </a:ext>
-            </a:extLst>
-          </p:cNvPr>
-          <p:cNvSpPr>
-            <a:spLocks noGrp="1"/>
-          </p:cNvSpPr>
-          <p:nvPr>
-            <p:ph type="title"/>
-          </p:nvPr>
-        </p:nvSpPr>
-        <p:spPr/>
-        <p:txBody>
-          <a:bodyPr/>
-          <a:lstStyle/>
-          <a:p>
-            <a:endParaRPr lang="en-US"/>
-          </a:p>
-        </p:txBody>
-      </p:sp>
-      <p:sp>
-        <p:nvSpPr>
-          <p:cNvPr id="3" name="Text Placeholder 2">
-            <a:extLst>
-              <a:ext uri="{FF2B5EF4-FFF2-40B4-BE49-F238E27FC236}">
-                <a16:creationId xmlns:a16="http://schemas.microsoft.com/office/drawing/2014/main" id="{0ABBFB52-836C-EF42-84FF-02855127DA9C}"/>
-              </a:ext>
-            </a:extLst>
-          </p:cNvPr>
-          <p:cNvSpPr>
-            <a:spLocks noGrp="1"/>
-          </p:cNvSpPr>
-          <p:nvPr>
-            <p:ph type="body" idx="1"/>
-          </p:nvPr>
-        </p:nvSpPr>
-        <p:spPr/>
-        <p:txBody>
-          <a:bodyPr/>
-          <a:lstStyle/>
-          <a:p>
-            <a:endParaRPr lang="en-US"/>
-          </a:p>
-        </p:txBody>
-      </p:sp>
-    </p:spTree>
-    <p:extLst>
-      <p:ext uri="{BB962C8B-B14F-4D97-AF65-F5344CB8AC3E}">
-        <p14:creationId xmlns:p14="http://schemas.microsoft.com/office/powerpoint/2010/main" val="2415890897"/>
-      </p:ext>
-    </p:extLst>
-  </p:cSld>
-  <p:clrMapOvr>
-    <a:masterClrMapping/>
-  </p:clrMapOvr>
-</p:sld>
-</file>
-
-<file path=ppt/slides/slide17.xml><?xml version="1.0" encoding="utf-8"?>
-<p:sld xmlns:a="http://schemas.openxmlformats.org/drawingml/2006/main" xmlns:r="http://schemas.openxmlformats.org/officeDocument/2006/relationships" xmlns:p="http://schemas.openxmlformats.org/presentationml/2006/main">
-  <p:cSld>
-    <p:spTree>
-      <p:nvGrpSpPr>
-        <p:cNvPr id="1" name=""/>
-        <p:cNvGrpSpPr/>
-        <p:nvPr/>
-      </p:nvGrpSpPr>
-      <p:grpSpPr>
-        <a:xfrm>
-          <a:off x="0" y="0"/>
-          <a:ext cx="0" cy="0"/>
-          <a:chOff x="0" y="0"/>
-          <a:chExt cx="0" cy="0"/>
-        </a:xfrm>
-      </p:grpSpPr>
-      <p:sp>
-        <p:nvSpPr>
-          <p:cNvPr id="2" name="Title 1">
-            <a:extLst>
-              <a:ext uri="{FF2B5EF4-FFF2-40B4-BE49-F238E27FC236}">
-                <a16:creationId xmlns:a16="http://schemas.microsoft.com/office/drawing/2014/main" id="{D1FD5B8A-CA77-2B47-A55D-6E572C261825}"/>
-              </a:ext>
-            </a:extLst>
-          </p:cNvPr>
-          <p:cNvSpPr>
-            <a:spLocks noGrp="1"/>
-          </p:cNvSpPr>
-          <p:nvPr>
-            <p:ph type="title"/>
-          </p:nvPr>
-        </p:nvSpPr>
-        <p:spPr/>
-        <p:txBody>
-          <a:bodyPr/>
-          <a:lstStyle/>
-          <a:p>
-            <a:endParaRPr lang="en-US"/>
-          </a:p>
-        </p:txBody>
-      </p:sp>
-      <p:sp>
-        <p:nvSpPr>
-          <p:cNvPr id="3" name="Text Placeholder 2">
-            <a:extLst>
-              <a:ext uri="{FF2B5EF4-FFF2-40B4-BE49-F238E27FC236}">
-                <a16:creationId xmlns:a16="http://schemas.microsoft.com/office/drawing/2014/main" id="{3F3345DC-A8F3-C04B-AB80-601F974E7653}"/>
-              </a:ext>
-            </a:extLst>
-          </p:cNvPr>
-          <p:cNvSpPr>
-            <a:spLocks noGrp="1"/>
-          </p:cNvSpPr>
-          <p:nvPr>
-            <p:ph type="body" idx="1"/>
-          </p:nvPr>
-        </p:nvSpPr>
-        <p:spPr/>
-        <p:txBody>
-          <a:bodyPr/>
-          <a:lstStyle/>
-          <a:p>
-            <a:endParaRPr lang="en-US"/>
-          </a:p>
-        </p:txBody>
-      </p:sp>
-    </p:spTree>
-    <p:extLst>
-      <p:ext uri="{BB962C8B-B14F-4D97-AF65-F5344CB8AC3E}">
-        <p14:creationId xmlns:p14="http://schemas.microsoft.com/office/powerpoint/2010/main" val="2040566791"/>
-      </p:ext>
-    </p:extLst>
-  </p:cSld>
-  <p:clrMapOvr>
-    <a:masterClrMapping/>
-  </p:clrMapOvr>
-</p:sld>
-</file>
-
-<file path=ppt/slides/slide18.xml><?xml version="1.0" encoding="utf-8"?>
-<p:sld xmlns:a="http://schemas.openxmlformats.org/drawingml/2006/main" xmlns:r="http://schemas.openxmlformats.org/officeDocument/2006/relationships" xmlns:p="http://schemas.openxmlformats.org/presentationml/2006/main">
-  <p:cSld>
-    <p:spTree>
-      <p:nvGrpSpPr>
-        <p:cNvPr id="1" name=""/>
-        <p:cNvGrpSpPr/>
-        <p:nvPr/>
-      </p:nvGrpSpPr>
-      <p:grpSpPr>
-        <a:xfrm>
-          <a:off x="0" y="0"/>
-          <a:ext cx="0" cy="0"/>
-          <a:chOff x="0" y="0"/>
-          <a:chExt cx="0" cy="0"/>
-        </a:xfrm>
-      </p:grpSpPr>
-      <p:sp>
-        <p:nvSpPr>
-          <p:cNvPr id="2" name="Title 1">
-            <a:extLst>
-              <a:ext uri="{FF2B5EF4-FFF2-40B4-BE49-F238E27FC236}">
-                <a16:creationId xmlns:a16="http://schemas.microsoft.com/office/drawing/2014/main" id="{2FDCC32F-C04A-6A47-97C8-CE59AE2BA68D}"/>
-              </a:ext>
-            </a:extLst>
-          </p:cNvPr>
-          <p:cNvSpPr>
-            <a:spLocks noGrp="1"/>
-          </p:cNvSpPr>
-          <p:nvPr>
-            <p:ph type="title"/>
-          </p:nvPr>
-        </p:nvSpPr>
-        <p:spPr/>
-        <p:txBody>
-          <a:bodyPr/>
-          <a:lstStyle/>
-          <a:p>
-            <a:endParaRPr lang="en-US"/>
-          </a:p>
-        </p:txBody>
-      </p:sp>
-      <p:sp>
-        <p:nvSpPr>
-          <p:cNvPr id="3" name="Text Placeholder 2">
-            <a:extLst>
-              <a:ext uri="{FF2B5EF4-FFF2-40B4-BE49-F238E27FC236}">
-                <a16:creationId xmlns:a16="http://schemas.microsoft.com/office/drawing/2014/main" id="{CF83DAD0-0132-7344-AAB8-C88AB1649075}"/>
-              </a:ext>
-            </a:extLst>
-          </p:cNvPr>
-          <p:cNvSpPr>
-            <a:spLocks noGrp="1"/>
-          </p:cNvSpPr>
-          <p:nvPr>
-            <p:ph type="body" idx="1"/>
-          </p:nvPr>
-        </p:nvSpPr>
-        <p:spPr/>
-        <p:txBody>
-          <a:bodyPr/>
-          <a:lstStyle/>
-          <a:p>
-            <a:endParaRPr lang="en-US"/>
-          </a:p>
-        </p:txBody>
-      </p:sp>
-    </p:spTree>
-    <p:extLst>
-      <p:ext uri="{BB962C8B-B14F-4D97-AF65-F5344CB8AC3E}">
-        <p14:creationId xmlns:p14="http://schemas.microsoft.com/office/powerpoint/2010/main" val="2338609747"/>
-      </p:ext>
-    </p:extLst>
-  </p:cSld>
-  <p:clrMapOvr>
-    <a:masterClrMapping/>
-  </p:clrMapOvr>
-</p:sld>
-</file>
-
-<file path=ppt/slides/slide19.xml><?xml version="1.0" encoding="utf-8"?>
-<p:sld xmlns:a="http://schemas.openxmlformats.org/drawingml/2006/main" xmlns:r="http://schemas.openxmlformats.org/officeDocument/2006/relationships" xmlns:p="http://schemas.openxmlformats.org/presentationml/2006/main">
-  <p:cSld>
-    <p:spTree>
-      <p:nvGrpSpPr>
-        <p:cNvPr id="1" name=""/>
-        <p:cNvGrpSpPr/>
-        <p:nvPr/>
-      </p:nvGrpSpPr>
-      <p:grpSpPr>
-        <a:xfrm>
-          <a:off x="0" y="0"/>
-          <a:ext cx="0" cy="0"/>
-          <a:chOff x="0" y="0"/>
-          <a:chExt cx="0" cy="0"/>
-        </a:xfrm>
-      </p:grpSpPr>
-      <p:sp>
-        <p:nvSpPr>
-          <p:cNvPr id="2" name="Title 1">
-            <a:extLst>
-              <a:ext uri="{FF2B5EF4-FFF2-40B4-BE49-F238E27FC236}">
-                <a16:creationId xmlns:a16="http://schemas.microsoft.com/office/drawing/2014/main" id="{C40DFE08-D7B6-C54A-91A4-2F9D656E1182}"/>
-              </a:ext>
-            </a:extLst>
-          </p:cNvPr>
-          <p:cNvSpPr>
-            <a:spLocks noGrp="1"/>
-          </p:cNvSpPr>
-          <p:nvPr>
-            <p:ph type="title"/>
-          </p:nvPr>
-        </p:nvSpPr>
-        <p:spPr/>
-        <p:txBody>
-          <a:bodyPr/>
-          <a:lstStyle/>
-          <a:p>
-            <a:endParaRPr lang="en-US"/>
-          </a:p>
-        </p:txBody>
-      </p:sp>
-      <p:sp>
-        <p:nvSpPr>
-          <p:cNvPr id="3" name="Text Placeholder 2">
-            <a:extLst>
-              <a:ext uri="{FF2B5EF4-FFF2-40B4-BE49-F238E27FC236}">
-                <a16:creationId xmlns:a16="http://schemas.microsoft.com/office/drawing/2014/main" id="{4A6C16FD-1844-0A40-A5F0-3B46967C01EA}"/>
-              </a:ext>
-            </a:extLst>
-          </p:cNvPr>
-          <p:cNvSpPr>
-            <a:spLocks noGrp="1"/>
-          </p:cNvSpPr>
-          <p:nvPr>
-            <p:ph type="body" idx="1"/>
-          </p:nvPr>
-        </p:nvSpPr>
-        <p:spPr/>
-        <p:txBody>
-          <a:bodyPr/>
-          <a:lstStyle/>
-          <a:p>
-            <a:endParaRPr lang="en-US"/>
-          </a:p>
-        </p:txBody>
-      </p:sp>
-    </p:spTree>
-    <p:extLst>
-      <p:ext uri="{BB962C8B-B14F-4D97-AF65-F5344CB8AC3E}">
-        <p14:creationId xmlns:p14="http://schemas.microsoft.com/office/powerpoint/2010/main" val="2062454877"/>
-      </p:ext>
-    </p:extLst>
-  </p:cSld>
-  <p:clrMapOvr>
-    <a:masterClrMapping/>
-  </p:clrMapOvr>
-</p:sld>
-</file>
-
 <file path=ppt/slides/slide2.xml><?xml version="1.0" encoding="utf-8"?>
 <p:sld xmlns:a="http://schemas.openxmlformats.org/drawingml/2006/main" xmlns:r="http://schemas.openxmlformats.org/officeDocument/2006/relationships" xmlns:p="http://schemas.openxmlformats.org/presentationml/2006/main">
   <p:cSld>
@@ -7945,1389 +4262,6 @@
       </p:par>
     </p:tnLst>
   </p:timing>
-</p:sld>
-</file>
-
-<file path=ppt/slides/slide20.xml><?xml version="1.0" encoding="utf-8"?>
-<p:sld xmlns:a="http://schemas.openxmlformats.org/drawingml/2006/main" xmlns:r="http://schemas.openxmlformats.org/officeDocument/2006/relationships" xmlns:p="http://schemas.openxmlformats.org/presentationml/2006/main">
-  <p:cSld>
-    <p:spTree>
-      <p:nvGrpSpPr>
-        <p:cNvPr id="1" name=""/>
-        <p:cNvGrpSpPr/>
-        <p:nvPr/>
-      </p:nvGrpSpPr>
-      <p:grpSpPr>
-        <a:xfrm>
-          <a:off x="0" y="0"/>
-          <a:ext cx="0" cy="0"/>
-          <a:chOff x="0" y="0"/>
-          <a:chExt cx="0" cy="0"/>
-        </a:xfrm>
-      </p:grpSpPr>
-      <p:sp>
-        <p:nvSpPr>
-          <p:cNvPr id="2" name="Title 1">
-            <a:extLst>
-              <a:ext uri="{FF2B5EF4-FFF2-40B4-BE49-F238E27FC236}">
-                <a16:creationId xmlns:a16="http://schemas.microsoft.com/office/drawing/2014/main" id="{AF406A39-3E9E-F046-9510-170EA21BB7CC}"/>
-              </a:ext>
-            </a:extLst>
-          </p:cNvPr>
-          <p:cNvSpPr>
-            <a:spLocks noGrp="1"/>
-          </p:cNvSpPr>
-          <p:nvPr>
-            <p:ph type="title"/>
-          </p:nvPr>
-        </p:nvSpPr>
-        <p:spPr/>
-        <p:txBody>
-          <a:bodyPr/>
-          <a:lstStyle/>
-          <a:p>
-            <a:endParaRPr lang="en-US"/>
-          </a:p>
-        </p:txBody>
-      </p:sp>
-      <p:sp>
-        <p:nvSpPr>
-          <p:cNvPr id="3" name="Text Placeholder 2">
-            <a:extLst>
-              <a:ext uri="{FF2B5EF4-FFF2-40B4-BE49-F238E27FC236}">
-                <a16:creationId xmlns:a16="http://schemas.microsoft.com/office/drawing/2014/main" id="{1140EE8C-39F8-C747-99BB-7F6DDA14CC01}"/>
-              </a:ext>
-            </a:extLst>
-          </p:cNvPr>
-          <p:cNvSpPr>
-            <a:spLocks noGrp="1"/>
-          </p:cNvSpPr>
-          <p:nvPr>
-            <p:ph type="body" idx="1"/>
-          </p:nvPr>
-        </p:nvSpPr>
-        <p:spPr/>
-        <p:txBody>
-          <a:bodyPr/>
-          <a:lstStyle/>
-          <a:p>
-            <a:endParaRPr lang="en-US"/>
-          </a:p>
-        </p:txBody>
-      </p:sp>
-    </p:spTree>
-    <p:extLst>
-      <p:ext uri="{BB962C8B-B14F-4D97-AF65-F5344CB8AC3E}">
-        <p14:creationId xmlns:p14="http://schemas.microsoft.com/office/powerpoint/2010/main" val="3107150600"/>
-      </p:ext>
-    </p:extLst>
-  </p:cSld>
-  <p:clrMapOvr>
-    <a:masterClrMapping/>
-  </p:clrMapOvr>
-</p:sld>
-</file>
-
-<file path=ppt/slides/slide21.xml><?xml version="1.0" encoding="utf-8"?>
-<p:sld xmlns:a="http://schemas.openxmlformats.org/drawingml/2006/main" xmlns:r="http://schemas.openxmlformats.org/officeDocument/2006/relationships" xmlns:p="http://schemas.openxmlformats.org/presentationml/2006/main">
-  <p:cSld>
-    <p:spTree>
-      <p:nvGrpSpPr>
-        <p:cNvPr id="1" name=""/>
-        <p:cNvGrpSpPr/>
-        <p:nvPr/>
-      </p:nvGrpSpPr>
-      <p:grpSpPr>
-        <a:xfrm>
-          <a:off x="0" y="0"/>
-          <a:ext cx="0" cy="0"/>
-          <a:chOff x="0" y="0"/>
-          <a:chExt cx="0" cy="0"/>
-        </a:xfrm>
-      </p:grpSpPr>
-      <p:sp>
-        <p:nvSpPr>
-          <p:cNvPr id="2" name="Title 1">
-            <a:extLst>
-              <a:ext uri="{FF2B5EF4-FFF2-40B4-BE49-F238E27FC236}">
-                <a16:creationId xmlns:a16="http://schemas.microsoft.com/office/drawing/2014/main" id="{F8DB5E21-FFFF-A246-8A47-46D466F124A1}"/>
-              </a:ext>
-            </a:extLst>
-          </p:cNvPr>
-          <p:cNvSpPr>
-            <a:spLocks noGrp="1"/>
-          </p:cNvSpPr>
-          <p:nvPr>
-            <p:ph type="title"/>
-          </p:nvPr>
-        </p:nvSpPr>
-        <p:spPr/>
-        <p:txBody>
-          <a:bodyPr/>
-          <a:lstStyle/>
-          <a:p>
-            <a:endParaRPr lang="en-US"/>
-          </a:p>
-        </p:txBody>
-      </p:sp>
-      <p:sp>
-        <p:nvSpPr>
-          <p:cNvPr id="3" name="Text Placeholder 2">
-            <a:extLst>
-              <a:ext uri="{FF2B5EF4-FFF2-40B4-BE49-F238E27FC236}">
-                <a16:creationId xmlns:a16="http://schemas.microsoft.com/office/drawing/2014/main" id="{D67B8624-2B04-FB49-B3A0-0062DD860100}"/>
-              </a:ext>
-            </a:extLst>
-          </p:cNvPr>
-          <p:cNvSpPr>
-            <a:spLocks noGrp="1"/>
-          </p:cNvSpPr>
-          <p:nvPr>
-            <p:ph type="body" idx="1"/>
-          </p:nvPr>
-        </p:nvSpPr>
-        <p:spPr/>
-        <p:txBody>
-          <a:bodyPr/>
-          <a:lstStyle/>
-          <a:p>
-            <a:endParaRPr lang="en-US"/>
-          </a:p>
-        </p:txBody>
-      </p:sp>
-    </p:spTree>
-    <p:extLst>
-      <p:ext uri="{BB962C8B-B14F-4D97-AF65-F5344CB8AC3E}">
-        <p14:creationId xmlns:p14="http://schemas.microsoft.com/office/powerpoint/2010/main" val="2522841770"/>
-      </p:ext>
-    </p:extLst>
-  </p:cSld>
-  <p:clrMapOvr>
-    <a:masterClrMapping/>
-  </p:clrMapOvr>
-</p:sld>
-</file>
-
-<file path=ppt/slides/slide22.xml><?xml version="1.0" encoding="utf-8"?>
-<p:sld xmlns:a="http://schemas.openxmlformats.org/drawingml/2006/main" xmlns:r="http://schemas.openxmlformats.org/officeDocument/2006/relationships" xmlns:p="http://schemas.openxmlformats.org/presentationml/2006/main">
-  <p:cSld>
-    <p:spTree>
-      <p:nvGrpSpPr>
-        <p:cNvPr id="1" name=""/>
-        <p:cNvGrpSpPr/>
-        <p:nvPr/>
-      </p:nvGrpSpPr>
-      <p:grpSpPr>
-        <a:xfrm>
-          <a:off x="0" y="0"/>
-          <a:ext cx="0" cy="0"/>
-          <a:chOff x="0" y="0"/>
-          <a:chExt cx="0" cy="0"/>
-        </a:xfrm>
-      </p:grpSpPr>
-      <p:sp>
-        <p:nvSpPr>
-          <p:cNvPr id="2" name="Title 1">
-            <a:extLst>
-              <a:ext uri="{FF2B5EF4-FFF2-40B4-BE49-F238E27FC236}">
-                <a16:creationId xmlns:a16="http://schemas.microsoft.com/office/drawing/2014/main" id="{4529F134-F45F-BB44-901E-4DD01FBDAFEF}"/>
-              </a:ext>
-            </a:extLst>
-          </p:cNvPr>
-          <p:cNvSpPr>
-            <a:spLocks noGrp="1"/>
-          </p:cNvSpPr>
-          <p:nvPr>
-            <p:ph type="title"/>
-          </p:nvPr>
-        </p:nvSpPr>
-        <p:spPr/>
-        <p:txBody>
-          <a:bodyPr/>
-          <a:lstStyle/>
-          <a:p>
-            <a:r>
-              <a:rPr lang="en-US" dirty="0"/>
-              <a:t>Why do they call it a pipeline?</a:t>
-            </a:r>
-          </a:p>
-        </p:txBody>
-      </p:sp>
-      <p:sp>
-        <p:nvSpPr>
-          <p:cNvPr id="3" name="Text Placeholder 2">
-            <a:extLst>
-              <a:ext uri="{FF2B5EF4-FFF2-40B4-BE49-F238E27FC236}">
-                <a16:creationId xmlns:a16="http://schemas.microsoft.com/office/drawing/2014/main" id="{4FCA4E55-1A6E-9947-B2A7-5A046B862840}"/>
-              </a:ext>
-            </a:extLst>
-          </p:cNvPr>
-          <p:cNvSpPr>
-            <a:spLocks noGrp="1"/>
-          </p:cNvSpPr>
-          <p:nvPr>
-            <p:ph type="body" idx="1"/>
-          </p:nvPr>
-        </p:nvSpPr>
-        <p:spPr>
-          <a:xfrm>
-            <a:off x="311700" y="1381500"/>
-            <a:ext cx="3272920" cy="841000"/>
-          </a:xfrm>
-        </p:spPr>
-        <p:txBody>
-          <a:bodyPr/>
-          <a:lstStyle/>
-          <a:p>
-            <a:r>
-              <a:rPr lang="en-US" dirty="0"/>
-              <a:t>Aggregation commands are added one at a time to provide a “pipeline” of processing</a:t>
-            </a:r>
-          </a:p>
-        </p:txBody>
-      </p:sp>
-      <p:graphicFrame>
-        <p:nvGraphicFramePr>
-          <p:cNvPr id="4" name="Diagram 3">
-            <a:extLst>
-              <a:ext uri="{FF2B5EF4-FFF2-40B4-BE49-F238E27FC236}">
-                <a16:creationId xmlns:a16="http://schemas.microsoft.com/office/drawing/2014/main" id="{F67843BD-E1A0-2C47-AFF1-D1DEFC270561}"/>
-              </a:ext>
-            </a:extLst>
-          </p:cNvPr>
-          <p:cNvGraphicFramePr/>
-          <p:nvPr>
-            <p:extLst>
-              <p:ext uri="{D42A27DB-BD31-4B8C-83A1-F6EECF244321}">
-                <p14:modId xmlns:p14="http://schemas.microsoft.com/office/powerpoint/2010/main" val="3956542387"/>
-              </p:ext>
-            </p:extLst>
-          </p:nvPr>
-        </p:nvGraphicFramePr>
-        <p:xfrm>
-          <a:off x="3584620" y="1506828"/>
-          <a:ext cx="5074276" cy="3320155"/>
-        </p:xfrm>
-        <a:graphic>
-          <a:graphicData uri="http://schemas.openxmlformats.org/drawingml/2006/diagram">
-            <dgm:relIds xmlns:dgm="http://schemas.openxmlformats.org/drawingml/2006/diagram" xmlns:r="http://schemas.openxmlformats.org/officeDocument/2006/relationships" r:dm="rId2" r:lo="rId3" r:qs="rId4" r:cs="rId5"/>
-          </a:graphicData>
-        </a:graphic>
-      </p:graphicFrame>
-    </p:spTree>
-    <p:extLst>
-      <p:ext uri="{BB962C8B-B14F-4D97-AF65-F5344CB8AC3E}">
-        <p14:creationId xmlns:p14="http://schemas.microsoft.com/office/powerpoint/2010/main" val="3114261561"/>
-      </p:ext>
-    </p:extLst>
-  </p:cSld>
-  <p:clrMapOvr>
-    <a:masterClrMapping/>
-  </p:clrMapOvr>
-  <p:timing>
-    <p:tnLst>
-      <p:par>
-        <p:cTn id="1" dur="indefinite" restart="never" nodeType="tmRoot">
-          <p:childTnLst>
-            <p:seq concurrent="1" nextAc="seek">
-              <p:cTn id="2" dur="indefinite" nodeType="mainSeq">
-                <p:childTnLst>
-                  <p:par>
-                    <p:cTn id="3" fill="hold">
-                      <p:stCondLst>
-                        <p:cond delay="indefinite"/>
-                      </p:stCondLst>
-                      <p:childTnLst>
-                        <p:par>
-                          <p:cTn id="4" fill="hold">
-                            <p:stCondLst>
-                              <p:cond delay="0"/>
-                            </p:stCondLst>
-                            <p:childTnLst>
-                              <p:par>
-                                <p:cTn id="5" presetID="1" presetClass="entr" presetSubtype="0" fill="hold" grpId="0" nodeType="clickEffect">
-                                  <p:stCondLst>
-                                    <p:cond delay="0"/>
-                                  </p:stCondLst>
-                                  <p:childTnLst>
-                                    <p:set>
-                                      <p:cBhvr>
-                                        <p:cTn id="6" dur="1" fill="hold">
-                                          <p:stCondLst>
-                                            <p:cond delay="0"/>
-                                          </p:stCondLst>
-                                        </p:cTn>
-                                        <p:tgtEl>
-                                          <p:spTgt spid="4">
-                                            <p:graphicEl>
-                                              <a:dgm id="{6C73427D-2DAA-4E49-984D-6FA937A3E3B8}"/>
-                                            </p:graphicEl>
-                                          </p:spTgt>
-                                        </p:tgtEl>
-                                        <p:attrNameLst>
-                                          <p:attrName>style.visibility</p:attrName>
-                                        </p:attrNameLst>
-                                      </p:cBhvr>
-                                      <p:to>
-                                        <p:strVal val="visible"/>
-                                      </p:to>
-                                    </p:set>
-                                  </p:childTnLst>
-                                </p:cTn>
-                              </p:par>
-                              <p:par>
-                                <p:cTn id="7" presetID="1" presetClass="entr" presetSubtype="0" fill="hold" grpId="0" nodeType="withEffect">
-                                  <p:stCondLst>
-                                    <p:cond delay="0"/>
-                                  </p:stCondLst>
-                                  <p:childTnLst>
-                                    <p:set>
-                                      <p:cBhvr>
-                                        <p:cTn id="8" dur="1" fill="hold">
-                                          <p:stCondLst>
-                                            <p:cond delay="0"/>
-                                          </p:stCondLst>
-                                        </p:cTn>
-                                        <p:tgtEl>
-                                          <p:spTgt spid="4">
-                                            <p:graphicEl>
-                                              <a:dgm id="{2D4FAFD5-F675-BF4F-91AC-D544FA2DE70D}"/>
-                                            </p:graphicEl>
-                                          </p:spTgt>
-                                        </p:tgtEl>
-                                        <p:attrNameLst>
-                                          <p:attrName>style.visibility</p:attrName>
-                                        </p:attrNameLst>
-                                      </p:cBhvr>
-                                      <p:to>
-                                        <p:strVal val="visible"/>
-                                      </p:to>
-                                    </p:set>
-                                  </p:childTnLst>
-                                </p:cTn>
-                              </p:par>
-                            </p:childTnLst>
-                          </p:cTn>
-                        </p:par>
-                      </p:childTnLst>
-                    </p:cTn>
-                  </p:par>
-                  <p:par>
-                    <p:cTn id="9" fill="hold">
-                      <p:stCondLst>
-                        <p:cond delay="indefinite"/>
-                      </p:stCondLst>
-                      <p:childTnLst>
-                        <p:par>
-                          <p:cTn id="10" fill="hold">
-                            <p:stCondLst>
-                              <p:cond delay="0"/>
-                            </p:stCondLst>
-                            <p:childTnLst>
-                              <p:par>
-                                <p:cTn id="11" presetID="1" presetClass="entr" presetSubtype="0" fill="hold" grpId="0" nodeType="clickEffect">
-                                  <p:stCondLst>
-                                    <p:cond delay="0"/>
-                                  </p:stCondLst>
-                                  <p:childTnLst>
-                                    <p:set>
-                                      <p:cBhvr>
-                                        <p:cTn id="12" dur="1" fill="hold">
-                                          <p:stCondLst>
-                                            <p:cond delay="0"/>
-                                          </p:stCondLst>
-                                        </p:cTn>
-                                        <p:tgtEl>
-                                          <p:spTgt spid="4">
-                                            <p:graphicEl>
-                                              <a:dgm id="{D5C9471C-8C38-0A4A-852E-FFC5B84B1D0A}"/>
-                                            </p:graphicEl>
-                                          </p:spTgt>
-                                        </p:tgtEl>
-                                        <p:attrNameLst>
-                                          <p:attrName>style.visibility</p:attrName>
-                                        </p:attrNameLst>
-                                      </p:cBhvr>
-                                      <p:to>
-                                        <p:strVal val="visible"/>
-                                      </p:to>
-                                    </p:set>
-                                  </p:childTnLst>
-                                </p:cTn>
-                              </p:par>
-                            </p:childTnLst>
-                          </p:cTn>
-                        </p:par>
-                      </p:childTnLst>
-                    </p:cTn>
-                  </p:par>
-                  <p:par>
-                    <p:cTn id="13" fill="hold">
-                      <p:stCondLst>
-                        <p:cond delay="indefinite"/>
-                      </p:stCondLst>
-                      <p:childTnLst>
-                        <p:par>
-                          <p:cTn id="14" fill="hold">
-                            <p:stCondLst>
-                              <p:cond delay="0"/>
-                            </p:stCondLst>
-                            <p:childTnLst>
-                              <p:par>
-                                <p:cTn id="15" presetID="1" presetClass="entr" presetSubtype="0" fill="hold" grpId="0" nodeType="clickEffect">
-                                  <p:stCondLst>
-                                    <p:cond delay="0"/>
-                                  </p:stCondLst>
-                                  <p:childTnLst>
-                                    <p:set>
-                                      <p:cBhvr>
-                                        <p:cTn id="16" dur="1" fill="hold">
-                                          <p:stCondLst>
-                                            <p:cond delay="0"/>
-                                          </p:stCondLst>
-                                        </p:cTn>
-                                        <p:tgtEl>
-                                          <p:spTgt spid="4">
-                                            <p:graphicEl>
-                                              <a:dgm id="{8C796128-67D4-8F4B-BC4C-3E47BF04A28C}"/>
-                                            </p:graphicEl>
-                                          </p:spTgt>
-                                        </p:tgtEl>
-                                        <p:attrNameLst>
-                                          <p:attrName>style.visibility</p:attrName>
-                                        </p:attrNameLst>
-                                      </p:cBhvr>
-                                      <p:to>
-                                        <p:strVal val="visible"/>
-                                      </p:to>
-                                    </p:set>
-                                  </p:childTnLst>
-                                </p:cTn>
-                              </p:par>
-                              <p:par>
-                                <p:cTn id="17" presetID="1" presetClass="entr" presetSubtype="0" fill="hold" grpId="0" nodeType="withEffect">
-                                  <p:stCondLst>
-                                    <p:cond delay="0"/>
-                                  </p:stCondLst>
-                                  <p:childTnLst>
-                                    <p:set>
-                                      <p:cBhvr>
-                                        <p:cTn id="18" dur="1" fill="hold">
-                                          <p:stCondLst>
-                                            <p:cond delay="0"/>
-                                          </p:stCondLst>
-                                        </p:cTn>
-                                        <p:tgtEl>
-                                          <p:spTgt spid="4">
-                                            <p:graphicEl>
-                                              <a:dgm id="{277BCE31-0912-E841-BAF9-46A907C4A284}"/>
-                                            </p:graphicEl>
-                                          </p:spTgt>
-                                        </p:tgtEl>
-                                        <p:attrNameLst>
-                                          <p:attrName>style.visibility</p:attrName>
-                                        </p:attrNameLst>
-                                      </p:cBhvr>
-                                      <p:to>
-                                        <p:strVal val="visible"/>
-                                      </p:to>
-                                    </p:set>
-                                  </p:childTnLst>
-                                </p:cTn>
-                              </p:par>
-                            </p:childTnLst>
-                          </p:cTn>
-                        </p:par>
-                      </p:childTnLst>
-                    </p:cTn>
-                  </p:par>
-                  <p:par>
-                    <p:cTn id="19" fill="hold">
-                      <p:stCondLst>
-                        <p:cond delay="indefinite"/>
-                      </p:stCondLst>
-                      <p:childTnLst>
-                        <p:par>
-                          <p:cTn id="20" fill="hold">
-                            <p:stCondLst>
-                              <p:cond delay="0"/>
-                            </p:stCondLst>
-                            <p:childTnLst>
-                              <p:par>
-                                <p:cTn id="21" presetID="1" presetClass="entr" presetSubtype="0" fill="hold" grpId="0" nodeType="clickEffect">
-                                  <p:stCondLst>
-                                    <p:cond delay="0"/>
-                                  </p:stCondLst>
-                                  <p:childTnLst>
-                                    <p:set>
-                                      <p:cBhvr>
-                                        <p:cTn id="22" dur="1" fill="hold">
-                                          <p:stCondLst>
-                                            <p:cond delay="0"/>
-                                          </p:stCondLst>
-                                        </p:cTn>
-                                        <p:tgtEl>
-                                          <p:spTgt spid="4">
-                                            <p:graphicEl>
-                                              <a:dgm id="{025C776F-E952-ED4D-B42B-6F7FD9E3862A}"/>
-                                            </p:graphicEl>
-                                          </p:spTgt>
-                                        </p:tgtEl>
-                                        <p:attrNameLst>
-                                          <p:attrName>style.visibility</p:attrName>
-                                        </p:attrNameLst>
-                                      </p:cBhvr>
-                                      <p:to>
-                                        <p:strVal val="visible"/>
-                                      </p:to>
-                                    </p:set>
-                                  </p:childTnLst>
-                                </p:cTn>
-                              </p:par>
-                            </p:childTnLst>
-                          </p:cTn>
-                        </p:par>
-                      </p:childTnLst>
-                    </p:cTn>
-                  </p:par>
-                  <p:par>
-                    <p:cTn id="23" fill="hold">
-                      <p:stCondLst>
-                        <p:cond delay="indefinite"/>
-                      </p:stCondLst>
-                      <p:childTnLst>
-                        <p:par>
-                          <p:cTn id="24" fill="hold">
-                            <p:stCondLst>
-                              <p:cond delay="0"/>
-                            </p:stCondLst>
-                            <p:childTnLst>
-                              <p:par>
-                                <p:cTn id="25" presetID="1" presetClass="entr" presetSubtype="0" fill="hold" grpId="0" nodeType="clickEffect">
-                                  <p:stCondLst>
-                                    <p:cond delay="0"/>
-                                  </p:stCondLst>
-                                  <p:childTnLst>
-                                    <p:set>
-                                      <p:cBhvr>
-                                        <p:cTn id="26" dur="1" fill="hold">
-                                          <p:stCondLst>
-                                            <p:cond delay="0"/>
-                                          </p:stCondLst>
-                                        </p:cTn>
-                                        <p:tgtEl>
-                                          <p:spTgt spid="4">
-                                            <p:graphicEl>
-                                              <a:dgm id="{BDB9794A-999A-104A-855C-51AFC2863DB6}"/>
-                                            </p:graphicEl>
-                                          </p:spTgt>
-                                        </p:tgtEl>
-                                        <p:attrNameLst>
-                                          <p:attrName>style.visibility</p:attrName>
-                                        </p:attrNameLst>
-                                      </p:cBhvr>
-                                      <p:to>
-                                        <p:strVal val="visible"/>
-                                      </p:to>
-                                    </p:set>
-                                  </p:childTnLst>
-                                </p:cTn>
-                              </p:par>
-                              <p:par>
-                                <p:cTn id="27" presetID="1" presetClass="entr" presetSubtype="0" fill="hold" grpId="0" nodeType="withEffect">
-                                  <p:stCondLst>
-                                    <p:cond delay="0"/>
-                                  </p:stCondLst>
-                                  <p:childTnLst>
-                                    <p:set>
-                                      <p:cBhvr>
-                                        <p:cTn id="28" dur="1" fill="hold">
-                                          <p:stCondLst>
-                                            <p:cond delay="0"/>
-                                          </p:stCondLst>
-                                        </p:cTn>
-                                        <p:tgtEl>
-                                          <p:spTgt spid="4">
-                                            <p:graphicEl>
-                                              <a:dgm id="{F93CE76B-6321-064D-B366-7AEC2A65B106}"/>
-                                            </p:graphicEl>
-                                          </p:spTgt>
-                                        </p:tgtEl>
-                                        <p:attrNameLst>
-                                          <p:attrName>style.visibility</p:attrName>
-                                        </p:attrNameLst>
-                                      </p:cBhvr>
-                                      <p:to>
-                                        <p:strVal val="visible"/>
-                                      </p:to>
-                                    </p:set>
-                                  </p:childTnLst>
-                                </p:cTn>
-                              </p:par>
-                            </p:childTnLst>
-                          </p:cTn>
-                        </p:par>
-                      </p:childTnLst>
-                    </p:cTn>
-                  </p:par>
-                  <p:par>
-                    <p:cTn id="29" fill="hold">
-                      <p:stCondLst>
-                        <p:cond delay="indefinite"/>
-                      </p:stCondLst>
-                      <p:childTnLst>
-                        <p:par>
-                          <p:cTn id="30" fill="hold">
-                            <p:stCondLst>
-                              <p:cond delay="0"/>
-                            </p:stCondLst>
-                            <p:childTnLst>
-                              <p:par>
-                                <p:cTn id="31" presetID="1" presetClass="entr" presetSubtype="0" fill="hold" grpId="0" nodeType="clickEffect">
-                                  <p:stCondLst>
-                                    <p:cond delay="0"/>
-                                  </p:stCondLst>
-                                  <p:childTnLst>
-                                    <p:set>
-                                      <p:cBhvr>
-                                        <p:cTn id="32" dur="1" fill="hold">
-                                          <p:stCondLst>
-                                            <p:cond delay="0"/>
-                                          </p:stCondLst>
-                                        </p:cTn>
-                                        <p:tgtEl>
-                                          <p:spTgt spid="4">
-                                            <p:graphicEl>
-                                              <a:dgm id="{CD2CB8F2-56A0-7248-B330-7CB266596B10}"/>
-                                            </p:graphicEl>
-                                          </p:spTgt>
-                                        </p:tgtEl>
-                                        <p:attrNameLst>
-                                          <p:attrName>style.visibility</p:attrName>
-                                        </p:attrNameLst>
-                                      </p:cBhvr>
-                                      <p:to>
-                                        <p:strVal val="visible"/>
-                                      </p:to>
-                                    </p:set>
-                                  </p:childTnLst>
-                                </p:cTn>
-                              </p:par>
-                            </p:childTnLst>
-                          </p:cTn>
-                        </p:par>
-                      </p:childTnLst>
-                    </p:cTn>
-                  </p:par>
-                  <p:par>
-                    <p:cTn id="33" fill="hold">
-                      <p:stCondLst>
-                        <p:cond delay="indefinite"/>
-                      </p:stCondLst>
-                      <p:childTnLst>
-                        <p:par>
-                          <p:cTn id="34" fill="hold">
-                            <p:stCondLst>
-                              <p:cond delay="0"/>
-                            </p:stCondLst>
-                            <p:childTnLst>
-                              <p:par>
-                                <p:cTn id="35" presetID="1" presetClass="entr" presetSubtype="0" fill="hold" grpId="0" nodeType="clickEffect">
-                                  <p:stCondLst>
-                                    <p:cond delay="0"/>
-                                  </p:stCondLst>
-                                  <p:childTnLst>
-                                    <p:set>
-                                      <p:cBhvr>
-                                        <p:cTn id="36" dur="1" fill="hold">
-                                          <p:stCondLst>
-                                            <p:cond delay="0"/>
-                                          </p:stCondLst>
-                                        </p:cTn>
-                                        <p:tgtEl>
-                                          <p:spTgt spid="4">
-                                            <p:graphicEl>
-                                              <a:dgm id="{D34347C5-AB4A-BE42-A896-8C8E1B55BCC0}"/>
-                                            </p:graphicEl>
-                                          </p:spTgt>
-                                        </p:tgtEl>
-                                        <p:attrNameLst>
-                                          <p:attrName>style.visibility</p:attrName>
-                                        </p:attrNameLst>
-                                      </p:cBhvr>
-                                      <p:to>
-                                        <p:strVal val="visible"/>
-                                      </p:to>
-                                    </p:set>
-                                  </p:childTnLst>
-                                </p:cTn>
-                              </p:par>
-                              <p:par>
-                                <p:cTn id="37" presetID="1" presetClass="entr" presetSubtype="0" fill="hold" grpId="0" nodeType="withEffect">
-                                  <p:stCondLst>
-                                    <p:cond delay="0"/>
-                                  </p:stCondLst>
-                                  <p:childTnLst>
-                                    <p:set>
-                                      <p:cBhvr>
-                                        <p:cTn id="38" dur="1" fill="hold">
-                                          <p:stCondLst>
-                                            <p:cond delay="0"/>
-                                          </p:stCondLst>
-                                        </p:cTn>
-                                        <p:tgtEl>
-                                          <p:spTgt spid="4">
-                                            <p:graphicEl>
-                                              <a:dgm id="{7FA0221F-235A-0547-8F02-698069D3133D}"/>
-                                            </p:graphicEl>
-                                          </p:spTgt>
-                                        </p:tgtEl>
-                                        <p:attrNameLst>
-                                          <p:attrName>style.visibility</p:attrName>
-                                        </p:attrNameLst>
-                                      </p:cBhvr>
-                                      <p:to>
-                                        <p:strVal val="visible"/>
-                                      </p:to>
-                                    </p:set>
-                                  </p:childTnLst>
-                                </p:cTn>
-                              </p:par>
-                            </p:childTnLst>
-                          </p:cTn>
-                        </p:par>
-                      </p:childTnLst>
-                    </p:cTn>
-                  </p:par>
-                  <p:par>
-                    <p:cTn id="39" fill="hold">
-                      <p:stCondLst>
-                        <p:cond delay="indefinite"/>
-                      </p:stCondLst>
-                      <p:childTnLst>
-                        <p:par>
-                          <p:cTn id="40" fill="hold">
-                            <p:stCondLst>
-                              <p:cond delay="0"/>
-                            </p:stCondLst>
-                            <p:childTnLst>
-                              <p:par>
-                                <p:cTn id="41" presetID="1" presetClass="entr" presetSubtype="0" fill="hold" grpId="0" nodeType="clickEffect">
-                                  <p:stCondLst>
-                                    <p:cond delay="0"/>
-                                  </p:stCondLst>
-                                  <p:childTnLst>
-                                    <p:set>
-                                      <p:cBhvr>
-                                        <p:cTn id="42" dur="1" fill="hold">
-                                          <p:stCondLst>
-                                            <p:cond delay="0"/>
-                                          </p:stCondLst>
-                                        </p:cTn>
-                                        <p:tgtEl>
-                                          <p:spTgt spid="4">
-                                            <p:graphicEl>
-                                              <a:dgm id="{6B61C931-B89E-3C43-9A2A-288BFF687345}"/>
-                                            </p:graphicEl>
-                                          </p:spTgt>
-                                        </p:tgtEl>
-                                        <p:attrNameLst>
-                                          <p:attrName>style.visibility</p:attrName>
-                                        </p:attrNameLst>
-                                      </p:cBhvr>
-                                      <p:to>
-                                        <p:strVal val="visible"/>
-                                      </p:to>
-                                    </p:set>
-                                  </p:childTnLst>
-                                </p:cTn>
-                              </p:par>
-                            </p:childTnLst>
-                          </p:cTn>
-                        </p:par>
-                      </p:childTnLst>
-                    </p:cTn>
-                  </p:par>
-                  <p:par>
-                    <p:cTn id="43" fill="hold">
-                      <p:stCondLst>
-                        <p:cond delay="indefinite"/>
-                      </p:stCondLst>
-                      <p:childTnLst>
-                        <p:par>
-                          <p:cTn id="44" fill="hold">
-                            <p:stCondLst>
-                              <p:cond delay="0"/>
-                            </p:stCondLst>
-                            <p:childTnLst>
-                              <p:par>
-                                <p:cTn id="45" presetID="1" presetClass="entr" presetSubtype="0" fill="hold" grpId="0" nodeType="clickEffect">
-                                  <p:stCondLst>
-                                    <p:cond delay="0"/>
-                                  </p:stCondLst>
-                                  <p:childTnLst>
-                                    <p:set>
-                                      <p:cBhvr>
-                                        <p:cTn id="46" dur="1" fill="hold">
-                                          <p:stCondLst>
-                                            <p:cond delay="0"/>
-                                          </p:stCondLst>
-                                        </p:cTn>
-                                        <p:tgtEl>
-                                          <p:spTgt spid="4">
-                                            <p:graphicEl>
-                                              <a:dgm id="{6026454C-54C4-9844-9E8D-BB967561BF22}"/>
-                                            </p:graphicEl>
-                                          </p:spTgt>
-                                        </p:tgtEl>
-                                        <p:attrNameLst>
-                                          <p:attrName>style.visibility</p:attrName>
-                                        </p:attrNameLst>
-                                      </p:cBhvr>
-                                      <p:to>
-                                        <p:strVal val="visible"/>
-                                      </p:to>
-                                    </p:set>
-                                  </p:childTnLst>
-                                </p:cTn>
-                              </p:par>
-                            </p:childTnLst>
-                          </p:cTn>
-                        </p:par>
-                      </p:childTnLst>
-                    </p:cTn>
-                  </p:par>
-                </p:childTnLst>
-              </p:cTn>
-              <p:prevCondLst>
-                <p:cond evt="onPrev" delay="0">
-                  <p:tgtEl>
-                    <p:sldTgt/>
-                  </p:tgtEl>
-                </p:cond>
-              </p:prevCondLst>
-              <p:nextCondLst>
-                <p:cond evt="onNext" delay="0">
-                  <p:tgtEl>
-                    <p:sldTgt/>
-                  </p:tgtEl>
-                </p:cond>
-              </p:nextCondLst>
-            </p:seq>
-          </p:childTnLst>
-        </p:cTn>
-      </p:par>
-    </p:tnLst>
-    <p:bldLst>
-      <p:bldGraphic spid="4" grpId="0" uiExpand="1">
-        <p:bldSub>
-          <a:bldDgm bld="one"/>
-        </p:bldSub>
-      </p:bldGraphic>
-    </p:bldLst>
-  </p:timing>
-</p:sld>
-</file>
-
-<file path=ppt/slides/slide23.xml><?xml version="1.0" encoding="utf-8"?>
-<p:sld xmlns:a="http://schemas.openxmlformats.org/drawingml/2006/main" xmlns:r="http://schemas.openxmlformats.org/officeDocument/2006/relationships" xmlns:p="http://schemas.openxmlformats.org/presentationml/2006/main">
-  <p:cSld>
-    <p:spTree>
-      <p:nvGrpSpPr>
-        <p:cNvPr id="1" name=""/>
-        <p:cNvGrpSpPr/>
-        <p:nvPr/>
-      </p:nvGrpSpPr>
-      <p:grpSpPr>
-        <a:xfrm>
-          <a:off x="0" y="0"/>
-          <a:ext cx="0" cy="0"/>
-          <a:chOff x="0" y="0"/>
-          <a:chExt cx="0" cy="0"/>
-        </a:xfrm>
-      </p:grpSpPr>
-      <p:sp>
-        <p:nvSpPr>
-          <p:cNvPr id="2" name="Title 1">
-            <a:extLst>
-              <a:ext uri="{FF2B5EF4-FFF2-40B4-BE49-F238E27FC236}">
-                <a16:creationId xmlns:a16="http://schemas.microsoft.com/office/drawing/2014/main" id="{73C4D71D-EE4D-1F42-A9EA-A8EEA75757E8}"/>
-              </a:ext>
-            </a:extLst>
-          </p:cNvPr>
-          <p:cNvSpPr>
-            <a:spLocks noGrp="1"/>
-          </p:cNvSpPr>
-          <p:nvPr>
-            <p:ph type="title"/>
-          </p:nvPr>
-        </p:nvSpPr>
-        <p:spPr/>
-        <p:txBody>
-          <a:bodyPr/>
-          <a:lstStyle/>
-          <a:p>
-            <a:r>
-              <a:rPr lang="en-US" dirty="0"/>
-              <a:t>High level syntax </a:t>
-            </a:r>
-          </a:p>
-        </p:txBody>
-      </p:sp>
-      <p:sp>
-        <p:nvSpPr>
-          <p:cNvPr id="3" name="Text Placeholder 2">
-            <a:extLst>
-              <a:ext uri="{FF2B5EF4-FFF2-40B4-BE49-F238E27FC236}">
-                <a16:creationId xmlns:a16="http://schemas.microsoft.com/office/drawing/2014/main" id="{40991B6D-D6AC-DA40-923E-EDAFB809F318}"/>
-              </a:ext>
-            </a:extLst>
-          </p:cNvPr>
-          <p:cNvSpPr>
-            <a:spLocks noGrp="1"/>
-          </p:cNvSpPr>
-          <p:nvPr>
-            <p:ph type="body" idx="1"/>
-          </p:nvPr>
-        </p:nvSpPr>
-        <p:spPr/>
-        <p:txBody>
-          <a:bodyPr/>
-          <a:lstStyle/>
-          <a:p>
-            <a:pPr marL="114300" indent="0">
-              <a:buNone/>
-            </a:pPr>
-            <a:r>
-              <a:rPr lang="en-US" dirty="0" err="1"/>
-              <a:t>db.</a:t>
-            </a:r>
-            <a:r>
-              <a:rPr lang="en-US" dirty="0" err="1">
-                <a:solidFill>
-                  <a:srgbClr val="FFC000"/>
-                </a:solidFill>
-              </a:rPr>
-              <a:t>collection</a:t>
-            </a:r>
-            <a:r>
-              <a:rPr lang="en-US" dirty="0" err="1"/>
-              <a:t>.</a:t>
-            </a:r>
-            <a:r>
-              <a:rPr lang="en-US" dirty="0" err="1">
-                <a:solidFill>
-                  <a:srgbClr val="92D050"/>
-                </a:solidFill>
-              </a:rPr>
-              <a:t>aggregate</a:t>
-            </a:r>
-            <a:r>
-              <a:rPr lang="en-US" dirty="0"/>
-              <a:t>();</a:t>
-            </a:r>
-          </a:p>
-        </p:txBody>
-      </p:sp>
-    </p:spTree>
-    <p:extLst>
-      <p:ext uri="{BB962C8B-B14F-4D97-AF65-F5344CB8AC3E}">
-        <p14:creationId xmlns:p14="http://schemas.microsoft.com/office/powerpoint/2010/main" val="1773390741"/>
-      </p:ext>
-    </p:extLst>
-  </p:cSld>
-  <p:clrMapOvr>
-    <a:masterClrMapping/>
-  </p:clrMapOvr>
-</p:sld>
-</file>
-
-<file path=ppt/slides/slide24.xml><?xml version="1.0" encoding="utf-8"?>
-<p:sld xmlns:a="http://schemas.openxmlformats.org/drawingml/2006/main" xmlns:r="http://schemas.openxmlformats.org/officeDocument/2006/relationships" xmlns:p="http://schemas.openxmlformats.org/presentationml/2006/main">
-  <p:cSld>
-    <p:spTree>
-      <p:nvGrpSpPr>
-        <p:cNvPr id="1" name=""/>
-        <p:cNvGrpSpPr/>
-        <p:nvPr/>
-      </p:nvGrpSpPr>
-      <p:grpSpPr>
-        <a:xfrm>
-          <a:off x="0" y="0"/>
-          <a:ext cx="0" cy="0"/>
-          <a:chOff x="0" y="0"/>
-          <a:chExt cx="0" cy="0"/>
-        </a:xfrm>
-      </p:grpSpPr>
-      <p:sp>
-        <p:nvSpPr>
-          <p:cNvPr id="2" name="Title 1">
-            <a:extLst>
-              <a:ext uri="{FF2B5EF4-FFF2-40B4-BE49-F238E27FC236}">
-                <a16:creationId xmlns:a16="http://schemas.microsoft.com/office/drawing/2014/main" id="{73C4D71D-EE4D-1F42-A9EA-A8EEA75757E8}"/>
-              </a:ext>
-            </a:extLst>
-          </p:cNvPr>
-          <p:cNvSpPr>
-            <a:spLocks noGrp="1"/>
-          </p:cNvSpPr>
-          <p:nvPr>
-            <p:ph type="title"/>
-          </p:nvPr>
-        </p:nvSpPr>
-        <p:spPr/>
-        <p:txBody>
-          <a:bodyPr/>
-          <a:lstStyle/>
-          <a:p>
-            <a:r>
-              <a:rPr lang="en-US" dirty="0"/>
-              <a:t>High level syntax </a:t>
-            </a:r>
-          </a:p>
-        </p:txBody>
-      </p:sp>
-      <p:sp>
-        <p:nvSpPr>
-          <p:cNvPr id="3" name="Text Placeholder 2">
-            <a:extLst>
-              <a:ext uri="{FF2B5EF4-FFF2-40B4-BE49-F238E27FC236}">
-                <a16:creationId xmlns:a16="http://schemas.microsoft.com/office/drawing/2014/main" id="{40991B6D-D6AC-DA40-923E-EDAFB809F318}"/>
-              </a:ext>
-            </a:extLst>
-          </p:cNvPr>
-          <p:cNvSpPr>
-            <a:spLocks noGrp="1"/>
-          </p:cNvSpPr>
-          <p:nvPr>
-            <p:ph type="body" idx="1"/>
-          </p:nvPr>
-        </p:nvSpPr>
-        <p:spPr/>
-        <p:txBody>
-          <a:bodyPr/>
-          <a:lstStyle/>
-          <a:p>
-            <a:pPr marL="114300" indent="0">
-              <a:buNone/>
-            </a:pPr>
-            <a:r>
-              <a:rPr lang="en-US" dirty="0" err="1"/>
-              <a:t>db.</a:t>
-            </a:r>
-            <a:r>
-              <a:rPr lang="en-US" dirty="0" err="1">
-                <a:solidFill>
-                  <a:srgbClr val="FFC000"/>
-                </a:solidFill>
-              </a:rPr>
-              <a:t>collection</a:t>
-            </a:r>
-            <a:r>
-              <a:rPr lang="en-US" dirty="0" err="1"/>
-              <a:t>.</a:t>
-            </a:r>
-            <a:r>
-              <a:rPr lang="en-US" dirty="0" err="1">
-                <a:solidFill>
-                  <a:srgbClr val="92D050"/>
-                </a:solidFill>
-              </a:rPr>
-              <a:t>aggregate</a:t>
-            </a:r>
-            <a:r>
-              <a:rPr lang="en-US" dirty="0"/>
-              <a:t>([</a:t>
-            </a:r>
-          </a:p>
-          <a:p>
-            <a:pPr marL="114300" indent="0">
-              <a:buNone/>
-            </a:pPr>
-            <a:r>
-              <a:rPr lang="en-US" dirty="0"/>
-              <a:t>	{stage},</a:t>
-            </a:r>
-          </a:p>
-          <a:p>
-            <a:pPr marL="114300" indent="0">
-              <a:buNone/>
-            </a:pPr>
-            <a:r>
-              <a:rPr lang="en-US" dirty="0"/>
-              <a:t>	{stage},</a:t>
-            </a:r>
-          </a:p>
-          <a:p>
-            <a:pPr marL="114300" indent="0">
-              <a:buNone/>
-            </a:pPr>
-            <a:r>
-              <a:rPr lang="en-US" dirty="0"/>
-              <a:t>	{stage}</a:t>
-            </a:r>
-          </a:p>
-          <a:p>
-            <a:pPr marL="114300" indent="0">
-              <a:buNone/>
-            </a:pPr>
-            <a:r>
-              <a:rPr lang="en-US" dirty="0"/>
-              <a:t>]);</a:t>
-            </a:r>
-          </a:p>
-        </p:txBody>
-      </p:sp>
-    </p:spTree>
-    <p:extLst>
-      <p:ext uri="{BB962C8B-B14F-4D97-AF65-F5344CB8AC3E}">
-        <p14:creationId xmlns:p14="http://schemas.microsoft.com/office/powerpoint/2010/main" val="1964356268"/>
-      </p:ext>
-    </p:extLst>
-  </p:cSld>
-  <p:clrMapOvr>
-    <a:masterClrMapping/>
-  </p:clrMapOvr>
-</p:sld>
-</file>
-
-<file path=ppt/slides/slide25.xml><?xml version="1.0" encoding="utf-8"?>
-<p:sld xmlns:a="http://schemas.openxmlformats.org/drawingml/2006/main" xmlns:r="http://schemas.openxmlformats.org/officeDocument/2006/relationships" xmlns:p="http://schemas.openxmlformats.org/presentationml/2006/main">
-  <p:cSld>
-    <p:spTree>
-      <p:nvGrpSpPr>
-        <p:cNvPr id="1" name=""/>
-        <p:cNvGrpSpPr/>
-        <p:nvPr/>
-      </p:nvGrpSpPr>
-      <p:grpSpPr>
-        <a:xfrm>
-          <a:off x="0" y="0"/>
-          <a:ext cx="0" cy="0"/>
-          <a:chOff x="0" y="0"/>
-          <a:chExt cx="0" cy="0"/>
-        </a:xfrm>
-      </p:grpSpPr>
-      <p:sp>
-        <p:nvSpPr>
-          <p:cNvPr id="2" name="Title 1">
-            <a:extLst>
-              <a:ext uri="{FF2B5EF4-FFF2-40B4-BE49-F238E27FC236}">
-                <a16:creationId xmlns:a16="http://schemas.microsoft.com/office/drawing/2014/main" id="{7BA2195E-F01F-8743-B60E-08AA276057B6}"/>
-              </a:ext>
-            </a:extLst>
-          </p:cNvPr>
-          <p:cNvSpPr>
-            <a:spLocks noGrp="1"/>
-          </p:cNvSpPr>
-          <p:nvPr>
-            <p:ph type="title"/>
-          </p:nvPr>
-        </p:nvSpPr>
-        <p:spPr/>
-        <p:txBody>
-          <a:bodyPr/>
-          <a:lstStyle/>
-          <a:p>
-            <a:endParaRPr lang="en-US"/>
-          </a:p>
-        </p:txBody>
-      </p:sp>
-      <p:sp>
-        <p:nvSpPr>
-          <p:cNvPr id="3" name="Text Placeholder 2">
-            <a:extLst>
-              <a:ext uri="{FF2B5EF4-FFF2-40B4-BE49-F238E27FC236}">
-                <a16:creationId xmlns:a16="http://schemas.microsoft.com/office/drawing/2014/main" id="{05E0D3A1-8BD5-524E-BF9C-A1EF9CD1C569}"/>
-              </a:ext>
-            </a:extLst>
-          </p:cNvPr>
-          <p:cNvSpPr>
-            <a:spLocks noGrp="1"/>
-          </p:cNvSpPr>
-          <p:nvPr>
-            <p:ph type="body" idx="1"/>
-          </p:nvPr>
-        </p:nvSpPr>
-        <p:spPr/>
-        <p:txBody>
-          <a:bodyPr/>
-          <a:lstStyle/>
-          <a:p>
-            <a:endParaRPr lang="en-US"/>
-          </a:p>
-        </p:txBody>
-      </p:sp>
-    </p:spTree>
-    <p:extLst>
-      <p:ext uri="{BB962C8B-B14F-4D97-AF65-F5344CB8AC3E}">
-        <p14:creationId xmlns:p14="http://schemas.microsoft.com/office/powerpoint/2010/main" val="3411254808"/>
-      </p:ext>
-    </p:extLst>
-  </p:cSld>
-  <p:clrMapOvr>
-    <a:masterClrMapping/>
-  </p:clrMapOvr>
-</p:sld>
-</file>
-
-<file path=ppt/slides/slide26.xml><?xml version="1.0" encoding="utf-8"?>
-<p:sld xmlns:a="http://schemas.openxmlformats.org/drawingml/2006/main" xmlns:r="http://schemas.openxmlformats.org/officeDocument/2006/relationships" xmlns:p="http://schemas.openxmlformats.org/presentationml/2006/main">
-  <p:cSld>
-    <p:spTree>
-      <p:nvGrpSpPr>
-        <p:cNvPr id="1" name=""/>
-        <p:cNvGrpSpPr/>
-        <p:nvPr/>
-      </p:nvGrpSpPr>
-      <p:grpSpPr>
-        <a:xfrm>
-          <a:off x="0" y="0"/>
-          <a:ext cx="0" cy="0"/>
-          <a:chOff x="0" y="0"/>
-          <a:chExt cx="0" cy="0"/>
-        </a:xfrm>
-      </p:grpSpPr>
-      <p:sp>
-        <p:nvSpPr>
-          <p:cNvPr id="2" name="Title 1">
-            <a:extLst>
-              <a:ext uri="{FF2B5EF4-FFF2-40B4-BE49-F238E27FC236}">
-                <a16:creationId xmlns:a16="http://schemas.microsoft.com/office/drawing/2014/main" id="{A3F0CF21-61DB-724A-AEF4-75ED8A1637E4}"/>
-              </a:ext>
-            </a:extLst>
-          </p:cNvPr>
-          <p:cNvSpPr>
-            <a:spLocks noGrp="1"/>
-          </p:cNvSpPr>
-          <p:nvPr>
-            <p:ph type="title"/>
-          </p:nvPr>
-        </p:nvSpPr>
-        <p:spPr/>
-        <p:txBody>
-          <a:bodyPr/>
-          <a:lstStyle/>
-          <a:p>
-            <a:endParaRPr lang="en-US"/>
-          </a:p>
-        </p:txBody>
-      </p:sp>
-      <p:sp>
-        <p:nvSpPr>
-          <p:cNvPr id="3" name="Text Placeholder 2">
-            <a:extLst>
-              <a:ext uri="{FF2B5EF4-FFF2-40B4-BE49-F238E27FC236}">
-                <a16:creationId xmlns:a16="http://schemas.microsoft.com/office/drawing/2014/main" id="{C282D88C-6CE6-BC4F-B7A2-03090A38FA44}"/>
-              </a:ext>
-            </a:extLst>
-          </p:cNvPr>
-          <p:cNvSpPr>
-            <a:spLocks noGrp="1"/>
-          </p:cNvSpPr>
-          <p:nvPr>
-            <p:ph type="body" idx="1"/>
-          </p:nvPr>
-        </p:nvSpPr>
-        <p:spPr/>
-        <p:txBody>
-          <a:bodyPr/>
-          <a:lstStyle/>
-          <a:p>
-            <a:endParaRPr lang="en-US"/>
-          </a:p>
-        </p:txBody>
-      </p:sp>
-    </p:spTree>
-    <p:extLst>
-      <p:ext uri="{BB962C8B-B14F-4D97-AF65-F5344CB8AC3E}">
-        <p14:creationId xmlns:p14="http://schemas.microsoft.com/office/powerpoint/2010/main" val="1776010539"/>
-      </p:ext>
-    </p:extLst>
-  </p:cSld>
-  <p:clrMapOvr>
-    <a:masterClrMapping/>
-  </p:clrMapOvr>
-</p:sld>
-</file>
-
-<file path=ppt/slides/slide27.xml><?xml version="1.0" encoding="utf-8"?>
-<p:sld xmlns:a="http://schemas.openxmlformats.org/drawingml/2006/main" xmlns:r="http://schemas.openxmlformats.org/officeDocument/2006/relationships" xmlns:p="http://schemas.openxmlformats.org/presentationml/2006/main">
-  <p:cSld>
-    <p:spTree>
-      <p:nvGrpSpPr>
-        <p:cNvPr id="1" name=""/>
-        <p:cNvGrpSpPr/>
-        <p:nvPr/>
-      </p:nvGrpSpPr>
-      <p:grpSpPr>
-        <a:xfrm>
-          <a:off x="0" y="0"/>
-          <a:ext cx="0" cy="0"/>
-          <a:chOff x="0" y="0"/>
-          <a:chExt cx="0" cy="0"/>
-        </a:xfrm>
-      </p:grpSpPr>
-      <p:sp>
-        <p:nvSpPr>
-          <p:cNvPr id="2" name="Title 1">
-            <a:extLst>
-              <a:ext uri="{FF2B5EF4-FFF2-40B4-BE49-F238E27FC236}">
-                <a16:creationId xmlns:a16="http://schemas.microsoft.com/office/drawing/2014/main" id="{8B49260D-BC40-B04D-92C5-65339699B594}"/>
-              </a:ext>
-            </a:extLst>
-          </p:cNvPr>
-          <p:cNvSpPr>
-            <a:spLocks noGrp="1"/>
-          </p:cNvSpPr>
-          <p:nvPr>
-            <p:ph type="title"/>
-          </p:nvPr>
-        </p:nvSpPr>
-        <p:spPr/>
-        <p:txBody>
-          <a:bodyPr/>
-          <a:lstStyle/>
-          <a:p>
-            <a:endParaRPr lang="en-US"/>
-          </a:p>
-        </p:txBody>
-      </p:sp>
-      <p:sp>
-        <p:nvSpPr>
-          <p:cNvPr id="3" name="Text Placeholder 2">
-            <a:extLst>
-              <a:ext uri="{FF2B5EF4-FFF2-40B4-BE49-F238E27FC236}">
-                <a16:creationId xmlns:a16="http://schemas.microsoft.com/office/drawing/2014/main" id="{13E34C98-ADF7-8542-9EAB-C8B060E41A53}"/>
-              </a:ext>
-            </a:extLst>
-          </p:cNvPr>
-          <p:cNvSpPr>
-            <a:spLocks noGrp="1"/>
-          </p:cNvSpPr>
-          <p:nvPr>
-            <p:ph type="body" idx="1"/>
-          </p:nvPr>
-        </p:nvSpPr>
-        <p:spPr/>
-        <p:txBody>
-          <a:bodyPr/>
-          <a:lstStyle/>
-          <a:p>
-            <a:endParaRPr lang="en-US"/>
-          </a:p>
-        </p:txBody>
-      </p:sp>
-    </p:spTree>
-    <p:extLst>
-      <p:ext uri="{BB962C8B-B14F-4D97-AF65-F5344CB8AC3E}">
-        <p14:creationId xmlns:p14="http://schemas.microsoft.com/office/powerpoint/2010/main" val="3012496845"/>
-      </p:ext>
-    </p:extLst>
-  </p:cSld>
-  <p:clrMapOvr>
-    <a:masterClrMapping/>
-  </p:clrMapOvr>
 </p:sld>
 </file>
 

--- a/03b Aggregation match.pptx
+++ b/03b Aggregation match.pptx
@@ -3607,6 +3607,36 @@
           </a:prstGeom>
         </p:spPr>
       </p:pic>
+      <p:pic>
+        <p:nvPicPr>
+          <p:cNvPr id="5" name="Picture 4">
+            <a:extLst>
+              <a:ext uri="{FF2B5EF4-FFF2-40B4-BE49-F238E27FC236}">
+                <a16:creationId xmlns:a16="http://schemas.microsoft.com/office/drawing/2014/main" id="{E24DC024-349F-F747-8D61-2090454EF7B0}"/>
+              </a:ext>
+            </a:extLst>
+          </p:cNvPr>
+          <p:cNvPicPr>
+            <a:picLocks noChangeAspect="1"/>
+          </p:cNvPicPr>
+          <p:nvPr/>
+        </p:nvPicPr>
+        <p:blipFill>
+          <a:blip r:embed="rId3"/>
+          <a:stretch>
+            <a:fillRect/>
+          </a:stretch>
+        </p:blipFill>
+        <p:spPr>
+          <a:xfrm>
+            <a:off x="921090" y="743678"/>
+            <a:ext cx="1045559" cy="147747"/>
+          </a:xfrm>
+          <a:prstGeom prst="rect">
+            <a:avLst/>
+          </a:prstGeom>
+        </p:spPr>
+      </p:pic>
     </p:spTree>
     <p:extLst>
       <p:ext uri="{BB962C8B-B14F-4D97-AF65-F5344CB8AC3E}">
@@ -3617,6 +3647,81 @@
   <p:clrMapOvr>
     <a:masterClrMapping/>
   </p:clrMapOvr>
+  <p:timing>
+    <p:tnLst>
+      <p:par>
+        <p:cTn id="1" dur="indefinite" restart="never" nodeType="tmRoot">
+          <p:childTnLst>
+            <p:seq concurrent="1" nextAc="seek">
+              <p:cTn id="2" dur="indefinite" nodeType="mainSeq">
+                <p:childTnLst>
+                  <p:par>
+                    <p:cTn id="3" fill="hold">
+                      <p:stCondLst>
+                        <p:cond delay="indefinite"/>
+                      </p:stCondLst>
+                      <p:childTnLst>
+                        <p:par>
+                          <p:cTn id="4" fill="hold">
+                            <p:stCondLst>
+                              <p:cond delay="0"/>
+                            </p:stCondLst>
+                            <p:childTnLst>
+                              <p:par>
+                                <p:cTn id="5" presetID="1" presetClass="entr" presetSubtype="0" fill="hold" nodeType="clickEffect">
+                                  <p:stCondLst>
+                                    <p:cond delay="0"/>
+                                  </p:stCondLst>
+                                  <p:childTnLst>
+                                    <p:set>
+                                      <p:cBhvr>
+                                        <p:cTn id="6" dur="1" fill="hold">
+                                          <p:stCondLst>
+                                            <p:cond delay="0"/>
+                                          </p:stCondLst>
+                                        </p:cTn>
+                                        <p:tgtEl>
+                                          <p:spTgt spid="5"/>
+                                        </p:tgtEl>
+                                        <p:attrNameLst>
+                                          <p:attrName>style.visibility</p:attrName>
+                                        </p:attrNameLst>
+                                      </p:cBhvr>
+                                      <p:to>
+                                        <p:strVal val="visible"/>
+                                      </p:to>
+                                    </p:set>
+                                  </p:childTnLst>
+                                </p:cTn>
+                              </p:par>
+                            </p:childTnLst>
+                          </p:cTn>
+                        </p:par>
+                      </p:childTnLst>
+                    </p:cTn>
+                  </p:par>
+                </p:childTnLst>
+              </p:cTn>
+              <p:prevCondLst>
+                <p:cond evt="onPrev" delay="0">
+                  <p:tgtEl>
+                    <p:sldTgt/>
+                  </p:tgtEl>
+                </p:cond>
+              </p:prevCondLst>
+              <p:nextCondLst>
+                <p:cond evt="onNext" delay="0">
+                  <p:tgtEl>
+                    <p:sldTgt/>
+                  </p:tgtEl>
+                </p:cond>
+              </p:nextCondLst>
+            </p:seq>
+          </p:childTnLst>
+        </p:cTn>
+      </p:par>
+    </p:tnLst>
+  </p:timing>
 </p:sld>
 </file>
 
@@ -3717,6 +3822,36 @@
           </a:prstGeom>
         </p:spPr>
       </p:pic>
+      <p:pic>
+        <p:nvPicPr>
+          <p:cNvPr id="5" name="Picture 4">
+            <a:extLst>
+              <a:ext uri="{FF2B5EF4-FFF2-40B4-BE49-F238E27FC236}">
+                <a16:creationId xmlns:a16="http://schemas.microsoft.com/office/drawing/2014/main" id="{EA19493A-223E-2E47-B39F-5CFFA5CA3937}"/>
+              </a:ext>
+            </a:extLst>
+          </p:cNvPr>
+          <p:cNvPicPr>
+            <a:picLocks noChangeAspect="1"/>
+          </p:cNvPicPr>
+          <p:nvPr/>
+        </p:nvPicPr>
+        <p:blipFill>
+          <a:blip r:embed="rId3"/>
+          <a:stretch>
+            <a:fillRect/>
+          </a:stretch>
+        </p:blipFill>
+        <p:spPr>
+          <a:xfrm>
+            <a:off x="1348423" y="748273"/>
+            <a:ext cx="310363" cy="133962"/>
+          </a:xfrm>
+          <a:prstGeom prst="rect">
+            <a:avLst/>
+          </a:prstGeom>
+        </p:spPr>
+      </p:pic>
     </p:spTree>
     <p:extLst>
       <p:ext uri="{BB962C8B-B14F-4D97-AF65-F5344CB8AC3E}">
@@ -3727,6 +3862,81 @@
   <p:clrMapOvr>
     <a:masterClrMapping/>
   </p:clrMapOvr>
+  <p:timing>
+    <p:tnLst>
+      <p:par>
+        <p:cTn id="1" dur="indefinite" restart="never" nodeType="tmRoot">
+          <p:childTnLst>
+            <p:seq concurrent="1" nextAc="seek">
+              <p:cTn id="2" dur="indefinite" nodeType="mainSeq">
+                <p:childTnLst>
+                  <p:par>
+                    <p:cTn id="3" fill="hold">
+                      <p:stCondLst>
+                        <p:cond delay="indefinite"/>
+                      </p:stCondLst>
+                      <p:childTnLst>
+                        <p:par>
+                          <p:cTn id="4" fill="hold">
+                            <p:stCondLst>
+                              <p:cond delay="0"/>
+                            </p:stCondLst>
+                            <p:childTnLst>
+                              <p:par>
+                                <p:cTn id="5" presetID="1" presetClass="entr" presetSubtype="0" fill="hold" nodeType="clickEffect">
+                                  <p:stCondLst>
+                                    <p:cond delay="0"/>
+                                  </p:stCondLst>
+                                  <p:childTnLst>
+                                    <p:set>
+                                      <p:cBhvr>
+                                        <p:cTn id="6" dur="1" fill="hold">
+                                          <p:stCondLst>
+                                            <p:cond delay="0"/>
+                                          </p:stCondLst>
+                                        </p:cTn>
+                                        <p:tgtEl>
+                                          <p:spTgt spid="5"/>
+                                        </p:tgtEl>
+                                        <p:attrNameLst>
+                                          <p:attrName>style.visibility</p:attrName>
+                                        </p:attrNameLst>
+                                      </p:cBhvr>
+                                      <p:to>
+                                        <p:strVal val="visible"/>
+                                      </p:to>
+                                    </p:set>
+                                  </p:childTnLst>
+                                </p:cTn>
+                              </p:par>
+                            </p:childTnLst>
+                          </p:cTn>
+                        </p:par>
+                      </p:childTnLst>
+                    </p:cTn>
+                  </p:par>
+                </p:childTnLst>
+              </p:cTn>
+              <p:prevCondLst>
+                <p:cond evt="onPrev" delay="0">
+                  <p:tgtEl>
+                    <p:sldTgt/>
+                  </p:tgtEl>
+                </p:cond>
+              </p:prevCondLst>
+              <p:nextCondLst>
+                <p:cond evt="onNext" delay="0">
+                  <p:tgtEl>
+                    <p:sldTgt/>
+                  </p:tgtEl>
+                </p:cond>
+              </p:nextCondLst>
+            </p:seq>
+          </p:childTnLst>
+        </p:cTn>
+      </p:par>
+    </p:tnLst>
+  </p:timing>
 </p:sld>
 </file>
 
@@ -3827,6 +4037,36 @@
           </a:prstGeom>
         </p:spPr>
       </p:pic>
+      <p:pic>
+        <p:nvPicPr>
+          <p:cNvPr id="6" name="Picture 5">
+            <a:extLst>
+              <a:ext uri="{FF2B5EF4-FFF2-40B4-BE49-F238E27FC236}">
+                <a16:creationId xmlns:a16="http://schemas.microsoft.com/office/drawing/2014/main" id="{3EFF7FE4-2A8A-B74F-9AE8-91CE032C4A70}"/>
+              </a:ext>
+            </a:extLst>
+          </p:cNvPr>
+          <p:cNvPicPr>
+            <a:picLocks noChangeAspect="1"/>
+          </p:cNvPicPr>
+          <p:nvPr/>
+        </p:nvPicPr>
+        <p:blipFill>
+          <a:blip r:embed="rId3"/>
+          <a:stretch>
+            <a:fillRect/>
+          </a:stretch>
+        </p:blipFill>
+        <p:spPr>
+          <a:xfrm>
+            <a:off x="1330043" y="748273"/>
+            <a:ext cx="383883" cy="133962"/>
+          </a:xfrm>
+          <a:prstGeom prst="rect">
+            <a:avLst/>
+          </a:prstGeom>
+        </p:spPr>
+      </p:pic>
     </p:spTree>
     <p:extLst>
       <p:ext uri="{BB962C8B-B14F-4D97-AF65-F5344CB8AC3E}">
@@ -3837,6 +4077,81 @@
   <p:clrMapOvr>
     <a:masterClrMapping/>
   </p:clrMapOvr>
+  <p:timing>
+    <p:tnLst>
+      <p:par>
+        <p:cTn id="1" dur="indefinite" restart="never" nodeType="tmRoot">
+          <p:childTnLst>
+            <p:seq concurrent="1" nextAc="seek">
+              <p:cTn id="2" dur="indefinite" nodeType="mainSeq">
+                <p:childTnLst>
+                  <p:par>
+                    <p:cTn id="3" fill="hold">
+                      <p:stCondLst>
+                        <p:cond delay="indefinite"/>
+                      </p:stCondLst>
+                      <p:childTnLst>
+                        <p:par>
+                          <p:cTn id="4" fill="hold">
+                            <p:stCondLst>
+                              <p:cond delay="0"/>
+                            </p:stCondLst>
+                            <p:childTnLst>
+                              <p:par>
+                                <p:cTn id="5" presetID="1" presetClass="entr" presetSubtype="0" fill="hold" nodeType="clickEffect">
+                                  <p:stCondLst>
+                                    <p:cond delay="0"/>
+                                  </p:stCondLst>
+                                  <p:childTnLst>
+                                    <p:set>
+                                      <p:cBhvr>
+                                        <p:cTn id="6" dur="1" fill="hold">
+                                          <p:stCondLst>
+                                            <p:cond delay="0"/>
+                                          </p:stCondLst>
+                                        </p:cTn>
+                                        <p:tgtEl>
+                                          <p:spTgt spid="6"/>
+                                        </p:tgtEl>
+                                        <p:attrNameLst>
+                                          <p:attrName>style.visibility</p:attrName>
+                                        </p:attrNameLst>
+                                      </p:cBhvr>
+                                      <p:to>
+                                        <p:strVal val="visible"/>
+                                      </p:to>
+                                    </p:set>
+                                  </p:childTnLst>
+                                </p:cTn>
+                              </p:par>
+                            </p:childTnLst>
+                          </p:cTn>
+                        </p:par>
+                      </p:childTnLst>
+                    </p:cTn>
+                  </p:par>
+                </p:childTnLst>
+              </p:cTn>
+              <p:prevCondLst>
+                <p:cond evt="onPrev" delay="0">
+                  <p:tgtEl>
+                    <p:sldTgt/>
+                  </p:tgtEl>
+                </p:cond>
+              </p:prevCondLst>
+              <p:nextCondLst>
+                <p:cond evt="onNext" delay="0">
+                  <p:tgtEl>
+                    <p:sldTgt/>
+                  </p:tgtEl>
+                </p:cond>
+              </p:nextCondLst>
+            </p:seq>
+          </p:childTnLst>
+        </p:cTn>
+      </p:par>
+    </p:tnLst>
+  </p:timing>
 </p:sld>
 </file>
 
@@ -3937,6 +4252,36 @@
           </a:prstGeom>
         </p:spPr>
       </p:pic>
+      <p:pic>
+        <p:nvPicPr>
+          <p:cNvPr id="5" name="Picture 4">
+            <a:extLst>
+              <a:ext uri="{FF2B5EF4-FFF2-40B4-BE49-F238E27FC236}">
+                <a16:creationId xmlns:a16="http://schemas.microsoft.com/office/drawing/2014/main" id="{DCDC990F-24E2-B24B-ACC1-188C7B6138E4}"/>
+              </a:ext>
+            </a:extLst>
+          </p:cNvPr>
+          <p:cNvPicPr>
+            <a:picLocks noChangeAspect="1"/>
+          </p:cNvPicPr>
+          <p:nvPr/>
+        </p:nvPicPr>
+        <p:blipFill>
+          <a:blip r:embed="rId3"/>
+          <a:stretch>
+            <a:fillRect/>
+          </a:stretch>
+        </p:blipFill>
+        <p:spPr>
+          <a:xfrm>
+            <a:off x="1408158" y="998862"/>
+            <a:ext cx="190894" cy="125578"/>
+          </a:xfrm>
+          <a:prstGeom prst="rect">
+            <a:avLst/>
+          </a:prstGeom>
+        </p:spPr>
+      </p:pic>
     </p:spTree>
     <p:extLst>
       <p:ext uri="{BB962C8B-B14F-4D97-AF65-F5344CB8AC3E}">
@@ -3947,6 +4292,81 @@
   <p:clrMapOvr>
     <a:masterClrMapping/>
   </p:clrMapOvr>
+  <p:timing>
+    <p:tnLst>
+      <p:par>
+        <p:cTn id="1" dur="indefinite" restart="never" nodeType="tmRoot">
+          <p:childTnLst>
+            <p:seq concurrent="1" nextAc="seek">
+              <p:cTn id="2" dur="indefinite" nodeType="mainSeq">
+                <p:childTnLst>
+                  <p:par>
+                    <p:cTn id="3" fill="hold">
+                      <p:stCondLst>
+                        <p:cond delay="indefinite"/>
+                      </p:stCondLst>
+                      <p:childTnLst>
+                        <p:par>
+                          <p:cTn id="4" fill="hold">
+                            <p:stCondLst>
+                              <p:cond delay="0"/>
+                            </p:stCondLst>
+                            <p:childTnLst>
+                              <p:par>
+                                <p:cTn id="5" presetID="1" presetClass="entr" presetSubtype="0" fill="hold" nodeType="clickEffect">
+                                  <p:stCondLst>
+                                    <p:cond delay="0"/>
+                                  </p:stCondLst>
+                                  <p:childTnLst>
+                                    <p:set>
+                                      <p:cBhvr>
+                                        <p:cTn id="6" dur="1" fill="hold">
+                                          <p:stCondLst>
+                                            <p:cond delay="0"/>
+                                          </p:stCondLst>
+                                        </p:cTn>
+                                        <p:tgtEl>
+                                          <p:spTgt spid="5"/>
+                                        </p:tgtEl>
+                                        <p:attrNameLst>
+                                          <p:attrName>style.visibility</p:attrName>
+                                        </p:attrNameLst>
+                                      </p:cBhvr>
+                                      <p:to>
+                                        <p:strVal val="visible"/>
+                                      </p:to>
+                                    </p:set>
+                                  </p:childTnLst>
+                                </p:cTn>
+                              </p:par>
+                            </p:childTnLst>
+                          </p:cTn>
+                        </p:par>
+                      </p:childTnLst>
+                    </p:cTn>
+                  </p:par>
+                </p:childTnLst>
+              </p:cTn>
+              <p:prevCondLst>
+                <p:cond evt="onPrev" delay="0">
+                  <p:tgtEl>
+                    <p:sldTgt/>
+                  </p:tgtEl>
+                </p:cond>
+              </p:prevCondLst>
+              <p:nextCondLst>
+                <p:cond evt="onNext" delay="0">
+                  <p:tgtEl>
+                    <p:sldTgt/>
+                  </p:tgtEl>
+                </p:cond>
+              </p:nextCondLst>
+            </p:seq>
+          </p:childTnLst>
+        </p:cTn>
+      </p:par>
+    </p:tnLst>
+  </p:timing>
 </p:sld>
 </file>
 
@@ -4900,14 +5320,14 @@
           <p:nvPr>
             <p:extLst>
               <p:ext uri="{D42A27DB-BD31-4B8C-83A1-F6EECF244321}">
-                <p14:modId xmlns:p14="http://schemas.microsoft.com/office/powerpoint/2010/main" val="1364370679"/>
+                <p14:modId xmlns:p14="http://schemas.microsoft.com/office/powerpoint/2010/main" val="3765890585"/>
               </p:ext>
             </p:extLst>
           </p:nvPr>
         </p:nvGraphicFramePr>
         <p:xfrm>
           <a:off x="506569" y="1381500"/>
-          <a:ext cx="8195256" cy="3337560"/>
+          <a:ext cx="8195256" cy="3708400"/>
         </p:xfrm>
         <a:graphic>
           <a:graphicData uri="http://schemas.openxmlformats.org/drawingml/2006/table">
@@ -5294,7 +5714,7 @@
                     <a:p>
                       <a:pPr algn="l" fontAlgn="t"/>
                       <a:r>
-                        <a:rPr lang="en-AU" u="none" strike="noStrike">
+                        <a:rPr lang="en-AU" u="none" strike="noStrike" dirty="0">
                           <a:solidFill>
                             <a:srgbClr val="007CAD"/>
                           </a:solidFill>
@@ -5303,7 +5723,7 @@
                         </a:rPr>
                         <a:t>$nin</a:t>
                       </a:r>
-                      <a:endParaRPr lang="en-AU">
+                      <a:endParaRPr lang="en-AU" dirty="0">
                         <a:effectLst/>
                       </a:endParaRPr>
                     </a:p>
@@ -5332,6 +5752,45 @@
                   </a:ext>
                 </a:extLst>
               </a:tr>
+              <a:tr h="370840">
+                <a:tc>
+                  <a:txBody>
+                    <a:bodyPr/>
+                    <a:lstStyle/>
+                    <a:p>
+                      <a:pPr algn="l" fontAlgn="t"/>
+                      <a:r>
+                        <a:rPr lang="en-AU" dirty="0">
+                          <a:effectLst/>
+                        </a:rPr>
+                        <a:t>$exists</a:t>
+                      </a:r>
+                    </a:p>
+                  </a:txBody>
+                  <a:tcPr marL="76200" marR="76200" marT="76200" marB="76200"/>
+                </a:tc>
+                <a:tc>
+                  <a:txBody>
+                    <a:bodyPr/>
+                    <a:lstStyle/>
+                    <a:p>
+                      <a:pPr algn="l" fontAlgn="t"/>
+                      <a:r>
+                        <a:rPr lang="en-AU" dirty="0">
+                          <a:effectLst/>
+                        </a:rPr>
+                        <a:t>Matches documents that include the attribute </a:t>
+                      </a:r>
+                    </a:p>
+                  </a:txBody>
+                  <a:tcPr marL="76200" marR="76200" marT="76200" marB="76200"/>
+                </a:tc>
+                <a:extLst>
+                  <a:ext uri="{0D108BD9-81ED-4DB2-BD59-A6C34878D82A}">
+                    <a16:rowId xmlns:a16="http://schemas.microsoft.com/office/drawing/2014/main" val="3684171909"/>
+                  </a:ext>
+                </a:extLst>
+              </a:tr>
             </a:tbl>
           </a:graphicData>
         </a:graphic>
@@ -5346,6 +5805,81 @@
   <p:clrMapOvr>
     <a:masterClrMapping/>
   </p:clrMapOvr>
+  <p:timing>
+    <p:tnLst>
+      <p:par>
+        <p:cTn id="1" dur="indefinite" restart="never" nodeType="tmRoot">
+          <p:childTnLst>
+            <p:seq concurrent="1" nextAc="seek">
+              <p:cTn id="2" dur="indefinite" nodeType="mainSeq">
+                <p:childTnLst>
+                  <p:par>
+                    <p:cTn id="3" fill="hold">
+                      <p:stCondLst>
+                        <p:cond delay="indefinite"/>
+                      </p:stCondLst>
+                      <p:childTnLst>
+                        <p:par>
+                          <p:cTn id="4" fill="hold">
+                            <p:stCondLst>
+                              <p:cond delay="0"/>
+                            </p:stCondLst>
+                            <p:childTnLst>
+                              <p:par>
+                                <p:cTn id="5" presetID="1" presetClass="entr" presetSubtype="0" fill="hold" nodeType="clickEffect">
+                                  <p:stCondLst>
+                                    <p:cond delay="0"/>
+                                  </p:stCondLst>
+                                  <p:childTnLst>
+                                    <p:set>
+                                      <p:cBhvr>
+                                        <p:cTn id="6" dur="1" fill="hold">
+                                          <p:stCondLst>
+                                            <p:cond delay="0"/>
+                                          </p:stCondLst>
+                                        </p:cTn>
+                                        <p:tgtEl>
+                                          <p:spTgt spid="4"/>
+                                        </p:tgtEl>
+                                        <p:attrNameLst>
+                                          <p:attrName>style.visibility</p:attrName>
+                                        </p:attrNameLst>
+                                      </p:cBhvr>
+                                      <p:to>
+                                        <p:strVal val="visible"/>
+                                      </p:to>
+                                    </p:set>
+                                  </p:childTnLst>
+                                </p:cTn>
+                              </p:par>
+                            </p:childTnLst>
+                          </p:cTn>
+                        </p:par>
+                      </p:childTnLst>
+                    </p:cTn>
+                  </p:par>
+                </p:childTnLst>
+              </p:cTn>
+              <p:prevCondLst>
+                <p:cond evt="onPrev" delay="0">
+                  <p:tgtEl>
+                    <p:sldTgt/>
+                  </p:tgtEl>
+                </p:cond>
+              </p:prevCondLst>
+              <p:nextCondLst>
+                <p:cond evt="onNext" delay="0">
+                  <p:tgtEl>
+                    <p:sldTgt/>
+                  </p:tgtEl>
+                </p:cond>
+              </p:nextCondLst>
+            </p:seq>
+          </p:childTnLst>
+        </p:cTn>
+      </p:par>
+    </p:tnLst>
+  </p:timing>
 </p:sld>
 </file>
 
@@ -5548,7 +6082,7 @@
         </p:blipFill>
         <p:spPr>
           <a:xfrm>
-            <a:off x="0" y="288043"/>
+            <a:off x="0" y="576086"/>
             <a:ext cx="9144000" cy="4567414"/>
           </a:xfrm>
           <a:prstGeom prst="rect">

--- a/03b Aggregation match.pptx
+++ b/03b Aggregation match.pptx
@@ -3489,7 +3489,7 @@
         </p:blipFill>
         <p:spPr>
           <a:xfrm>
-            <a:off x="0" y="288043"/>
+            <a:off x="0" y="576086"/>
             <a:ext cx="9144000" cy="4567414"/>
           </a:xfrm>
           <a:prstGeom prst="rect">
@@ -3599,7 +3599,7 @@
         </p:blipFill>
         <p:spPr>
           <a:xfrm>
-            <a:off x="0" y="288043"/>
+            <a:off x="0" y="576086"/>
             <a:ext cx="9144000" cy="4567414"/>
           </a:xfrm>
           <a:prstGeom prst="rect">
@@ -3629,7 +3629,7 @@
         </p:blipFill>
         <p:spPr>
           <a:xfrm>
-            <a:off x="921090" y="743678"/>
+            <a:off x="930279" y="1035900"/>
             <a:ext cx="1045559" cy="147747"/>
           </a:xfrm>
           <a:prstGeom prst="rect">
@@ -3814,7 +3814,7 @@
         </p:blipFill>
         <p:spPr>
           <a:xfrm>
-            <a:off x="0" y="288043"/>
+            <a:off x="0" y="576086"/>
             <a:ext cx="9144000" cy="4567414"/>
           </a:xfrm>
           <a:prstGeom prst="rect">
@@ -3844,7 +3844,7 @@
         </p:blipFill>
         <p:spPr>
           <a:xfrm>
-            <a:off x="1348423" y="748273"/>
+            <a:off x="1353018" y="1035900"/>
             <a:ext cx="310363" cy="133962"/>
           </a:xfrm>
           <a:prstGeom prst="rect">
@@ -4029,7 +4029,7 @@
         </p:blipFill>
         <p:spPr>
           <a:xfrm>
-            <a:off x="0" y="288043"/>
+            <a:off x="0" y="576086"/>
             <a:ext cx="9144000" cy="4567414"/>
           </a:xfrm>
           <a:prstGeom prst="rect">
@@ -4059,7 +4059,7 @@
         </p:blipFill>
         <p:spPr>
           <a:xfrm>
-            <a:off x="1330043" y="748273"/>
+            <a:off x="1343828" y="1035900"/>
             <a:ext cx="383883" cy="133962"/>
           </a:xfrm>
           <a:prstGeom prst="rect">
@@ -4244,7 +4244,7 @@
         </p:blipFill>
         <p:spPr>
           <a:xfrm>
-            <a:off x="0" y="288043"/>
+            <a:off x="0" y="576086"/>
             <a:ext cx="9144000" cy="4567414"/>
           </a:xfrm>
           <a:prstGeom prst="rect">
@@ -4274,8 +4274,8 @@
         </p:blipFill>
         <p:spPr>
           <a:xfrm>
-            <a:off x="1408158" y="998862"/>
-            <a:ext cx="190894" cy="125578"/>
+            <a:off x="1369303" y="1070628"/>
+            <a:ext cx="229749" cy="91899"/>
           </a:xfrm>
           <a:prstGeom prst="rect">
             <a:avLst/>
@@ -4454,14 +4454,10 @@
           </a:bodyPr>
           <a:lstStyle/>
           <a:p>
-            <a:pPr marL="0" lvl="0" indent="0" algn="l" rtl="0">
-              <a:spcBef>
-                <a:spcPts val="0"/>
-              </a:spcBef>
+            <a:pPr marL="285750" indent="-285750">
               <a:spcAft>
                 <a:spcPts val="1600"/>
               </a:spcAft>
-              <a:buNone/>
             </a:pPr>
             <a:r>
               <a:rPr lang="en-AU" dirty="0"/>
@@ -4469,14 +4465,10 @@
             </a:r>
           </a:p>
           <a:p>
-            <a:pPr marL="0" lvl="0" indent="0" algn="l" rtl="0">
-              <a:spcBef>
-                <a:spcPts val="0"/>
-              </a:spcBef>
+            <a:pPr marL="285750" indent="-285750">
               <a:spcAft>
                 <a:spcPts val="1600"/>
               </a:spcAft>
-              <a:buNone/>
             </a:pPr>
             <a:r>
               <a:rPr lang="en-AU" dirty="0"/>
@@ -4484,14 +4476,10 @@
             </a:r>
           </a:p>
           <a:p>
-            <a:pPr marL="0" lvl="0" indent="0" algn="l" rtl="0">
-              <a:spcBef>
-                <a:spcPts val="0"/>
-              </a:spcBef>
+            <a:pPr marL="285750" indent="-285750">
               <a:spcAft>
                 <a:spcPts val="1600"/>
               </a:spcAft>
-              <a:buNone/>
             </a:pPr>
             <a:r>
               <a:rPr lang="en-AU" dirty="0"/>
@@ -5293,7 +5281,12 @@
             <p:ph type="title"/>
           </p:nvPr>
         </p:nvSpPr>
-        <p:spPr/>
+        <p:spPr>
+          <a:xfrm>
+            <a:off x="506569" y="686155"/>
+            <a:ext cx="8520600" cy="572700"/>
+          </a:xfrm>
+        </p:spPr>
         <p:txBody>
           <a:bodyPr/>
           <a:lstStyle/>
@@ -5320,7 +5313,7 @@
           <p:nvPr>
             <p:extLst>
               <p:ext uri="{D42A27DB-BD31-4B8C-83A1-F6EECF244321}">
-                <p14:modId xmlns:p14="http://schemas.microsoft.com/office/powerpoint/2010/main" val="3765890585"/>
+                <p14:modId xmlns:p14="http://schemas.microsoft.com/office/powerpoint/2010/main" val="2670412440"/>
               </p:ext>
             </p:extLst>
           </p:nvPr>
@@ -5394,14 +5387,16 @@
                       <a:r>
                         <a:rPr lang="en-AU" u="none" strike="noStrike" dirty="0">
                           <a:solidFill>
-                            <a:srgbClr val="007CAD"/>
+                            <a:srgbClr val="0070C0"/>
                           </a:solidFill>
                           <a:effectLst/>
-                          <a:hlinkClick r:id="rId2"/>
                         </a:rPr>
                         <a:t>$eq</a:t>
                       </a:r>
                       <a:endParaRPr lang="en-AU" dirty="0">
+                        <a:solidFill>
+                          <a:srgbClr val="0070C0"/>
+                        </a:solidFill>
                         <a:effectLst/>
                       </a:endParaRPr>
                     </a:p>
@@ -5415,7 +5410,7 @@
                     <a:p>
                       <a:pPr algn="l" fontAlgn="t"/>
                       <a:r>
-                        <a:rPr lang="en-AU">
+                        <a:rPr lang="en-AU" dirty="0">
                           <a:effectLst/>
                         </a:rPr>
                         <a:t>Matches values that are equal to a specified value.</a:t>
@@ -5438,16 +5433,18 @@
                     <a:p>
                       <a:pPr algn="l" fontAlgn="t"/>
                       <a:r>
-                        <a:rPr lang="en-AU" u="none" strike="noStrike">
+                        <a:rPr lang="en-AU" u="none" strike="noStrike" dirty="0">
                           <a:solidFill>
-                            <a:srgbClr val="007CAD"/>
+                            <a:srgbClr val="0070C0"/>
                           </a:solidFill>
                           <a:effectLst/>
-                          <a:hlinkClick r:id="rId3"/>
                         </a:rPr>
                         <a:t>$gt</a:t>
                       </a:r>
-                      <a:endParaRPr lang="en-AU">
+                      <a:endParaRPr lang="en-AU" dirty="0">
+                        <a:solidFill>
+                          <a:srgbClr val="0070C0"/>
+                        </a:solidFill>
                         <a:effectLst/>
                       </a:endParaRPr>
                     </a:p>
@@ -5484,16 +5481,18 @@
                     <a:p>
                       <a:pPr algn="l" fontAlgn="t"/>
                       <a:r>
-                        <a:rPr lang="en-AU" u="none" strike="noStrike">
+                        <a:rPr lang="en-AU" u="none" strike="noStrike" dirty="0">
                           <a:solidFill>
-                            <a:srgbClr val="007CAD"/>
+                            <a:srgbClr val="0070C0"/>
                           </a:solidFill>
                           <a:effectLst/>
-                          <a:hlinkClick r:id="rId4"/>
                         </a:rPr>
                         <a:t>$gte</a:t>
                       </a:r>
-                      <a:endParaRPr lang="en-AU">
+                      <a:endParaRPr lang="en-AU" dirty="0">
+                        <a:solidFill>
+                          <a:srgbClr val="0070C0"/>
+                        </a:solidFill>
                         <a:effectLst/>
                       </a:endParaRPr>
                     </a:p>
@@ -5530,16 +5529,18 @@
                     <a:p>
                       <a:pPr algn="l" fontAlgn="t"/>
                       <a:r>
-                        <a:rPr lang="en-AU" u="none" strike="noStrike">
+                        <a:rPr lang="en-AU" u="none" strike="noStrike" dirty="0">
                           <a:solidFill>
-                            <a:srgbClr val="007CAD"/>
+                            <a:srgbClr val="0070C0"/>
                           </a:solidFill>
                           <a:effectLst/>
-                          <a:hlinkClick r:id="rId5"/>
                         </a:rPr>
                         <a:t>$in</a:t>
                       </a:r>
-                      <a:endParaRPr lang="en-AU">
+                      <a:endParaRPr lang="en-AU" dirty="0">
+                        <a:solidFill>
+                          <a:srgbClr val="0070C0"/>
+                        </a:solidFill>
                         <a:effectLst/>
                       </a:endParaRPr>
                     </a:p>
@@ -5576,16 +5577,27 @@
                     <a:p>
                       <a:pPr algn="l" fontAlgn="t"/>
                       <a:r>
-                        <a:rPr lang="en-AU" u="none" strike="noStrike">
+                        <a:rPr lang="en-AU" u="none" strike="noStrike" dirty="0">
                           <a:solidFill>
-                            <a:srgbClr val="007CAD"/>
+                            <a:srgbClr val="0070C0"/>
                           </a:solidFill>
                           <a:effectLst/>
-                          <a:hlinkClick r:id="rId6"/>
                         </a:rPr>
-                        <a:t>$lt</a:t>
+                        <a:t>$</a:t>
                       </a:r>
-                      <a:endParaRPr lang="en-AU">
+                      <a:r>
+                        <a:rPr lang="en-AU" u="none" strike="noStrike" dirty="0" err="1">
+                          <a:solidFill>
+                            <a:srgbClr val="0070C0"/>
+                          </a:solidFill>
+                          <a:effectLst/>
+                        </a:rPr>
+                        <a:t>lt</a:t>
+                      </a:r>
+                      <a:endParaRPr lang="en-AU" dirty="0">
+                        <a:solidFill>
+                          <a:srgbClr val="0070C0"/>
+                        </a:solidFill>
                         <a:effectLst/>
                       </a:endParaRPr>
                     </a:p>
@@ -5622,16 +5634,27 @@
                     <a:p>
                       <a:pPr algn="l" fontAlgn="t"/>
                       <a:r>
-                        <a:rPr lang="en-AU" u="none" strike="noStrike">
+                        <a:rPr lang="en-AU" u="none" strike="noStrike" dirty="0">
                           <a:solidFill>
-                            <a:srgbClr val="007CAD"/>
+                            <a:srgbClr val="0070C0"/>
                           </a:solidFill>
                           <a:effectLst/>
-                          <a:hlinkClick r:id="rId7"/>
                         </a:rPr>
-                        <a:t>$lte</a:t>
+                        <a:t>$</a:t>
                       </a:r>
-                      <a:endParaRPr lang="en-AU">
+                      <a:r>
+                        <a:rPr lang="en-AU" u="none" strike="noStrike" dirty="0" err="1">
+                          <a:solidFill>
+                            <a:srgbClr val="0070C0"/>
+                          </a:solidFill>
+                          <a:effectLst/>
+                        </a:rPr>
+                        <a:t>lte</a:t>
+                      </a:r>
+                      <a:endParaRPr lang="en-AU" dirty="0">
+                        <a:solidFill>
+                          <a:srgbClr val="0070C0"/>
+                        </a:solidFill>
                         <a:effectLst/>
                       </a:endParaRPr>
                     </a:p>
@@ -5668,16 +5691,18 @@
                     <a:p>
                       <a:pPr algn="l" fontAlgn="t"/>
                       <a:r>
-                        <a:rPr lang="en-AU" u="none" strike="noStrike">
+                        <a:rPr lang="en-AU" u="none" strike="noStrike" dirty="0">
                           <a:solidFill>
-                            <a:srgbClr val="007CAD"/>
+                            <a:srgbClr val="0070C0"/>
                           </a:solidFill>
                           <a:effectLst/>
-                          <a:hlinkClick r:id="rId8"/>
                         </a:rPr>
                         <a:t>$ne</a:t>
                       </a:r>
-                      <a:endParaRPr lang="en-AU">
+                      <a:endParaRPr lang="en-AU" dirty="0">
+                        <a:solidFill>
+                          <a:srgbClr val="0070C0"/>
+                        </a:solidFill>
                         <a:effectLst/>
                       </a:endParaRPr>
                     </a:p>
@@ -5716,14 +5741,16 @@
                       <a:r>
                         <a:rPr lang="en-AU" u="none" strike="noStrike" dirty="0">
                           <a:solidFill>
-                            <a:srgbClr val="007CAD"/>
+                            <a:srgbClr val="0070C0"/>
                           </a:solidFill>
                           <a:effectLst/>
-                          <a:hlinkClick r:id="rId9"/>
                         </a:rPr>
                         <a:t>$nin</a:t>
                       </a:r>
                       <a:endParaRPr lang="en-AU" dirty="0">
+                        <a:solidFill>
+                          <a:srgbClr val="0070C0"/>
+                        </a:solidFill>
                         <a:effectLst/>
                       </a:endParaRPr>
                     </a:p>
@@ -5761,6 +5788,9 @@
                       <a:pPr algn="l" fontAlgn="t"/>
                       <a:r>
                         <a:rPr lang="en-AU" dirty="0">
+                          <a:solidFill>
+                            <a:srgbClr val="0070C0"/>
+                          </a:solidFill>
                           <a:effectLst/>
                         </a:rPr>
                         <a:t>$exists</a:t>
@@ -5805,81 +5835,6 @@
   <p:clrMapOvr>
     <a:masterClrMapping/>
   </p:clrMapOvr>
-  <p:timing>
-    <p:tnLst>
-      <p:par>
-        <p:cTn id="1" dur="indefinite" restart="never" nodeType="tmRoot">
-          <p:childTnLst>
-            <p:seq concurrent="1" nextAc="seek">
-              <p:cTn id="2" dur="indefinite" nodeType="mainSeq">
-                <p:childTnLst>
-                  <p:par>
-                    <p:cTn id="3" fill="hold">
-                      <p:stCondLst>
-                        <p:cond delay="indefinite"/>
-                      </p:stCondLst>
-                      <p:childTnLst>
-                        <p:par>
-                          <p:cTn id="4" fill="hold">
-                            <p:stCondLst>
-                              <p:cond delay="0"/>
-                            </p:stCondLst>
-                            <p:childTnLst>
-                              <p:par>
-                                <p:cTn id="5" presetID="1" presetClass="entr" presetSubtype="0" fill="hold" nodeType="clickEffect">
-                                  <p:stCondLst>
-                                    <p:cond delay="0"/>
-                                  </p:stCondLst>
-                                  <p:childTnLst>
-                                    <p:set>
-                                      <p:cBhvr>
-                                        <p:cTn id="6" dur="1" fill="hold">
-                                          <p:stCondLst>
-                                            <p:cond delay="0"/>
-                                          </p:stCondLst>
-                                        </p:cTn>
-                                        <p:tgtEl>
-                                          <p:spTgt spid="4"/>
-                                        </p:tgtEl>
-                                        <p:attrNameLst>
-                                          <p:attrName>style.visibility</p:attrName>
-                                        </p:attrNameLst>
-                                      </p:cBhvr>
-                                      <p:to>
-                                        <p:strVal val="visible"/>
-                                      </p:to>
-                                    </p:set>
-                                  </p:childTnLst>
-                                </p:cTn>
-                              </p:par>
-                            </p:childTnLst>
-                          </p:cTn>
-                        </p:par>
-                      </p:childTnLst>
-                    </p:cTn>
-                  </p:par>
-                </p:childTnLst>
-              </p:cTn>
-              <p:prevCondLst>
-                <p:cond evt="onPrev" delay="0">
-                  <p:tgtEl>
-                    <p:sldTgt/>
-                  </p:tgtEl>
-                </p:cond>
-              </p:prevCondLst>
-              <p:nextCondLst>
-                <p:cond evt="onNext" delay="0">
-                  <p:tgtEl>
-                    <p:sldTgt/>
-                  </p:tgtEl>
-                </p:cond>
-              </p:nextCondLst>
-            </p:seq>
-          </p:childTnLst>
-        </p:cTn>
-      </p:par>
-    </p:tnLst>
-  </p:timing>
 </p:sld>
 </file>
 
